--- a/slides/AD260.pptx
+++ b/slides/AD260.pptx
@@ -12,9 +12,9 @@
   </p:handoutMasterIdLst>
   <p:sldIdLst>
     <p:sldId id="2147483250" r:id="rId11"/>
-    <p:sldId id="2147483251" r:id="rId12"/>
-    <p:sldId id="274" r:id="rId13"/>
-    <p:sldId id="2147483284" r:id="rId14"/>
+    <p:sldId id="281" r:id="rId12"/>
+    <p:sldId id="2147483285" r:id="rId13"/>
+    <p:sldId id="2147483286" r:id="rId14"/>
     <p:sldId id="272" r:id="rId15"/>
     <p:sldId id="2147483261" r:id="rId16"/>
     <p:sldId id="2147483266" r:id="rId17"/>
@@ -30,27 +30,17 @@
       <p:boldItalic r:id="rId23"/>
     </p:embeddedFont>
     <p:embeddedFont>
-      <p:font typeface="72 Brand Book" panose="020B0404030603020204" pitchFamily="34" charset="0"/>
+      <p:font typeface="72 Brand Medium" panose="020B0504030603020204" pitchFamily="34" charset="0"/>
       <p:regular r:id="rId24"/>
       <p:italic r:id="rId25"/>
     </p:embeddedFont>
     <p:embeddedFont>
-      <p:font typeface="72 Brand Light" panose="020B0304030603020204" pitchFamily="34" charset="0"/>
+      <p:font typeface="Arial Unicode MS" panose="020B0604020202020204" pitchFamily="34" charset="-128"/>
       <p:regular r:id="rId26"/>
-      <p:italic r:id="rId27"/>
-    </p:embeddedFont>
-    <p:embeddedFont>
-      <p:font typeface="72 Brand Medium" panose="020B0504030603020204" pitchFamily="34" charset="0"/>
-      <p:regular r:id="rId28"/>
-      <p:italic r:id="rId29"/>
-    </p:embeddedFont>
-    <p:embeddedFont>
-      <p:font typeface="Arial Unicode MS" panose="020B0604020202020204" pitchFamily="34" charset="-128"/>
-      <p:regular r:id="rId30"/>
     </p:embeddedFont>
   </p:embeddedFontLst>
   <p:custDataLst>
-    <p:tags r:id="rId31"/>
+    <p:tags r:id="rId27"/>
   </p:custDataLst>
   <p:defaultTextStyle>
     <a:defPPr>
@@ -177,9 +167,9 @@
         <p14:section name="Default Section" id="{76558F12-3A18-471D-8310-538052FE2933}">
           <p14:sldIdLst>
             <p14:sldId id="2147483250"/>
-            <p14:sldId id="2147483251"/>
-            <p14:sldId id="274"/>
-            <p14:sldId id="2147483284"/>
+            <p14:sldId id="281"/>
+            <p14:sldId id="2147483285"/>
+            <p14:sldId id="2147483286"/>
             <p14:sldId id="272"/>
             <p14:sldId id="2147483261"/>
             <p14:sldId id="2147483266"/>
@@ -605,6 +595,13 @@
           </p:nvPr>
         </p:nvSpPr>
         <p:spPr/>
+        <p:txBody>
+          <a:bodyPr/>
+          <a:lstStyle/>
+          <a:p>
+            <a:endParaRPr lang="en-US" dirty="0"/>
+          </a:p>
+        </p:txBody>
       </p:sp>
       <p:sp>
         <p:nvSpPr>
@@ -633,7 +630,7 @@
               <a:defRPr/>
             </a:pPr>
             <a:r>
-              <a:rPr lang="en-US" sz="1200" b="1">
+              <a:rPr lang="en-US" sz="1200" b="1" dirty="0">
                 <a:solidFill>
                   <a:srgbClr val="1B0B6E"/>
                 </a:solidFill>
@@ -646,7 +643,7 @@
             <a:pPr algn="l">
               <a:buNone/>
             </a:pPr>
-            <a:endParaRPr lang="en-CA" sz="2400" b="1" i="0" u="none" strike="noStrike">
+            <a:endParaRPr lang="en-CA" sz="2400" b="1" i="0" u="none" strike="noStrike" dirty="0">
               <a:solidFill>
                 <a:srgbClr val="000000"/>
               </a:solidFill>
@@ -658,7 +655,7 @@
               <a:buNone/>
             </a:pPr>
             <a:r>
-              <a:rPr lang="en-CA" sz="2400" b="1" i="0" u="none" strike="noStrike">
+              <a:rPr lang="en-CA" sz="2400" b="1" i="0" u="none" strike="noStrike" dirty="0">
                 <a:solidFill>
                   <a:srgbClr val="000000"/>
                 </a:solidFill>
@@ -667,7 +664,7 @@
               <a:t>SAP Build is fully integrated with the SAP Business Suite, SAP Business Data Cloud, and SAP Business AI.</a:t>
             </a:r>
             <a:br>
-              <a:rPr lang="en-CA" sz="2400" b="0" i="0" u="none" strike="noStrike">
+              <a:rPr lang="en-CA" sz="2400" b="0" i="0" u="none" strike="noStrike" dirty="0">
                 <a:solidFill>
                   <a:srgbClr val="000000"/>
                 </a:solidFill>
@@ -675,7 +672,7 @@
               </a:rPr>
             </a:br>
             <a:r>
-              <a:rPr lang="en-CA" sz="2400" b="0" i="0" u="none" strike="noStrike">
+              <a:rPr lang="en-CA" sz="2400" b="0" i="0" u="none" strike="noStrike" dirty="0">
                 <a:solidFill>
                   <a:srgbClr val="000000"/>
                 </a:solidFill>
@@ -688,7 +685,7 @@
             <a:pPr algn="l">
               <a:buNone/>
             </a:pPr>
-            <a:endParaRPr lang="en-CA" sz="2400" b="1" i="0" u="none" strike="noStrike">
+            <a:endParaRPr lang="en-CA" sz="2400" b="1" i="0" u="none" strike="noStrike" dirty="0">
               <a:solidFill>
                 <a:srgbClr val="000000"/>
               </a:solidFill>
@@ -700,7 +697,7 @@
               <a:buNone/>
             </a:pPr>
             <a:r>
-              <a:rPr lang="en-CA" sz="2400" b="1" i="0" u="none" strike="noStrike">
+              <a:rPr lang="en-CA" sz="2400" b="1" i="0" u="none" strike="noStrike" dirty="0">
                 <a:solidFill>
                   <a:srgbClr val="000000"/>
                 </a:solidFill>
@@ -709,7 +706,7 @@
               <a:t>Extension Layer</a:t>
             </a:r>
             <a:br>
-              <a:rPr lang="en-CA" sz="2400" b="0" i="0" u="none" strike="noStrike">
+              <a:rPr lang="en-CA" sz="2400" b="0" i="0" u="none" strike="noStrike" dirty="0">
                 <a:solidFill>
                   <a:srgbClr val="000000"/>
                 </a:solidFill>
@@ -717,7 +714,7 @@
               </a:rPr>
             </a:br>
             <a:r>
-              <a:rPr lang="en-CA" sz="2400" b="0" i="0" u="none" strike="noStrike">
+              <a:rPr lang="en-CA" sz="2400" b="0" i="0" u="none" strike="noStrike" dirty="0">
                 <a:solidFill>
                   <a:srgbClr val="000000"/>
                 </a:solidFill>
@@ -730,7 +727,7 @@
             <a:pPr algn="l">
               <a:buNone/>
             </a:pPr>
-            <a:endParaRPr lang="en-CA" sz="2400" b="1" i="0" u="none" strike="noStrike">
+            <a:endParaRPr lang="en-CA" sz="2400" b="1" i="0" u="none" strike="noStrike" dirty="0">
               <a:solidFill>
                 <a:srgbClr val="000000"/>
               </a:solidFill>
@@ -742,7 +739,7 @@
               <a:buNone/>
             </a:pPr>
             <a:r>
-              <a:rPr lang="en-CA" sz="2400" b="1" i="0" u="none" strike="noStrike">
+              <a:rPr lang="en-CA" sz="2400" b="1" i="0" u="none" strike="noStrike" dirty="0">
                 <a:solidFill>
                   <a:srgbClr val="000000"/>
                 </a:solidFill>
@@ -751,7 +748,7 @@
               <a:t>Embedded AI</a:t>
             </a:r>
             <a:br>
-              <a:rPr lang="en-CA" sz="2400" b="0" i="0" u="none" strike="noStrike">
+              <a:rPr lang="en-CA" sz="2400" b="0" i="0" u="none" strike="noStrike" dirty="0">
                 <a:solidFill>
                   <a:srgbClr val="000000"/>
                 </a:solidFill>
@@ -759,7 +756,7 @@
               </a:rPr>
             </a:br>
             <a:r>
-              <a:rPr lang="en-CA" sz="2400" b="0" i="0" u="none" strike="noStrike">
+              <a:rPr lang="en-CA" sz="2400" b="0" i="0" u="none" strike="noStrike" dirty="0">
                 <a:solidFill>
                   <a:srgbClr val="000000"/>
                 </a:solidFill>
@@ -770,7 +767,7 @@
           </a:p>
           <a:p>
             <a:pPr algn="l"/>
-            <a:endParaRPr lang="en-CA" sz="2400" b="1" i="0" u="none" strike="noStrike">
+            <a:endParaRPr lang="en-CA" sz="2400" b="1" i="0" u="none" strike="noStrike" dirty="0">
               <a:solidFill>
                 <a:srgbClr val="000000"/>
               </a:solidFill>
@@ -780,7 +777,7 @@
           <a:p>
             <a:pPr algn="l"/>
             <a:r>
-              <a:rPr lang="en-CA" sz="2400" b="1" i="0" u="none" strike="noStrike">
+              <a:rPr lang="en-CA" sz="2400" b="1" i="0" u="none" strike="noStrike" dirty="0">
                 <a:solidFill>
                   <a:srgbClr val="000000"/>
                 </a:solidFill>
@@ -789,7 +786,7 @@
               <a:t>Pre-built Content</a:t>
             </a:r>
             <a:br>
-              <a:rPr lang="en-CA" sz="2400" b="0" i="0" u="none" strike="noStrike">
+              <a:rPr lang="en-CA" sz="2400" b="0" i="0" u="none" strike="noStrike" dirty="0">
                 <a:solidFill>
                   <a:srgbClr val="000000"/>
                 </a:solidFill>
@@ -797,7 +794,7 @@
               </a:rPr>
             </a:br>
             <a:r>
-              <a:rPr lang="en-CA" sz="2400" b="0" i="0" u="none" strike="noStrike">
+              <a:rPr lang="en-CA" sz="2400" b="0" i="0" u="none" strike="noStrike" dirty="0">
                 <a:solidFill>
                   <a:srgbClr val="000000"/>
                 </a:solidFill>
@@ -826,7 +823,7 @@
               </a:tabLst>
               <a:defRPr/>
             </a:pPr>
-            <a:endParaRPr lang="en-US" sz="2400" b="0"/>
+            <a:endParaRPr lang="en-US" sz="2400" b="0" dirty="0"/>
           </a:p>
           <a:p>
             <a:pPr marL="0" marR="0" lvl="0" indent="0" algn="l" defTabSz="1088776" rtl="0" eaLnBrk="1" fontAlgn="auto" latinLnBrk="0" hangingPunct="1">
@@ -849,15 +846,15 @@
               <a:defRPr/>
             </a:pPr>
             <a:r>
-              <a:rPr lang="en-US" sz="2400" b="0"/>
+              <a:rPr lang="en-US" sz="2400" b="0" dirty="0"/>
               <a:t>SAP Build is part of the </a:t>
             </a:r>
             <a:r>
-              <a:rPr lang="en-US" sz="2400" b="1"/>
+              <a:rPr lang="en-US" sz="2400" b="1" dirty="0"/>
               <a:t>SAP Business Technology Platform</a:t>
             </a:r>
             <a:r>
-              <a:rPr lang="en-US" sz="2400" b="0"/>
+              <a:rPr lang="en-US" sz="2400" b="0" dirty="0"/>
               <a:t>, which enables even the most complex organizations to create a fully integrated, agile foundation for developing data-driven solutions and meaningfully scaling AI.</a:t>
             </a:r>
           </a:p>
@@ -1005,6 +1002,13 @@
           </p:nvPr>
         </p:nvSpPr>
         <p:spPr/>
+        <p:txBody>
+          <a:bodyPr/>
+          <a:lstStyle/>
+          <a:p>
+            <a:endParaRPr lang="en-US" dirty="0"/>
+          </a:p>
+        </p:txBody>
       </p:sp>
       <p:sp>
         <p:nvSpPr>
@@ -1057,7 +1061,7 @@
               <a:pPr/>
               <a:t>3</a:t>
             </a:fld>
-            <a:endParaRPr lang="en-US"/>
+            <a:endParaRPr lang="en-US" dirty="0"/>
           </a:p>
         </p:txBody>
       </p:sp>
@@ -1102,6 +1106,13 @@
           </p:nvPr>
         </p:nvSpPr>
         <p:spPr/>
+        <p:txBody>
+          <a:bodyPr/>
+          <a:lstStyle/>
+          <a:p>
+            <a:endParaRPr lang="en-US" dirty="0"/>
+          </a:p>
+        </p:txBody>
       </p:sp>
       <p:sp>
         <p:nvSpPr>
@@ -1118,7 +1129,7 @@
           <a:bodyPr/>
           <a:lstStyle/>
           <a:p>
-            <a:endParaRPr lang="en-US"/>
+            <a:endParaRPr lang="en-US" dirty="0"/>
           </a:p>
         </p:txBody>
       </p:sp>
@@ -6256,142 +6267,6 @@
 </p:sldLayout>
 </file>
 
-<file path=ppt/slideLayouts/slideLayout26.xml><?xml version="1.0" encoding="utf-8"?>
-<p:sldLayout xmlns:a="http://schemas.openxmlformats.org/drawingml/2006/main" xmlns:r="http://schemas.openxmlformats.org/officeDocument/2006/relationships" xmlns:p="http://schemas.openxmlformats.org/presentationml/2006/main" userDrawn="1">
-  <p:cSld name="Title Only">
-    <p:spTree>
-      <p:nvGrpSpPr>
-        <p:cNvPr id="1" name=""/>
-        <p:cNvGrpSpPr/>
-        <p:nvPr/>
-      </p:nvGrpSpPr>
-      <p:grpSpPr>
-        <a:xfrm>
-          <a:off x="0" y="0"/>
-          <a:ext cx="0" cy="0"/>
-          <a:chOff x="0" y="0"/>
-          <a:chExt cx="0" cy="0"/>
-        </a:xfrm>
-      </p:grpSpPr>
-      <p:sp>
-        <p:nvSpPr>
-          <p:cNvPr id="3" name="Title"/>
-          <p:cNvSpPr>
-            <a:spLocks noGrp="1"/>
-          </p:cNvSpPr>
-          <p:nvPr>
-            <p:ph type="title" hasCustomPrompt="1"/>
-          </p:nvPr>
-        </p:nvSpPr>
-        <p:spPr/>
-        <p:txBody>
-          <a:bodyPr/>
-          <a:lstStyle>
-            <a:lvl1pPr>
-              <a:defRPr b="0" i="0">
-                <a:latin typeface="72 Brand Medium" panose="020B0504030603020204" pitchFamily="34" charset="0"/>
-              </a:defRPr>
-            </a:lvl1pPr>
-          </a:lstStyle>
-          <a:p>
-            <a:r>
-              <a:rPr lang="en-US" noProof="0" dirty="0"/>
-              <a:t>Insert page title (sentence case)</a:t>
-            </a:r>
-            <a:endParaRPr lang="en-US" dirty="0"/>
-          </a:p>
-        </p:txBody>
-      </p:sp>
-    </p:spTree>
-    <p:extLst>
-      <p:ext uri="{BB962C8B-B14F-4D97-AF65-F5344CB8AC3E}">
-        <p14:creationId xmlns:p14="http://schemas.microsoft.com/office/powerpoint/2010/main" val="2212390454"/>
-      </p:ext>
-    </p:extLst>
-  </p:cSld>
-  <p:clrMapOvr>
-    <a:masterClrMapping/>
-  </p:clrMapOvr>
-  <p:extLst>
-    <p:ext uri="{DCECCB84-F9BA-43D5-87BE-67443E8EF086}">
-      <p15:sldGuideLst xmlns:p15="http://schemas.microsoft.com/office/powerpoint/2012/main">
-        <p15:guide id="1" pos="314">
-          <p15:clr>
-            <a:srgbClr val="FBAE40"/>
-          </p15:clr>
-        </p15:guide>
-        <p15:guide id="2" orient="horz" pos="317">
-          <p15:clr>
-            <a:srgbClr val="FBAE40"/>
-          </p15:clr>
-        </p15:guide>
-        <p15:guide id="3" pos="7364">
-          <p15:clr>
-            <a:srgbClr val="FBAE40"/>
-          </p15:clr>
-        </p15:guide>
-        <p15:guide id="4" orient="horz" pos="551">
-          <p15:clr>
-            <a:srgbClr val="FBAE40"/>
-          </p15:clr>
-        </p15:guide>
-        <p15:guide id="5" orient="horz" pos="3992">
-          <p15:clr>
-            <a:srgbClr val="FBAE40"/>
-          </p15:clr>
-        </p15:guide>
-      </p15:sldGuideLst>
-    </p:ext>
-  </p:extLst>
-</p:sldLayout>
-</file>
-
-<file path=ppt/slideLayouts/slideLayout27.xml><?xml version="1.0" encoding="utf-8"?>
-<p:sldLayout xmlns:a="http://schemas.openxmlformats.org/drawingml/2006/main" xmlns:r="http://schemas.openxmlformats.org/officeDocument/2006/relationships" xmlns:p="http://schemas.openxmlformats.org/presentationml/2006/main">
-  <p:cSld name="Blank">
-    <p:spTree>
-      <p:nvGrpSpPr>
-        <p:cNvPr id="1" name=""/>
-        <p:cNvGrpSpPr/>
-        <p:nvPr/>
-      </p:nvGrpSpPr>
-      <p:grpSpPr>
-        <a:xfrm>
-          <a:off x="0" y="0"/>
-          <a:ext cx="0" cy="0"/>
-          <a:chOff x="0" y="0"/>
-          <a:chExt cx="0" cy="0"/>
-        </a:xfrm>
-      </p:grpSpPr>
-    </p:spTree>
-    <p:extLst>
-      <p:ext uri="{BB962C8B-B14F-4D97-AF65-F5344CB8AC3E}">
-        <p14:creationId xmlns:p14="http://schemas.microsoft.com/office/powerpoint/2010/main" val="1374391322"/>
-      </p:ext>
-    </p:extLst>
-  </p:cSld>
-  <p:clrMapOvr>
-    <a:masterClrMapping/>
-  </p:clrMapOvr>
-  <p:extLst>
-    <p:ext uri="{DCECCB84-F9BA-43D5-87BE-67443E8EF086}">
-      <p15:sldGuideLst xmlns:p15="http://schemas.microsoft.com/office/powerpoint/2012/main">
-        <p15:guide id="1" orient="horz" pos="2160">
-          <p15:clr>
-            <a:srgbClr val="FBAE40"/>
-          </p15:clr>
-        </p15:guide>
-        <p15:guide id="2" pos="3841">
-          <p15:clr>
-            <a:srgbClr val="FBAE40"/>
-          </p15:clr>
-        </p15:guide>
-      </p15:sldGuideLst>
-    </p:ext>
-  </p:extLst>
-</p:sldLayout>
-</file>
-
 <file path=ppt/slideLayouts/slideLayout3.xml><?xml version="1.0" encoding="utf-8"?>
 <p:sldLayout xmlns:a="http://schemas.openxmlformats.org/drawingml/2006/main" xmlns:r="http://schemas.openxmlformats.org/officeDocument/2006/relationships" xmlns:p="http://schemas.openxmlformats.org/presentationml/2006/main" showMasterSp="0" preserve="1" userDrawn="1">
   <p:cSld name="Cover with Keyvisual 2 Dark Blue">
@@ -8213,7 +8088,7 @@
           </p:cNvGrpSpPr>
           <p:nvPr userDrawn="1">
             <p:custDataLst>
-              <p:tags r:id="rId29"/>
+              <p:tags r:id="rId27"/>
             </p:custDataLst>
           </p:nvPr>
         </p:nvGrpSpPr>
@@ -8242,7 +8117,7 @@
             </p:cNvSpPr>
             <p:nvPr>
               <p:custDataLst>
-                <p:tags r:id="rId148"/>
+                <p:tags r:id="rId146"/>
               </p:custDataLst>
             </p:nvPr>
           </p:nvSpPr>
@@ -8317,7 +8192,7 @@
             </p:cNvSpPr>
             <p:nvPr>
               <p:custDataLst>
-                <p:tags r:id="rId149"/>
+                <p:tags r:id="rId147"/>
               </p:custDataLst>
             </p:nvPr>
           </p:nvSpPr>
@@ -8402,7 +8277,7 @@
             </p:cNvSpPr>
             <p:nvPr>
               <p:custDataLst>
-                <p:tags r:id="rId150"/>
+                <p:tags r:id="rId148"/>
               </p:custDataLst>
             </p:nvPr>
           </p:nvSpPr>
@@ -8487,7 +8362,7 @@
             </p:cNvSpPr>
             <p:nvPr>
               <p:custDataLst>
-                <p:tags r:id="rId151"/>
+                <p:tags r:id="rId149"/>
               </p:custDataLst>
             </p:nvPr>
           </p:nvSpPr>
@@ -8564,7 +8439,7 @@
           </p:cNvGrpSpPr>
           <p:nvPr userDrawn="1">
             <p:custDataLst>
-              <p:tags r:id="rId30"/>
+              <p:tags r:id="rId28"/>
             </p:custDataLst>
           </p:nvPr>
         </p:nvGrpSpPr>
@@ -8593,7 +8468,7 @@
             </p:cNvSpPr>
             <p:nvPr>
               <p:custDataLst>
-                <p:tags r:id="rId143"/>
+                <p:tags r:id="rId141"/>
               </p:custDataLst>
             </p:nvPr>
           </p:nvSpPr>
@@ -8668,7 +8543,7 @@
             </p:cNvSpPr>
             <p:nvPr>
               <p:custDataLst>
-                <p:tags r:id="rId144"/>
+                <p:tags r:id="rId142"/>
               </p:custDataLst>
             </p:nvPr>
           </p:nvSpPr>
@@ -8753,7 +8628,7 @@
             </p:cNvSpPr>
             <p:nvPr>
               <p:custDataLst>
-                <p:tags r:id="rId145"/>
+                <p:tags r:id="rId143"/>
               </p:custDataLst>
             </p:nvPr>
           </p:nvSpPr>
@@ -8838,7 +8713,7 @@
             </p:cNvSpPr>
             <p:nvPr>
               <p:custDataLst>
-                <p:tags r:id="rId146"/>
+                <p:tags r:id="rId144"/>
               </p:custDataLst>
             </p:nvPr>
           </p:nvSpPr>
@@ -8923,7 +8798,7 @@
             </p:cNvSpPr>
             <p:nvPr>
               <p:custDataLst>
-                <p:tags r:id="rId147"/>
+                <p:tags r:id="rId145"/>
               </p:custDataLst>
             </p:nvPr>
           </p:nvSpPr>
@@ -9000,7 +8875,7 @@
           </p:cNvGrpSpPr>
           <p:nvPr userDrawn="1">
             <p:custDataLst>
-              <p:tags r:id="rId31"/>
+              <p:tags r:id="rId29"/>
             </p:custDataLst>
           </p:nvPr>
         </p:nvGrpSpPr>
@@ -9029,7 +8904,7 @@
             </p:cNvSpPr>
             <p:nvPr>
               <p:custDataLst>
-                <p:tags r:id="rId134"/>
+                <p:tags r:id="rId132"/>
               </p:custDataLst>
             </p:nvPr>
           </p:nvSpPr>
@@ -9104,7 +8979,7 @@
             </p:cNvSpPr>
             <p:nvPr>
               <p:custDataLst>
-                <p:tags r:id="rId135"/>
+                <p:tags r:id="rId133"/>
               </p:custDataLst>
             </p:nvPr>
           </p:nvSpPr>
@@ -9189,7 +9064,7 @@
             </p:cNvSpPr>
             <p:nvPr>
               <p:custDataLst>
-                <p:tags r:id="rId136"/>
+                <p:tags r:id="rId134"/>
               </p:custDataLst>
             </p:nvPr>
           </p:nvSpPr>
@@ -9274,7 +9149,7 @@
             </p:cNvSpPr>
             <p:nvPr>
               <p:custDataLst>
-                <p:tags r:id="rId137"/>
+                <p:tags r:id="rId135"/>
               </p:custDataLst>
             </p:nvPr>
           </p:nvSpPr>
@@ -9359,7 +9234,7 @@
             </p:cNvSpPr>
             <p:nvPr>
               <p:custDataLst>
-                <p:tags r:id="rId138"/>
+                <p:tags r:id="rId136"/>
               </p:custDataLst>
             </p:nvPr>
           </p:nvSpPr>
@@ -9444,7 +9319,7 @@
             </p:cNvSpPr>
             <p:nvPr>
               <p:custDataLst>
-                <p:tags r:id="rId139"/>
+                <p:tags r:id="rId137"/>
               </p:custDataLst>
             </p:nvPr>
           </p:nvSpPr>
@@ -9529,7 +9404,7 @@
             </p:cNvSpPr>
             <p:nvPr>
               <p:custDataLst>
-                <p:tags r:id="rId140"/>
+                <p:tags r:id="rId138"/>
               </p:custDataLst>
             </p:nvPr>
           </p:nvSpPr>
@@ -9614,7 +9489,7 @@
             </p:cNvSpPr>
             <p:nvPr>
               <p:custDataLst>
-                <p:tags r:id="rId141"/>
+                <p:tags r:id="rId139"/>
               </p:custDataLst>
             </p:nvPr>
           </p:nvSpPr>
@@ -9699,7 +9574,7 @@
             </p:cNvSpPr>
             <p:nvPr>
               <p:custDataLst>
-                <p:tags r:id="rId142"/>
+                <p:tags r:id="rId140"/>
               </p:custDataLst>
             </p:nvPr>
           </p:nvSpPr>
@@ -9774,7 +9649,7 @@
           <p:cNvGrpSpPr/>
           <p:nvPr userDrawn="1">
             <p:custDataLst>
-              <p:tags r:id="rId32"/>
+              <p:tags r:id="rId30"/>
             </p:custDataLst>
           </p:nvPr>
         </p:nvGrpSpPr>
@@ -9803,7 +9678,7 @@
             </p:cNvSpPr>
             <p:nvPr>
               <p:custDataLst>
-                <p:tags r:id="rId33"/>
+                <p:tags r:id="rId31"/>
               </p:custDataLst>
             </p:nvPr>
           </p:nvSpPr>
@@ -9858,7 +9733,7 @@
             </p:cNvSpPr>
             <p:nvPr>
               <p:custDataLst>
-                <p:tags r:id="rId34"/>
+                <p:tags r:id="rId32"/>
               </p:custDataLst>
             </p:nvPr>
           </p:nvSpPr>
@@ -9923,7 +9798,7 @@
             </p:cNvSpPr>
             <p:nvPr>
               <p:custDataLst>
-                <p:tags r:id="rId35"/>
+                <p:tags r:id="rId33"/>
               </p:custDataLst>
             </p:nvPr>
           </p:nvSpPr>
@@ -9988,7 +9863,7 @@
             </p:cNvSpPr>
             <p:nvPr>
               <p:custDataLst>
-                <p:tags r:id="rId36"/>
+                <p:tags r:id="rId34"/>
               </p:custDataLst>
             </p:nvPr>
           </p:nvSpPr>
@@ -10053,7 +9928,7 @@
             </p:cNvSpPr>
             <p:nvPr>
               <p:custDataLst>
-                <p:tags r:id="rId37"/>
+                <p:tags r:id="rId35"/>
               </p:custDataLst>
             </p:nvPr>
           </p:nvSpPr>
@@ -10118,7 +9993,7 @@
             </p:cNvSpPr>
             <p:nvPr>
               <p:custDataLst>
-                <p:tags r:id="rId38"/>
+                <p:tags r:id="rId36"/>
               </p:custDataLst>
             </p:nvPr>
           </p:nvSpPr>
@@ -10183,7 +10058,7 @@
             </p:cNvSpPr>
             <p:nvPr>
               <p:custDataLst>
-                <p:tags r:id="rId39"/>
+                <p:tags r:id="rId37"/>
               </p:custDataLst>
             </p:nvPr>
           </p:nvSpPr>
@@ -10248,7 +10123,7 @@
             </p:cNvSpPr>
             <p:nvPr>
               <p:custDataLst>
-                <p:tags r:id="rId40"/>
+                <p:tags r:id="rId38"/>
               </p:custDataLst>
             </p:nvPr>
           </p:nvSpPr>
@@ -10313,7 +10188,7 @@
             </p:cNvSpPr>
             <p:nvPr>
               <p:custDataLst>
-                <p:tags r:id="rId41"/>
+                <p:tags r:id="rId39"/>
               </p:custDataLst>
             </p:nvPr>
           </p:nvSpPr>
@@ -10378,7 +10253,7 @@
             </p:cNvSpPr>
             <p:nvPr>
               <p:custDataLst>
-                <p:tags r:id="rId42"/>
+                <p:tags r:id="rId40"/>
               </p:custDataLst>
             </p:nvPr>
           </p:nvSpPr>
@@ -10443,7 +10318,7 @@
             </p:cNvSpPr>
             <p:nvPr>
               <p:custDataLst>
-                <p:tags r:id="rId43"/>
+                <p:tags r:id="rId41"/>
               </p:custDataLst>
             </p:nvPr>
           </p:nvSpPr>
@@ -10508,7 +10383,7 @@
             </p:cNvSpPr>
             <p:nvPr>
               <p:custDataLst>
-                <p:tags r:id="rId44"/>
+                <p:tags r:id="rId42"/>
               </p:custDataLst>
             </p:nvPr>
           </p:nvSpPr>
@@ -10573,7 +10448,7 @@
             </p:cNvSpPr>
             <p:nvPr>
               <p:custDataLst>
-                <p:tags r:id="rId45"/>
+                <p:tags r:id="rId43"/>
               </p:custDataLst>
             </p:nvPr>
           </p:nvSpPr>
@@ -10638,7 +10513,7 @@
             </p:cNvSpPr>
             <p:nvPr>
               <p:custDataLst>
-                <p:tags r:id="rId46"/>
+                <p:tags r:id="rId44"/>
               </p:custDataLst>
             </p:nvPr>
           </p:nvSpPr>
@@ -10703,7 +10578,7 @@
             </p:cNvSpPr>
             <p:nvPr>
               <p:custDataLst>
-                <p:tags r:id="rId47"/>
+                <p:tags r:id="rId45"/>
               </p:custDataLst>
             </p:nvPr>
           </p:nvSpPr>
@@ -10768,7 +10643,7 @@
             </p:cNvSpPr>
             <p:nvPr>
               <p:custDataLst>
-                <p:tags r:id="rId48"/>
+                <p:tags r:id="rId46"/>
               </p:custDataLst>
             </p:nvPr>
           </p:nvSpPr>
@@ -10833,7 +10708,7 @@
             </p:cNvSpPr>
             <p:nvPr>
               <p:custDataLst>
-                <p:tags r:id="rId49"/>
+                <p:tags r:id="rId47"/>
               </p:custDataLst>
             </p:nvPr>
           </p:nvSpPr>
@@ -10898,7 +10773,7 @@
             </p:cNvSpPr>
             <p:nvPr>
               <p:custDataLst>
-                <p:tags r:id="rId50"/>
+                <p:tags r:id="rId48"/>
               </p:custDataLst>
             </p:nvPr>
           </p:nvSpPr>
@@ -10963,7 +10838,7 @@
             </p:cNvSpPr>
             <p:nvPr>
               <p:custDataLst>
-                <p:tags r:id="rId51"/>
+                <p:tags r:id="rId49"/>
               </p:custDataLst>
             </p:nvPr>
           </p:nvSpPr>
@@ -11028,7 +10903,7 @@
             </p:cNvSpPr>
             <p:nvPr>
               <p:custDataLst>
-                <p:tags r:id="rId52"/>
+                <p:tags r:id="rId50"/>
               </p:custDataLst>
             </p:nvPr>
           </p:nvSpPr>
@@ -11093,7 +10968,7 @@
             </p:cNvSpPr>
             <p:nvPr>
               <p:custDataLst>
-                <p:tags r:id="rId53"/>
+                <p:tags r:id="rId51"/>
               </p:custDataLst>
             </p:nvPr>
           </p:nvSpPr>
@@ -11158,7 +11033,7 @@
             </p:cNvSpPr>
             <p:nvPr>
               <p:custDataLst>
-                <p:tags r:id="rId54"/>
+                <p:tags r:id="rId52"/>
               </p:custDataLst>
             </p:nvPr>
           </p:nvSpPr>
@@ -11223,7 +11098,7 @@
             </p:cNvSpPr>
             <p:nvPr>
               <p:custDataLst>
-                <p:tags r:id="rId55"/>
+                <p:tags r:id="rId53"/>
               </p:custDataLst>
             </p:nvPr>
           </p:nvSpPr>
@@ -11288,7 +11163,7 @@
             </p:cNvSpPr>
             <p:nvPr>
               <p:custDataLst>
-                <p:tags r:id="rId56"/>
+                <p:tags r:id="rId54"/>
               </p:custDataLst>
             </p:nvPr>
           </p:nvSpPr>
@@ -11353,7 +11228,7 @@
             </p:cNvSpPr>
             <p:nvPr>
               <p:custDataLst>
-                <p:tags r:id="rId57"/>
+                <p:tags r:id="rId55"/>
               </p:custDataLst>
             </p:nvPr>
           </p:nvSpPr>
@@ -11418,7 +11293,7 @@
             </p:cNvSpPr>
             <p:nvPr>
               <p:custDataLst>
-                <p:tags r:id="rId58"/>
+                <p:tags r:id="rId56"/>
               </p:custDataLst>
             </p:nvPr>
           </p:nvSpPr>
@@ -11483,7 +11358,7 @@
             </p:cNvSpPr>
             <p:nvPr>
               <p:custDataLst>
-                <p:tags r:id="rId59"/>
+                <p:tags r:id="rId57"/>
               </p:custDataLst>
             </p:nvPr>
           </p:nvSpPr>
@@ -11548,7 +11423,7 @@
             </p:cNvSpPr>
             <p:nvPr>
               <p:custDataLst>
-                <p:tags r:id="rId60"/>
+                <p:tags r:id="rId58"/>
               </p:custDataLst>
             </p:nvPr>
           </p:nvSpPr>
@@ -11613,7 +11488,7 @@
             </p:cNvSpPr>
             <p:nvPr>
               <p:custDataLst>
-                <p:tags r:id="rId61"/>
+                <p:tags r:id="rId59"/>
               </p:custDataLst>
             </p:nvPr>
           </p:nvSpPr>
@@ -11678,7 +11553,7 @@
             </p:cNvSpPr>
             <p:nvPr>
               <p:custDataLst>
-                <p:tags r:id="rId62"/>
+                <p:tags r:id="rId60"/>
               </p:custDataLst>
             </p:nvPr>
           </p:nvSpPr>
@@ -11743,7 +11618,7 @@
             </p:cNvSpPr>
             <p:nvPr>
               <p:custDataLst>
-                <p:tags r:id="rId63"/>
+                <p:tags r:id="rId61"/>
               </p:custDataLst>
             </p:nvPr>
           </p:nvSpPr>
@@ -11808,7 +11683,7 @@
             </p:cNvSpPr>
             <p:nvPr>
               <p:custDataLst>
-                <p:tags r:id="rId64"/>
+                <p:tags r:id="rId62"/>
               </p:custDataLst>
             </p:nvPr>
           </p:nvSpPr>
@@ -11873,7 +11748,7 @@
             </p:cNvSpPr>
             <p:nvPr>
               <p:custDataLst>
-                <p:tags r:id="rId65"/>
+                <p:tags r:id="rId63"/>
               </p:custDataLst>
             </p:nvPr>
           </p:nvSpPr>
@@ -11938,7 +11813,7 @@
             </p:cNvSpPr>
             <p:nvPr>
               <p:custDataLst>
-                <p:tags r:id="rId66"/>
+                <p:tags r:id="rId64"/>
               </p:custDataLst>
             </p:nvPr>
           </p:nvSpPr>
@@ -12003,7 +11878,7 @@
             </p:cNvSpPr>
             <p:nvPr>
               <p:custDataLst>
-                <p:tags r:id="rId67"/>
+                <p:tags r:id="rId65"/>
               </p:custDataLst>
             </p:nvPr>
           </p:nvSpPr>
@@ -12068,7 +11943,7 @@
             </p:cNvSpPr>
             <p:nvPr>
               <p:custDataLst>
-                <p:tags r:id="rId68"/>
+                <p:tags r:id="rId66"/>
               </p:custDataLst>
             </p:nvPr>
           </p:nvSpPr>
@@ -12133,7 +12008,7 @@
             </p:cNvSpPr>
             <p:nvPr>
               <p:custDataLst>
-                <p:tags r:id="rId69"/>
+                <p:tags r:id="rId67"/>
               </p:custDataLst>
             </p:nvPr>
           </p:nvSpPr>
@@ -12198,7 +12073,7 @@
             </p:cNvSpPr>
             <p:nvPr>
               <p:custDataLst>
-                <p:tags r:id="rId70"/>
+                <p:tags r:id="rId68"/>
               </p:custDataLst>
             </p:nvPr>
           </p:nvSpPr>
@@ -12263,7 +12138,7 @@
             </p:cNvSpPr>
             <p:nvPr>
               <p:custDataLst>
-                <p:tags r:id="rId71"/>
+                <p:tags r:id="rId69"/>
               </p:custDataLst>
             </p:nvPr>
           </p:nvSpPr>
@@ -12328,7 +12203,7 @@
             </p:cNvSpPr>
             <p:nvPr>
               <p:custDataLst>
-                <p:tags r:id="rId72"/>
+                <p:tags r:id="rId70"/>
               </p:custDataLst>
             </p:nvPr>
           </p:nvSpPr>
@@ -12393,7 +12268,7 @@
             </p:cNvSpPr>
             <p:nvPr>
               <p:custDataLst>
-                <p:tags r:id="rId73"/>
+                <p:tags r:id="rId71"/>
               </p:custDataLst>
             </p:nvPr>
           </p:nvSpPr>
@@ -12458,7 +12333,7 @@
             </p:cNvSpPr>
             <p:nvPr>
               <p:custDataLst>
-                <p:tags r:id="rId74"/>
+                <p:tags r:id="rId72"/>
               </p:custDataLst>
             </p:nvPr>
           </p:nvSpPr>
@@ -12523,7 +12398,7 @@
             </p:cNvSpPr>
             <p:nvPr>
               <p:custDataLst>
-                <p:tags r:id="rId75"/>
+                <p:tags r:id="rId73"/>
               </p:custDataLst>
             </p:nvPr>
           </p:nvSpPr>
@@ -12588,7 +12463,7 @@
             </p:cNvSpPr>
             <p:nvPr>
               <p:custDataLst>
-                <p:tags r:id="rId76"/>
+                <p:tags r:id="rId74"/>
               </p:custDataLst>
             </p:nvPr>
           </p:nvSpPr>
@@ -12653,7 +12528,7 @@
             </p:cNvSpPr>
             <p:nvPr>
               <p:custDataLst>
-                <p:tags r:id="rId77"/>
+                <p:tags r:id="rId75"/>
               </p:custDataLst>
             </p:nvPr>
           </p:nvSpPr>
@@ -12718,7 +12593,7 @@
             </p:cNvSpPr>
             <p:nvPr>
               <p:custDataLst>
-                <p:tags r:id="rId78"/>
+                <p:tags r:id="rId76"/>
               </p:custDataLst>
             </p:nvPr>
           </p:nvSpPr>
@@ -12783,7 +12658,7 @@
             </p:cNvSpPr>
             <p:nvPr>
               <p:custDataLst>
-                <p:tags r:id="rId79"/>
+                <p:tags r:id="rId77"/>
               </p:custDataLst>
             </p:nvPr>
           </p:nvSpPr>
@@ -12848,7 +12723,7 @@
             </p:cNvSpPr>
             <p:nvPr>
               <p:custDataLst>
-                <p:tags r:id="rId80"/>
+                <p:tags r:id="rId78"/>
               </p:custDataLst>
             </p:nvPr>
           </p:nvSpPr>
@@ -12913,7 +12788,7 @@
             </p:cNvSpPr>
             <p:nvPr>
               <p:custDataLst>
-                <p:tags r:id="rId81"/>
+                <p:tags r:id="rId79"/>
               </p:custDataLst>
             </p:nvPr>
           </p:nvSpPr>
@@ -12978,7 +12853,7 @@
             </p:cNvSpPr>
             <p:nvPr>
               <p:custDataLst>
-                <p:tags r:id="rId82"/>
+                <p:tags r:id="rId80"/>
               </p:custDataLst>
             </p:nvPr>
           </p:nvSpPr>
@@ -13043,7 +12918,7 @@
             </p:cNvSpPr>
             <p:nvPr>
               <p:custDataLst>
-                <p:tags r:id="rId83"/>
+                <p:tags r:id="rId81"/>
               </p:custDataLst>
             </p:nvPr>
           </p:nvSpPr>
@@ -13108,7 +12983,7 @@
             </p:cNvSpPr>
             <p:nvPr>
               <p:custDataLst>
-                <p:tags r:id="rId84"/>
+                <p:tags r:id="rId82"/>
               </p:custDataLst>
             </p:nvPr>
           </p:nvSpPr>
@@ -13173,7 +13048,7 @@
             </p:cNvSpPr>
             <p:nvPr>
               <p:custDataLst>
-                <p:tags r:id="rId85"/>
+                <p:tags r:id="rId83"/>
               </p:custDataLst>
             </p:nvPr>
           </p:nvSpPr>
@@ -13238,7 +13113,7 @@
             </p:cNvSpPr>
             <p:nvPr>
               <p:custDataLst>
-                <p:tags r:id="rId86"/>
+                <p:tags r:id="rId84"/>
               </p:custDataLst>
             </p:nvPr>
           </p:nvSpPr>
@@ -13303,7 +13178,7 @@
             </p:cNvSpPr>
             <p:nvPr>
               <p:custDataLst>
-                <p:tags r:id="rId87"/>
+                <p:tags r:id="rId85"/>
               </p:custDataLst>
             </p:nvPr>
           </p:nvSpPr>
@@ -13368,7 +13243,7 @@
             </p:cNvSpPr>
             <p:nvPr>
               <p:custDataLst>
-                <p:tags r:id="rId88"/>
+                <p:tags r:id="rId86"/>
               </p:custDataLst>
             </p:nvPr>
           </p:nvSpPr>
@@ -13433,7 +13308,7 @@
             </p:cNvSpPr>
             <p:nvPr>
               <p:custDataLst>
-                <p:tags r:id="rId89"/>
+                <p:tags r:id="rId87"/>
               </p:custDataLst>
             </p:nvPr>
           </p:nvSpPr>
@@ -13498,7 +13373,7 @@
             </p:cNvSpPr>
             <p:nvPr>
               <p:custDataLst>
-                <p:tags r:id="rId90"/>
+                <p:tags r:id="rId88"/>
               </p:custDataLst>
             </p:nvPr>
           </p:nvSpPr>
@@ -13563,7 +13438,7 @@
             </p:cNvSpPr>
             <p:nvPr>
               <p:custDataLst>
-                <p:tags r:id="rId91"/>
+                <p:tags r:id="rId89"/>
               </p:custDataLst>
             </p:nvPr>
           </p:nvSpPr>
@@ -13628,7 +13503,7 @@
             </p:cNvSpPr>
             <p:nvPr>
               <p:custDataLst>
-                <p:tags r:id="rId92"/>
+                <p:tags r:id="rId90"/>
               </p:custDataLst>
             </p:nvPr>
           </p:nvSpPr>
@@ -13693,7 +13568,7 @@
             </p:cNvSpPr>
             <p:nvPr>
               <p:custDataLst>
-                <p:tags r:id="rId93"/>
+                <p:tags r:id="rId91"/>
               </p:custDataLst>
             </p:nvPr>
           </p:nvSpPr>
@@ -13758,7 +13633,7 @@
             </p:cNvSpPr>
             <p:nvPr>
               <p:custDataLst>
-                <p:tags r:id="rId94"/>
+                <p:tags r:id="rId92"/>
               </p:custDataLst>
             </p:nvPr>
           </p:nvSpPr>
@@ -13823,7 +13698,7 @@
             </p:cNvSpPr>
             <p:nvPr>
               <p:custDataLst>
-                <p:tags r:id="rId95"/>
+                <p:tags r:id="rId93"/>
               </p:custDataLst>
             </p:nvPr>
           </p:nvSpPr>
@@ -13888,7 +13763,7 @@
             </p:cNvSpPr>
             <p:nvPr>
               <p:custDataLst>
-                <p:tags r:id="rId96"/>
+                <p:tags r:id="rId94"/>
               </p:custDataLst>
             </p:nvPr>
           </p:nvSpPr>
@@ -13953,7 +13828,7 @@
             </p:cNvSpPr>
             <p:nvPr>
               <p:custDataLst>
-                <p:tags r:id="rId97"/>
+                <p:tags r:id="rId95"/>
               </p:custDataLst>
             </p:nvPr>
           </p:nvSpPr>
@@ -14018,7 +13893,7 @@
             </p:cNvSpPr>
             <p:nvPr>
               <p:custDataLst>
-                <p:tags r:id="rId98"/>
+                <p:tags r:id="rId96"/>
               </p:custDataLst>
             </p:nvPr>
           </p:nvSpPr>
@@ -14083,7 +13958,7 @@
             </p:cNvSpPr>
             <p:nvPr>
               <p:custDataLst>
-                <p:tags r:id="rId99"/>
+                <p:tags r:id="rId97"/>
               </p:custDataLst>
             </p:nvPr>
           </p:nvSpPr>
@@ -14148,7 +14023,7 @@
             </p:cNvSpPr>
             <p:nvPr>
               <p:custDataLst>
-                <p:tags r:id="rId100"/>
+                <p:tags r:id="rId98"/>
               </p:custDataLst>
             </p:nvPr>
           </p:nvSpPr>
@@ -14213,7 +14088,7 @@
             </p:cNvSpPr>
             <p:nvPr>
               <p:custDataLst>
-                <p:tags r:id="rId101"/>
+                <p:tags r:id="rId99"/>
               </p:custDataLst>
             </p:nvPr>
           </p:nvSpPr>
@@ -14278,7 +14153,7 @@
             </p:cNvSpPr>
             <p:nvPr>
               <p:custDataLst>
-                <p:tags r:id="rId102"/>
+                <p:tags r:id="rId100"/>
               </p:custDataLst>
             </p:nvPr>
           </p:nvSpPr>
@@ -14343,7 +14218,7 @@
             </p:cNvSpPr>
             <p:nvPr>
               <p:custDataLst>
-                <p:tags r:id="rId103"/>
+                <p:tags r:id="rId101"/>
               </p:custDataLst>
             </p:nvPr>
           </p:nvSpPr>
@@ -14408,7 +14283,7 @@
             </p:cNvSpPr>
             <p:nvPr>
               <p:custDataLst>
-                <p:tags r:id="rId104"/>
+                <p:tags r:id="rId102"/>
               </p:custDataLst>
             </p:nvPr>
           </p:nvSpPr>
@@ -14473,7 +14348,7 @@
             </p:cNvSpPr>
             <p:nvPr>
               <p:custDataLst>
-                <p:tags r:id="rId105"/>
+                <p:tags r:id="rId103"/>
               </p:custDataLst>
             </p:nvPr>
           </p:nvSpPr>
@@ -14538,7 +14413,7 @@
             </p:cNvSpPr>
             <p:nvPr>
               <p:custDataLst>
-                <p:tags r:id="rId106"/>
+                <p:tags r:id="rId104"/>
               </p:custDataLst>
             </p:nvPr>
           </p:nvSpPr>
@@ -14603,7 +14478,7 @@
             </p:cNvSpPr>
             <p:nvPr>
               <p:custDataLst>
-                <p:tags r:id="rId107"/>
+                <p:tags r:id="rId105"/>
               </p:custDataLst>
             </p:nvPr>
           </p:nvSpPr>
@@ -14668,7 +14543,7 @@
             </p:cNvSpPr>
             <p:nvPr>
               <p:custDataLst>
-                <p:tags r:id="rId108"/>
+                <p:tags r:id="rId106"/>
               </p:custDataLst>
             </p:nvPr>
           </p:nvSpPr>
@@ -14733,7 +14608,7 @@
             </p:cNvSpPr>
             <p:nvPr>
               <p:custDataLst>
-                <p:tags r:id="rId109"/>
+                <p:tags r:id="rId107"/>
               </p:custDataLst>
             </p:nvPr>
           </p:nvSpPr>
@@ -14798,7 +14673,7 @@
             </p:cNvSpPr>
             <p:nvPr>
               <p:custDataLst>
-                <p:tags r:id="rId110"/>
+                <p:tags r:id="rId108"/>
               </p:custDataLst>
             </p:nvPr>
           </p:nvSpPr>
@@ -14863,7 +14738,7 @@
             </p:cNvSpPr>
             <p:nvPr>
               <p:custDataLst>
-                <p:tags r:id="rId111"/>
+                <p:tags r:id="rId109"/>
               </p:custDataLst>
             </p:nvPr>
           </p:nvSpPr>
@@ -14928,7 +14803,7 @@
             </p:cNvSpPr>
             <p:nvPr>
               <p:custDataLst>
-                <p:tags r:id="rId112"/>
+                <p:tags r:id="rId110"/>
               </p:custDataLst>
             </p:nvPr>
           </p:nvSpPr>
@@ -14993,7 +14868,7 @@
             </p:cNvSpPr>
             <p:nvPr>
               <p:custDataLst>
-                <p:tags r:id="rId113"/>
+                <p:tags r:id="rId111"/>
               </p:custDataLst>
             </p:nvPr>
           </p:nvSpPr>
@@ -15058,7 +14933,7 @@
             </p:cNvSpPr>
             <p:nvPr>
               <p:custDataLst>
-                <p:tags r:id="rId114"/>
+                <p:tags r:id="rId112"/>
               </p:custDataLst>
             </p:nvPr>
           </p:nvSpPr>
@@ -15123,7 +14998,7 @@
             </p:cNvSpPr>
             <p:nvPr>
               <p:custDataLst>
-                <p:tags r:id="rId115"/>
+                <p:tags r:id="rId113"/>
               </p:custDataLst>
             </p:nvPr>
           </p:nvSpPr>
@@ -15188,7 +15063,7 @@
             </p:cNvSpPr>
             <p:nvPr>
               <p:custDataLst>
-                <p:tags r:id="rId116"/>
+                <p:tags r:id="rId114"/>
               </p:custDataLst>
             </p:nvPr>
           </p:nvSpPr>
@@ -15253,7 +15128,7 @@
             </p:cNvSpPr>
             <p:nvPr>
               <p:custDataLst>
-                <p:tags r:id="rId117"/>
+                <p:tags r:id="rId115"/>
               </p:custDataLst>
             </p:nvPr>
           </p:nvSpPr>
@@ -15318,7 +15193,7 @@
             </p:cNvSpPr>
             <p:nvPr>
               <p:custDataLst>
-                <p:tags r:id="rId118"/>
+                <p:tags r:id="rId116"/>
               </p:custDataLst>
             </p:nvPr>
           </p:nvSpPr>
@@ -15383,7 +15258,7 @@
             </p:cNvSpPr>
             <p:nvPr>
               <p:custDataLst>
-                <p:tags r:id="rId119"/>
+                <p:tags r:id="rId117"/>
               </p:custDataLst>
             </p:nvPr>
           </p:nvSpPr>
@@ -15448,7 +15323,7 @@
             </p:cNvSpPr>
             <p:nvPr>
               <p:custDataLst>
-                <p:tags r:id="rId120"/>
+                <p:tags r:id="rId118"/>
               </p:custDataLst>
             </p:nvPr>
           </p:nvSpPr>
@@ -15513,7 +15388,7 @@
             </p:cNvSpPr>
             <p:nvPr>
               <p:custDataLst>
-                <p:tags r:id="rId121"/>
+                <p:tags r:id="rId119"/>
               </p:custDataLst>
             </p:nvPr>
           </p:nvSpPr>
@@ -15578,7 +15453,7 @@
             </p:cNvSpPr>
             <p:nvPr>
               <p:custDataLst>
-                <p:tags r:id="rId122"/>
+                <p:tags r:id="rId120"/>
               </p:custDataLst>
             </p:nvPr>
           </p:nvSpPr>
@@ -15643,7 +15518,7 @@
             </p:cNvSpPr>
             <p:nvPr>
               <p:custDataLst>
-                <p:tags r:id="rId123"/>
+                <p:tags r:id="rId121"/>
               </p:custDataLst>
             </p:nvPr>
           </p:nvSpPr>
@@ -15708,7 +15583,7 @@
             </p:cNvSpPr>
             <p:nvPr>
               <p:custDataLst>
-                <p:tags r:id="rId124"/>
+                <p:tags r:id="rId122"/>
               </p:custDataLst>
             </p:nvPr>
           </p:nvSpPr>
@@ -15773,7 +15648,7 @@
             </p:cNvSpPr>
             <p:nvPr>
               <p:custDataLst>
-                <p:tags r:id="rId125"/>
+                <p:tags r:id="rId123"/>
               </p:custDataLst>
             </p:nvPr>
           </p:nvSpPr>
@@ -15838,7 +15713,7 @@
             </p:cNvSpPr>
             <p:nvPr>
               <p:custDataLst>
-                <p:tags r:id="rId126"/>
+                <p:tags r:id="rId124"/>
               </p:custDataLst>
             </p:nvPr>
           </p:nvSpPr>
@@ -15903,7 +15778,7 @@
             </p:cNvSpPr>
             <p:nvPr>
               <p:custDataLst>
-                <p:tags r:id="rId127"/>
+                <p:tags r:id="rId125"/>
               </p:custDataLst>
             </p:nvPr>
           </p:nvSpPr>
@@ -15968,7 +15843,7 @@
             </p:cNvSpPr>
             <p:nvPr>
               <p:custDataLst>
-                <p:tags r:id="rId128"/>
+                <p:tags r:id="rId126"/>
               </p:custDataLst>
             </p:nvPr>
           </p:nvSpPr>
@@ -16033,7 +15908,7 @@
             </p:cNvSpPr>
             <p:nvPr>
               <p:custDataLst>
-                <p:tags r:id="rId129"/>
+                <p:tags r:id="rId127"/>
               </p:custDataLst>
             </p:nvPr>
           </p:nvSpPr>
@@ -16098,7 +15973,7 @@
             </p:cNvSpPr>
             <p:nvPr>
               <p:custDataLst>
-                <p:tags r:id="rId130"/>
+                <p:tags r:id="rId128"/>
               </p:custDataLst>
             </p:nvPr>
           </p:nvSpPr>
@@ -16163,7 +16038,7 @@
             </p:cNvSpPr>
             <p:nvPr>
               <p:custDataLst>
-                <p:tags r:id="rId131"/>
+                <p:tags r:id="rId129"/>
               </p:custDataLst>
             </p:nvPr>
           </p:nvSpPr>
@@ -16228,7 +16103,7 @@
             </p:cNvSpPr>
             <p:nvPr>
               <p:custDataLst>
-                <p:tags r:id="rId132"/>
+                <p:tags r:id="rId130"/>
               </p:custDataLst>
             </p:nvPr>
           </p:nvSpPr>
@@ -16293,7 +16168,7 @@
             </p:cNvSpPr>
             <p:nvPr>
               <p:custDataLst>
-                <p:tags r:id="rId133"/>
+                <p:tags r:id="rId131"/>
               </p:custDataLst>
             </p:nvPr>
           </p:nvSpPr>
@@ -17234,8 +17109,6 @@
     <p:sldLayoutId id="2147483751" r:id="rId23"/>
     <p:sldLayoutId id="2147483824" r:id="rId24"/>
     <p:sldLayoutId id="2147483802" r:id="rId25"/>
-    <p:sldLayoutId id="2147483866" r:id="rId26"/>
-    <p:sldLayoutId id="2147483868" r:id="rId27"/>
   </p:sldLayoutIdLst>
   <p:hf hdr="0" ftr="0" dt="0"/>
   <p:txStyles>
@@ -17757,7 +17630,7 @@
         </p:nvSpPr>
         <p:spPr bwMode="gray">
           <a:xfrm>
-            <a:off x="1012834" y="2495161"/>
+            <a:off x="857976" y="2495161"/>
             <a:ext cx="8636718" cy="3069223"/>
           </a:xfrm>
           <a:prstGeom prst="roundRect">
@@ -17806,7 +17679,7 @@
               <a:tabLst/>
               <a:defRPr/>
             </a:pPr>
-            <a:endParaRPr kumimoji="0" lang="en-GB" sz="1086" b="0" i="0" u="none" strike="noStrike" kern="0" cap="none" spc="0" normalizeH="0" baseline="0" noProof="0">
+            <a:endParaRPr kumimoji="0" lang="en-GB" sz="1086" b="0" i="0" u="none" strike="noStrike" kern="0" cap="none" spc="0" normalizeH="0" baseline="0" noProof="0" dirty="0">
               <a:ln>
                 <a:noFill/>
               </a:ln>
@@ -17837,7 +17710,7 @@
         </p:nvSpPr>
         <p:spPr bwMode="gray">
           <a:xfrm rot="5400000">
-            <a:off x="3909274" y="-379893"/>
+            <a:off x="3754416" y="-379893"/>
             <a:ext cx="2911362" cy="8243823"/>
           </a:xfrm>
           <a:prstGeom prst="roundRect">
@@ -17891,7 +17764,7 @@
               <a:tabLst/>
               <a:defRPr/>
             </a:pPr>
-            <a:endParaRPr kumimoji="0" lang="en-US" sz="1200" b="0" i="0" u="none" strike="noStrike" kern="0" cap="none" spc="0" normalizeH="0" baseline="0" noProof="0">
+            <a:endParaRPr kumimoji="0" lang="en-US" sz="1200" b="0" i="0" u="none" strike="noStrike" kern="0" cap="none" spc="0" normalizeH="0" baseline="0" noProof="0" dirty="0">
               <a:ln>
                 <a:noFill/>
               </a:ln>
@@ -17922,7 +17795,7 @@
         </p:nvGrpSpPr>
         <p:grpSpPr>
           <a:xfrm>
-            <a:off x="7357804" y="4109340"/>
+            <a:off x="7202946" y="4109340"/>
             <a:ext cx="770610" cy="513370"/>
             <a:chOff x="4926372" y="4490707"/>
             <a:chExt cx="1025413" cy="683139"/>
@@ -18076,7 +17949,7 @@
                 <a:tabLst/>
                 <a:defRPr/>
               </a:pPr>
-              <a:endParaRPr kumimoji="0" lang="en-US" sz="1972" b="0" i="0" u="none" strike="noStrike" kern="0" cap="none" spc="0" normalizeH="0" baseline="0" noProof="0">
+              <a:endParaRPr kumimoji="0" lang="en-US" sz="1972" b="0" i="0" u="none" strike="noStrike" kern="0" cap="none" spc="0" normalizeH="0" baseline="0" noProof="0" dirty="0">
                 <a:ln>
                   <a:noFill/>
                 </a:ln>
@@ -18249,7 +18122,7 @@
                 <a:tabLst/>
                 <a:defRPr/>
               </a:pPr>
-              <a:endParaRPr kumimoji="0" lang="en-US" sz="1972" b="0" i="0" u="none" strike="noStrike" kern="0" cap="none" spc="0" normalizeH="0" baseline="0" noProof="0">
+              <a:endParaRPr kumimoji="0" lang="en-US" sz="1972" b="0" i="0" u="none" strike="noStrike" kern="0" cap="none" spc="0" normalizeH="0" baseline="0" noProof="0" dirty="0">
                 <a:ln>
                   <a:noFill/>
                 </a:ln>
@@ -18397,7 +18270,7 @@
                 <a:tabLst/>
                 <a:defRPr/>
               </a:pPr>
-              <a:endParaRPr kumimoji="0" lang="en-US" sz="1972" b="0" i="0" u="none" strike="noStrike" kern="0" cap="none" spc="0" normalizeH="0" baseline="0" noProof="0">
+              <a:endParaRPr kumimoji="0" lang="en-US" sz="1972" b="0" i="0" u="none" strike="noStrike" kern="0" cap="none" spc="0" normalizeH="0" baseline="0" noProof="0" dirty="0">
                 <a:ln>
                   <a:noFill/>
                 </a:ln>
@@ -18545,7 +18418,7 @@
                 <a:tabLst/>
                 <a:defRPr/>
               </a:pPr>
-              <a:endParaRPr kumimoji="0" lang="en-US" sz="1972" b="0" i="0" u="none" strike="noStrike" kern="0" cap="none" spc="0" normalizeH="0" baseline="0" noProof="0">
+              <a:endParaRPr kumimoji="0" lang="en-US" sz="1972" b="0" i="0" u="none" strike="noStrike" kern="0" cap="none" spc="0" normalizeH="0" baseline="0" noProof="0" dirty="0">
                 <a:ln>
                   <a:noFill/>
                 </a:ln>
@@ -18718,7 +18591,7 @@
                 <a:tabLst/>
                 <a:defRPr/>
               </a:pPr>
-              <a:endParaRPr kumimoji="0" lang="en-US" sz="1972" b="0" i="0" u="none" strike="noStrike" kern="0" cap="none" spc="0" normalizeH="0" baseline="0" noProof="0">
+              <a:endParaRPr kumimoji="0" lang="en-US" sz="1972" b="0" i="0" u="none" strike="noStrike" kern="0" cap="none" spc="0" normalizeH="0" baseline="0" noProof="0" dirty="0">
                 <a:ln>
                   <a:noFill/>
                 </a:ln>
@@ -18891,7 +18764,7 @@
                 <a:tabLst/>
                 <a:defRPr/>
               </a:pPr>
-              <a:endParaRPr kumimoji="0" lang="en-US" sz="1972" b="0" i="0" u="none" strike="noStrike" kern="0" cap="none" spc="0" normalizeH="0" baseline="0" noProof="0">
+              <a:endParaRPr kumimoji="0" lang="en-US" sz="1972" b="0" i="0" u="none" strike="noStrike" kern="0" cap="none" spc="0" normalizeH="0" baseline="0" noProof="0" dirty="0">
                 <a:ln>
                   <a:noFill/>
                 </a:ln>
@@ -19039,7 +18912,7 @@
                 <a:tabLst/>
                 <a:defRPr/>
               </a:pPr>
-              <a:endParaRPr kumimoji="0" lang="en-US" sz="1972" b="0" i="0" u="none" strike="noStrike" kern="0" cap="none" spc="0" normalizeH="0" baseline="0" noProof="0">
+              <a:endParaRPr kumimoji="0" lang="en-US" sz="1972" b="0" i="0" u="none" strike="noStrike" kern="0" cap="none" spc="0" normalizeH="0" baseline="0" noProof="0" dirty="0">
                 <a:ln>
                   <a:noFill/>
                 </a:ln>
@@ -19212,7 +19085,7 @@
                 <a:tabLst/>
                 <a:defRPr/>
               </a:pPr>
-              <a:endParaRPr kumimoji="0" lang="en-US" sz="1972" b="0" i="0" u="none" strike="noStrike" kern="0" cap="none" spc="0" normalizeH="0" baseline="0" noProof="0">
+              <a:endParaRPr kumimoji="0" lang="en-US" sz="1972" b="0" i="0" u="none" strike="noStrike" kern="0" cap="none" spc="0" normalizeH="0" baseline="0" noProof="0" dirty="0">
                 <a:ln>
                   <a:noFill/>
                 </a:ln>
@@ -19360,7 +19233,7 @@
                 <a:tabLst/>
                 <a:defRPr/>
               </a:pPr>
-              <a:endParaRPr kumimoji="0" lang="en-US" sz="1972" b="0" i="0" u="none" strike="noStrike" kern="0" cap="none" spc="0" normalizeH="0" baseline="0" noProof="0">
+              <a:endParaRPr kumimoji="0" lang="en-US" sz="1972" b="0" i="0" u="none" strike="noStrike" kern="0" cap="none" spc="0" normalizeH="0" baseline="0" noProof="0" dirty="0">
                 <a:ln>
                   <a:noFill/>
                 </a:ln>
@@ -19508,7 +19381,7 @@
                 <a:tabLst/>
                 <a:defRPr/>
               </a:pPr>
-              <a:endParaRPr kumimoji="0" lang="en-US" sz="1972" b="0" i="0" u="none" strike="noStrike" kern="0" cap="none" spc="0" normalizeH="0" baseline="0" noProof="0">
+              <a:endParaRPr kumimoji="0" lang="en-US" sz="1972" b="0" i="0" u="none" strike="noStrike" kern="0" cap="none" spc="0" normalizeH="0" baseline="0" noProof="0" dirty="0">
                 <a:ln>
                   <a:noFill/>
                 </a:ln>
@@ -19681,7 +19554,7 @@
                 <a:tabLst/>
                 <a:defRPr/>
               </a:pPr>
-              <a:endParaRPr kumimoji="0" lang="en-US" sz="1972" b="0" i="0" u="none" strike="noStrike" kern="0" cap="none" spc="0" normalizeH="0" baseline="0" noProof="0">
+              <a:endParaRPr kumimoji="0" lang="en-US" sz="1972" b="0" i="0" u="none" strike="noStrike" kern="0" cap="none" spc="0" normalizeH="0" baseline="0" noProof="0" dirty="0">
                 <a:ln>
                   <a:noFill/>
                 </a:ln>
@@ -19854,7 +19727,7 @@
                 <a:tabLst/>
                 <a:defRPr/>
               </a:pPr>
-              <a:endParaRPr kumimoji="0" lang="en-US" sz="1972" b="0" i="0" u="none" strike="noStrike" kern="0" cap="none" spc="0" normalizeH="0" baseline="0" noProof="0">
+              <a:endParaRPr kumimoji="0" lang="en-US" sz="1972" b="0" i="0" u="none" strike="noStrike" kern="0" cap="none" spc="0" normalizeH="0" baseline="0" noProof="0" dirty="0">
                 <a:ln>
                   <a:noFill/>
                 </a:ln>
@@ -20002,7 +19875,7 @@
                 <a:tabLst/>
                 <a:defRPr/>
               </a:pPr>
-              <a:endParaRPr kumimoji="0" lang="en-US" sz="1972" b="0" i="0" u="none" strike="noStrike" kern="0" cap="none" spc="0" normalizeH="0" baseline="0" noProof="0">
+              <a:endParaRPr kumimoji="0" lang="en-US" sz="1972" b="0" i="0" u="none" strike="noStrike" kern="0" cap="none" spc="0" normalizeH="0" baseline="0" noProof="0" dirty="0">
                 <a:ln>
                   <a:noFill/>
                 </a:ln>
@@ -20175,7 +20048,7 @@
                 <a:tabLst/>
                 <a:defRPr/>
               </a:pPr>
-              <a:endParaRPr kumimoji="0" lang="en-US" sz="1972" b="0" i="0" u="none" strike="noStrike" kern="0" cap="none" spc="0" normalizeH="0" baseline="0" noProof="0">
+              <a:endParaRPr kumimoji="0" lang="en-US" sz="1972" b="0" i="0" u="none" strike="noStrike" kern="0" cap="none" spc="0" normalizeH="0" baseline="0" noProof="0" dirty="0">
                 <a:ln>
                   <a:noFill/>
                 </a:ln>
@@ -20323,7 +20196,7 @@
                 <a:tabLst/>
                 <a:defRPr/>
               </a:pPr>
-              <a:endParaRPr kumimoji="0" lang="en-US" sz="1972" b="0" i="0" u="none" strike="noStrike" kern="0" cap="none" spc="0" normalizeH="0" baseline="0" noProof="0">
+              <a:endParaRPr kumimoji="0" lang="en-US" sz="1972" b="0" i="0" u="none" strike="noStrike" kern="0" cap="none" spc="0" normalizeH="0" baseline="0" noProof="0" dirty="0">
                 <a:ln>
                   <a:noFill/>
                 </a:ln>
@@ -20471,7 +20344,7 @@
                 <a:tabLst/>
                 <a:defRPr/>
               </a:pPr>
-              <a:endParaRPr kumimoji="0" lang="en-US" sz="1972" b="0" i="0" u="none" strike="noStrike" kern="0" cap="none" spc="0" normalizeH="0" baseline="0" noProof="0">
+              <a:endParaRPr kumimoji="0" lang="en-US" sz="1972" b="0" i="0" u="none" strike="noStrike" kern="0" cap="none" spc="0" normalizeH="0" baseline="0" noProof="0" dirty="0">
                 <a:ln>
                   <a:noFill/>
                 </a:ln>
@@ -20644,7 +20517,7 @@
                 <a:tabLst/>
                 <a:defRPr/>
               </a:pPr>
-              <a:endParaRPr kumimoji="0" lang="en-US" sz="1972" b="0" i="0" u="none" strike="noStrike" kern="0" cap="none" spc="0" normalizeH="0" baseline="0" noProof="0">
+              <a:endParaRPr kumimoji="0" lang="en-US" sz="1972" b="0" i="0" u="none" strike="noStrike" kern="0" cap="none" spc="0" normalizeH="0" baseline="0" noProof="0" dirty="0">
                 <a:ln>
                   <a:noFill/>
                 </a:ln>
@@ -20817,7 +20690,7 @@
                 <a:tabLst/>
                 <a:defRPr/>
               </a:pPr>
-              <a:endParaRPr kumimoji="0" lang="en-US" sz="1972" b="0" i="0" u="none" strike="noStrike" kern="0" cap="none" spc="0" normalizeH="0" baseline="0" noProof="0">
+              <a:endParaRPr kumimoji="0" lang="en-US" sz="1972" b="0" i="0" u="none" strike="noStrike" kern="0" cap="none" spc="0" normalizeH="0" baseline="0" noProof="0" dirty="0">
                 <a:ln>
                   <a:noFill/>
                 </a:ln>
@@ -20965,7 +20838,7 @@
                 <a:tabLst/>
                 <a:defRPr/>
               </a:pPr>
-              <a:endParaRPr kumimoji="0" lang="en-US" sz="1972" b="0" i="0" u="none" strike="noStrike" kern="0" cap="none" spc="0" normalizeH="0" baseline="0" noProof="0">
+              <a:endParaRPr kumimoji="0" lang="en-US" sz="1972" b="0" i="0" u="none" strike="noStrike" kern="0" cap="none" spc="0" normalizeH="0" baseline="0" noProof="0" dirty="0">
                 <a:ln>
                   <a:noFill/>
                 </a:ln>
@@ -21138,7 +21011,7 @@
                 <a:tabLst/>
                 <a:defRPr/>
               </a:pPr>
-              <a:endParaRPr kumimoji="0" lang="en-US" sz="1972" b="0" i="0" u="none" strike="noStrike" kern="0" cap="none" spc="0" normalizeH="0" baseline="0" noProof="0">
+              <a:endParaRPr kumimoji="0" lang="en-US" sz="1972" b="0" i="0" u="none" strike="noStrike" kern="0" cap="none" spc="0" normalizeH="0" baseline="0" noProof="0" dirty="0">
                 <a:ln>
                   <a:noFill/>
                 </a:ln>
@@ -21286,7 +21159,7 @@
                 <a:tabLst/>
                 <a:defRPr/>
               </a:pPr>
-              <a:endParaRPr kumimoji="0" lang="en-US" sz="1972" b="0" i="0" u="none" strike="noStrike" kern="0" cap="none" spc="0" normalizeH="0" baseline="0" noProof="0">
+              <a:endParaRPr kumimoji="0" lang="en-US" sz="1972" b="0" i="0" u="none" strike="noStrike" kern="0" cap="none" spc="0" normalizeH="0" baseline="0" noProof="0" dirty="0">
                 <a:ln>
                   <a:noFill/>
                 </a:ln>
@@ -21434,7 +21307,7 @@
                 <a:tabLst/>
                 <a:defRPr/>
               </a:pPr>
-              <a:endParaRPr kumimoji="0" lang="en-US" sz="1972" b="0" i="0" u="none" strike="noStrike" kern="0" cap="none" spc="0" normalizeH="0" baseline="0" noProof="0">
+              <a:endParaRPr kumimoji="0" lang="en-US" sz="1972" b="0" i="0" u="none" strike="noStrike" kern="0" cap="none" spc="0" normalizeH="0" baseline="0" noProof="0" dirty="0">
                 <a:ln>
                   <a:noFill/>
                 </a:ln>
@@ -21607,7 +21480,7 @@
                 <a:tabLst/>
                 <a:defRPr/>
               </a:pPr>
-              <a:endParaRPr kumimoji="0" lang="en-US" sz="1972" b="0" i="0" u="none" strike="noStrike" kern="0" cap="none" spc="0" normalizeH="0" baseline="0" noProof="0">
+              <a:endParaRPr kumimoji="0" lang="en-US" sz="1972" b="0" i="0" u="none" strike="noStrike" kern="0" cap="none" spc="0" normalizeH="0" baseline="0" noProof="0" dirty="0">
                 <a:ln>
                   <a:noFill/>
                 </a:ln>
@@ -21780,7 +21653,7 @@
                 <a:tabLst/>
                 <a:defRPr/>
               </a:pPr>
-              <a:endParaRPr kumimoji="0" lang="en-US" sz="1972" b="0" i="0" u="none" strike="noStrike" kern="0" cap="none" spc="0" normalizeH="0" baseline="0" noProof="0">
+              <a:endParaRPr kumimoji="0" lang="en-US" sz="1972" b="0" i="0" u="none" strike="noStrike" kern="0" cap="none" spc="0" normalizeH="0" baseline="0" noProof="0" dirty="0">
                 <a:ln>
                   <a:noFill/>
                 </a:ln>
@@ -21812,8 +21685,8 @@
         </p:nvSpPr>
         <p:spPr bwMode="gray">
           <a:xfrm>
-            <a:off x="557250" y="2226841"/>
-            <a:ext cx="8771013" cy="1929425"/>
+            <a:off x="512053" y="2226841"/>
+            <a:ext cx="8661352" cy="1929425"/>
           </a:xfrm>
           <a:prstGeom prst="roundRect">
             <a:avLst>
@@ -21821,7 +21694,7 @@
             </a:avLst>
           </a:prstGeom>
           <a:solidFill>
-            <a:srgbClr val="002986"/>
+            <a:srgbClr val="002A86"/>
           </a:solidFill>
           <a:ln w="19050" cap="flat" cmpd="sng" algn="ctr">
             <a:noFill/>
@@ -21850,7 +21723,7 @@
               <a:tabLst/>
               <a:defRPr/>
             </a:pPr>
-            <a:endParaRPr kumimoji="0" lang="en-US" sz="1200" b="0" i="0" u="none" strike="noStrike" kern="0" cap="none" spc="0" normalizeH="0" baseline="0" noProof="0">
+            <a:endParaRPr kumimoji="0" lang="en-US" sz="1200" b="0" i="0" u="none" strike="noStrike" kern="0" cap="none" spc="0" normalizeH="0" baseline="0" noProof="0" dirty="0">
               <a:ln>
                 <a:noFill/>
               </a:ln>
@@ -21881,7 +21754,7 @@
         </p:nvSpPr>
         <p:spPr>
           <a:xfrm>
-            <a:off x="2711550" y="3111330"/>
+            <a:off x="2556692" y="3111330"/>
             <a:ext cx="891359" cy="430775"/>
           </a:xfrm>
           <a:prstGeom prst="rect">
@@ -21913,7 +21786,7 @@
               <a:defRPr/>
             </a:pPr>
             <a:r>
-              <a:rPr kumimoji="0" lang="en-US" sz="1100" b="0" i="0" u="none" strike="noStrike" kern="0" cap="none" spc="0" normalizeH="0" baseline="0" noProof="0">
+              <a:rPr kumimoji="0" lang="en-US" sz="1100" b="0" i="0" u="none" strike="noStrike" kern="0" cap="none" spc="0" normalizeH="0" baseline="0" noProof="0" dirty="0">
                 <a:ln>
                   <a:noFill/>
                 </a:ln>
@@ -21930,7 +21803,7 @@
               <a:t>Apps and</a:t>
             </a:r>
             <a:br>
-              <a:rPr kumimoji="0" lang="en-US" sz="1100" b="0" i="0" u="none" strike="noStrike" kern="0" cap="none" spc="0" normalizeH="0" baseline="0" noProof="0">
+              <a:rPr kumimoji="0" lang="en-US" sz="1100" b="0" i="0" u="none" strike="noStrike" kern="0" cap="none" spc="0" normalizeH="0" baseline="0" noProof="0" dirty="0">
                 <a:ln>
                   <a:noFill/>
                 </a:ln>
@@ -21946,7 +21819,7 @@
               </a:rPr>
             </a:br>
             <a:r>
-              <a:rPr kumimoji="0" lang="en-US" sz="1100" b="0" i="0" u="none" strike="noStrike" kern="0" cap="none" spc="0" normalizeH="0" baseline="0" noProof="0">
+              <a:rPr kumimoji="0" lang="en-US" sz="1100" b="0" i="0" u="none" strike="noStrike" kern="0" cap="none" spc="0" normalizeH="0" baseline="0" noProof="0" dirty="0">
                 <a:ln>
                   <a:noFill/>
                 </a:ln>
@@ -21979,7 +21852,7 @@
         </p:nvSpPr>
         <p:spPr>
           <a:xfrm>
-            <a:off x="6298246" y="3111330"/>
+            <a:off x="6143388" y="3111330"/>
             <a:ext cx="963475" cy="430775"/>
           </a:xfrm>
           <a:prstGeom prst="rect">
@@ -22011,7 +21884,7 @@
               <a:defRPr/>
             </a:pPr>
             <a:r>
-              <a:rPr kumimoji="0" lang="en-US" sz="1100" b="0" i="0" u="none" strike="noStrike" kern="0" cap="none" spc="0" normalizeH="0" baseline="0" noProof="0">
+              <a:rPr kumimoji="0" lang="en-US" sz="1100" b="0" i="0" u="none" strike="noStrike" kern="0" cap="none" spc="0" normalizeH="0" baseline="0" noProof="0" dirty="0">
                 <a:ln>
                   <a:noFill/>
                 </a:ln>
@@ -22028,7 +21901,7 @@
               <a:t>Digital</a:t>
             </a:r>
             <a:br>
-              <a:rPr kumimoji="0" lang="en-US" sz="1100" b="0" i="0" u="none" strike="noStrike" kern="0" cap="none" spc="0" normalizeH="0" baseline="0" noProof="0">
+              <a:rPr kumimoji="0" lang="en-US" sz="1100" b="0" i="0" u="none" strike="noStrike" kern="0" cap="none" spc="0" normalizeH="0" baseline="0" noProof="0" dirty="0">
                 <a:ln>
                   <a:noFill/>
                 </a:ln>
@@ -22044,7 +21917,7 @@
               </a:rPr>
             </a:br>
             <a:r>
-              <a:rPr kumimoji="0" lang="en-US" sz="1100" b="0" i="0" u="none" strike="noStrike" kern="0" cap="none" spc="0" normalizeH="0" baseline="0" noProof="0">
+              <a:rPr kumimoji="0" lang="en-US" sz="1100" b="0" i="0" u="none" strike="noStrike" kern="0" cap="none" spc="0" normalizeH="0" baseline="0" noProof="0" dirty="0">
                 <a:ln>
                   <a:noFill/>
                 </a:ln>
@@ -22077,7 +21950,7 @@
         </p:nvSpPr>
         <p:spPr>
           <a:xfrm>
-            <a:off x="5249049" y="3195945"/>
+            <a:off x="5094191" y="3195945"/>
             <a:ext cx="780780" cy="261542"/>
           </a:xfrm>
           <a:prstGeom prst="rect">
@@ -22109,7 +21982,7 @@
               <a:defRPr/>
             </a:pPr>
             <a:r>
-              <a:rPr kumimoji="0" lang="en-US" sz="1100" b="0" i="0" u="none" strike="noStrike" kern="0" cap="none" spc="0" normalizeH="0" baseline="0" noProof="0">
+              <a:rPr kumimoji="0" lang="en-US" sz="1100" b="0" i="0" u="none" strike="noStrike" kern="0" cap="none" spc="0" normalizeH="0" baseline="0" noProof="0" dirty="0">
                 <a:ln>
                   <a:noFill/>
                 </a:ln>
@@ -22142,7 +22015,7 @@
         </p:nvSpPr>
         <p:spPr>
           <a:xfrm>
-            <a:off x="3841676" y="3111330"/>
+            <a:off x="3686818" y="3111330"/>
             <a:ext cx="1158991" cy="430775"/>
           </a:xfrm>
           <a:prstGeom prst="rect">
@@ -22174,7 +22047,7 @@
               <a:defRPr/>
             </a:pPr>
             <a:r>
-              <a:rPr kumimoji="0" lang="en-US" sz="1100" b="0" i="0" u="none" strike="noStrike" kern="0" cap="none" spc="0" normalizeH="0" baseline="0" noProof="0">
+              <a:rPr kumimoji="0" lang="en-US" sz="1100" b="0" i="0" u="none" strike="noStrike" kern="0" cap="none" spc="0" normalizeH="0" baseline="0" noProof="0" dirty="0">
                 <a:ln>
                   <a:noFill/>
                 </a:ln>
@@ -22191,7 +22064,7 @@
               <a:t>Workflows and</a:t>
             </a:r>
             <a:br>
-              <a:rPr kumimoji="0" lang="en-US" sz="1100" b="0" i="0" u="none" strike="noStrike" kern="0" cap="none" spc="0" normalizeH="0" baseline="0" noProof="0">
+              <a:rPr kumimoji="0" lang="en-US" sz="1100" b="0" i="0" u="none" strike="noStrike" kern="0" cap="none" spc="0" normalizeH="0" baseline="0" noProof="0" dirty="0">
                 <a:ln>
                   <a:noFill/>
                 </a:ln>
@@ -22207,7 +22080,7 @@
               </a:rPr>
             </a:br>
             <a:r>
-              <a:rPr kumimoji="0" lang="en-US" sz="1100" b="0" i="0" u="none" strike="noStrike" kern="0" cap="none" spc="0" normalizeH="0" baseline="0" noProof="0">
+              <a:rPr kumimoji="0" lang="en-US" sz="1100" b="0" i="0" u="none" strike="noStrike" kern="0" cap="none" spc="0" normalizeH="0" baseline="0" noProof="0" dirty="0">
                 <a:ln>
                   <a:noFill/>
                 </a:ln>
@@ -22240,7 +22113,7 @@
         </p:nvGrpSpPr>
         <p:grpSpPr>
           <a:xfrm>
-            <a:off x="7865300" y="3083868"/>
+            <a:off x="7710442" y="3083868"/>
             <a:ext cx="1060670" cy="623086"/>
             <a:chOff x="8301603" y="3630030"/>
             <a:chExt cx="1060946" cy="623248"/>
@@ -22294,7 +22167,7 @@
                 <a:defRPr/>
               </a:pPr>
               <a:r>
-                <a:rPr kumimoji="0" lang="en-US" sz="1799" b="0" i="0" u="none" strike="noStrike" kern="0" cap="none" spc="0" normalizeH="0" baseline="0" noProof="0">
+                <a:rPr kumimoji="0" lang="en-US" sz="1799" b="0" i="0" u="none" strike="noStrike" kern="0" cap="none" spc="0" normalizeH="0" baseline="0" noProof="0" dirty="0">
                   <a:ln>
                     <a:noFill/>
                   </a:ln>
@@ -22318,7 +22191,7 @@
                 <a:t>3x</a:t>
               </a:r>
               <a:r>
-                <a:rPr kumimoji="0" lang="en-US" sz="2399" b="0" i="0" u="none" strike="noStrike" kern="0" cap="none" spc="0" normalizeH="0" baseline="0" noProof="0">
+                <a:rPr kumimoji="0" lang="en-US" sz="2399" b="0" i="0" u="none" strike="noStrike" kern="0" cap="none" spc="0" normalizeH="0" baseline="0" noProof="0" dirty="0">
                   <a:ln>
                     <a:noFill/>
                   </a:ln>
@@ -22342,7 +22215,7 @@
                 <a:t> </a:t>
               </a:r>
               <a:br>
-                <a:rPr kumimoji="0" lang="en-US" sz="2399" b="0" i="0" u="none" strike="noStrike" kern="0" cap="none" spc="0" normalizeH="0" baseline="0" noProof="0">
+                <a:rPr kumimoji="0" lang="en-US" sz="2399" b="0" i="0" u="none" strike="noStrike" kern="0" cap="none" spc="0" normalizeH="0" baseline="0" noProof="0" dirty="0">
                   <a:ln>
                     <a:noFill/>
                   </a:ln>
@@ -22365,7 +22238,7 @@
                 </a:rPr>
               </a:br>
               <a:r>
-                <a:rPr kumimoji="0" lang="en-US" sz="1050" b="0" i="0" u="none" strike="noStrike" kern="0" cap="none" spc="0" normalizeH="0" baseline="0" noProof="0">
+                <a:rPr kumimoji="0" lang="en-US" sz="1050" u="none" strike="noStrike" kern="0" cap="none" spc="0" normalizeH="0" baseline="0" noProof="0" dirty="0">
                   <a:ln>
                     <a:noFill/>
                   </a:ln>
@@ -22383,14 +22256,14 @@
                   <a:effectLst/>
                   <a:uLnTx/>
                   <a:uFillTx/>
-                  <a:latin typeface="72 Brand Book" panose="020B0404030603020204" pitchFamily="34" charset="0"/>
+                  <a:latin typeface="72 Brand" panose="020B0504030603020204" pitchFamily="34" charset="0"/>
                   <a:ea typeface="72 Brand" pitchFamily="34" charset="-128"/>
                   <a:cs typeface="72 Brand" pitchFamily="34" charset="-128"/>
                 </a:rPr>
                 <a:t>development </a:t>
               </a:r>
               <a:br>
-                <a:rPr kumimoji="0" lang="en-US" sz="1050" b="0" i="0" u="none" strike="noStrike" kern="0" cap="none" spc="0" normalizeH="0" baseline="0" noProof="0">
+                <a:rPr kumimoji="0" lang="en-US" sz="1050" u="none" strike="noStrike" kern="0" cap="none" spc="0" normalizeH="0" baseline="0" noProof="0" dirty="0">
                   <a:ln>
                     <a:noFill/>
                   </a:ln>
@@ -22408,13 +22281,13 @@
                   <a:effectLst/>
                   <a:uLnTx/>
                   <a:uFillTx/>
-                  <a:latin typeface="72 Brand Book" panose="020B0404030603020204" pitchFamily="34" charset="0"/>
+                  <a:latin typeface="72 Brand" panose="020B0504030603020204" pitchFamily="34" charset="0"/>
                   <a:ea typeface="72 Brand" pitchFamily="34" charset="-128"/>
                   <a:cs typeface="72 Brand" pitchFamily="34" charset="-128"/>
                 </a:rPr>
               </a:br>
               <a:r>
-                <a:rPr kumimoji="0" lang="en-US" sz="1050" b="0" i="0" u="none" strike="noStrike" kern="0" cap="none" spc="0" normalizeH="0" baseline="0" noProof="0">
+                <a:rPr kumimoji="0" lang="en-US" sz="1050" u="none" strike="noStrike" kern="0" cap="none" spc="0" normalizeH="0" baseline="0" noProof="0" dirty="0">
                   <a:ln>
                     <a:noFill/>
                   </a:ln>
@@ -22432,13 +22305,13 @@
                   <a:effectLst/>
                   <a:uLnTx/>
                   <a:uFillTx/>
-                  <a:latin typeface="72 Brand Book" panose="020B0404030603020204" pitchFamily="34" charset="0"/>
+                  <a:latin typeface="72 Brand" panose="020B0504030603020204" pitchFamily="34" charset="0"/>
                   <a:ea typeface="72 Brand" pitchFamily="34" charset="-128"/>
                   <a:cs typeface="72 Brand" pitchFamily="34" charset="-128"/>
                 </a:rPr>
                 <a:t>efficiency</a:t>
               </a:r>
-              <a:endParaRPr kumimoji="0" lang="en-US" sz="1100" b="0" i="0" u="none" strike="noStrike" kern="0" cap="none" spc="0" normalizeH="0" baseline="0" noProof="0">
+              <a:endParaRPr kumimoji="0" lang="en-US" sz="1100" u="none" strike="noStrike" kern="0" cap="none" spc="0" normalizeH="0" baseline="0" noProof="0" dirty="0">
                 <a:ln>
                   <a:noFill/>
                 </a:ln>
@@ -22456,7 +22329,7 @@
                 <a:effectLst/>
                 <a:uLnTx/>
                 <a:uFillTx/>
-                <a:latin typeface="72 Brand Book" panose="020B0404030603020204" pitchFamily="34" charset="0"/>
+                <a:latin typeface="72 Brand" panose="020B0504030603020204" pitchFamily="34" charset="0"/>
                 <a:ea typeface="72 Brand" pitchFamily="34" charset="-128"/>
                 <a:cs typeface="72 Brand" pitchFamily="34" charset="-128"/>
               </a:endParaRPr>
@@ -22502,7 +22375,7 @@
                 <a:lin ang="5400000" scaled="1"/>
               </a:gradFill>
               <a:headEnd type="none" w="med" len="med"/>
-              <a:tailEnd type="arrow" w="med" len="sm"/>
+              <a:tailEnd type="triangle" w="med" len="med"/>
             </a:ln>
           </p:spPr>
           <p:style>
@@ -22535,7 +22408,7 @@
         </p:nvSpPr>
         <p:spPr bwMode="gray">
           <a:xfrm>
-            <a:off x="2427381" y="2894108"/>
+            <a:off x="2272523" y="2894108"/>
             <a:ext cx="4998438" cy="875931"/>
           </a:xfrm>
           <a:prstGeom prst="roundRect">
@@ -22576,7 +22449,7 @@
               <a:tabLst/>
               <a:defRPr/>
             </a:pPr>
-            <a:endParaRPr kumimoji="0" lang="en-US" sz="1200" b="0" i="0" u="none" strike="noStrike" kern="0" cap="none" spc="0" normalizeH="0" baseline="0" noProof="0">
+            <a:endParaRPr kumimoji="0" lang="en-US" sz="1200" b="0" i="0" u="none" strike="noStrike" kern="0" cap="none" spc="0" normalizeH="0" baseline="0" noProof="0" dirty="0">
               <a:ln>
                 <a:noFill/>
               </a:ln>
@@ -22607,8 +22480,8 @@
         </p:nvSpPr>
         <p:spPr>
           <a:xfrm>
-            <a:off x="4222050" y="3856914"/>
-            <a:ext cx="1385892" cy="330842"/>
+            <a:off x="4067192" y="3856914"/>
+            <a:ext cx="1385892" cy="176953"/>
           </a:xfrm>
           <a:prstGeom prst="rect">
             <a:avLst/>
@@ -22641,7 +22514,7 @@
               <a:defRPr/>
             </a:pPr>
             <a:r>
-              <a:rPr kumimoji="0" lang="en-US" sz="1000" b="1" i="0" u="none" strike="noStrike" kern="1200" cap="none" spc="0" normalizeH="0" baseline="0" noProof="0">
+              <a:rPr kumimoji="0" lang="en-US" sz="1000" u="none" strike="noStrike" kern="1200" cap="none" spc="0" normalizeH="0" baseline="0" noProof="0" dirty="0">
                 <a:ln>
                   <a:noFill/>
                 </a:ln>
@@ -22651,13 +22524,11 @@
                 <a:effectLst/>
                 <a:uLnTx/>
                 <a:uFillTx/>
-                <a:latin typeface="72 Brand Light" panose="020B0304030603020204" pitchFamily="34" charset="0"/>
-                <a:ea typeface="+mn-ea"/>
-                <a:cs typeface="+mn-cs"/>
+                <a:latin typeface="72 Brand" panose="020B0504030603020204" pitchFamily="34" charset="0"/>
               </a:rPr>
               <a:t>Pro-code and low-code</a:t>
             </a:r>
-            <a:endParaRPr kumimoji="0" lang="en-US" sz="1100" b="1" i="0" u="none" strike="noStrike" kern="0" cap="none" spc="0" normalizeH="0" baseline="0" noProof="0">
+            <a:endParaRPr kumimoji="0" lang="en-US" sz="1100" u="none" strike="noStrike" kern="0" cap="none" spc="0" normalizeH="0" baseline="0" noProof="0" dirty="0">
               <a:ln>
                 <a:noFill/>
               </a:ln>
@@ -22667,7 +22538,7 @@
               <a:effectLst/>
               <a:uLnTx/>
               <a:uFillTx/>
-              <a:latin typeface="72 Brand Light" panose="020B0304030603020204" pitchFamily="34" charset="0"/>
+              <a:latin typeface="72 Brand" panose="020B0504030603020204" pitchFamily="34" charset="0"/>
               <a:ea typeface="72 Brand" pitchFamily="34" charset="-128"/>
               <a:cs typeface="72 Brand" pitchFamily="34" charset="-128"/>
             </a:endParaRPr>
@@ -22688,10 +22559,10 @@
         </p:nvGrpSpPr>
         <p:grpSpPr>
           <a:xfrm>
-            <a:off x="557250" y="4249555"/>
-            <a:ext cx="8776927" cy="701052"/>
-            <a:chOff x="730431" y="4789621"/>
-            <a:chExt cx="8779213" cy="701235"/>
+            <a:off x="512052" y="4249554"/>
+            <a:ext cx="8667267" cy="701052"/>
+            <a:chOff x="840120" y="4789621"/>
+            <a:chExt cx="8669524" cy="701235"/>
           </a:xfrm>
           <a:solidFill>
             <a:srgbClr val="002A86"/>
@@ -22716,10 +22587,12 @@
             </a:xfrm>
             <a:prstGeom prst="roundRect">
               <a:avLst>
-                <a:gd name="adj" fmla="val 6625"/>
+                <a:gd name="adj" fmla="val 12247"/>
               </a:avLst>
             </a:prstGeom>
-            <a:grpFill/>
+            <a:solidFill>
+              <a:srgbClr val="002A86"/>
+            </a:solidFill>
             <a:ln w="15238" cap="flat">
               <a:noFill/>
               <a:prstDash val="solid"/>
@@ -22748,7 +22621,7 @@
                 <a:tabLst/>
                 <a:defRPr/>
               </a:pPr>
-              <a:endParaRPr kumimoji="0" lang="en-US" sz="1997" b="0" i="0" u="none" strike="noStrike" kern="1200" cap="none" spc="0" normalizeH="0" baseline="0" noProof="0">
+              <a:endParaRPr kumimoji="0" lang="en-US" sz="1997" b="0" i="0" u="none" strike="noStrike" kern="1200" cap="none" spc="0" normalizeH="0" baseline="0" noProof="0" dirty="0">
                 <a:ln>
                   <a:noFill/>
                 </a:ln>
@@ -22779,15 +22652,17 @@
           </p:nvSpPr>
           <p:spPr bwMode="gray">
             <a:xfrm>
-              <a:off x="730431" y="4789621"/>
-              <a:ext cx="4328749" cy="701235"/>
+              <a:off x="840120" y="4789621"/>
+              <a:ext cx="4219060" cy="701235"/>
             </a:xfrm>
             <a:prstGeom prst="roundRect">
               <a:avLst>
-                <a:gd name="adj" fmla="val 6625"/>
+                <a:gd name="adj" fmla="val 12247"/>
               </a:avLst>
             </a:prstGeom>
-            <a:grpFill/>
+            <a:solidFill>
+              <a:srgbClr val="002A86"/>
+            </a:solidFill>
             <a:ln w="15238" cap="flat">
               <a:noFill/>
               <a:prstDash val="solid"/>
@@ -22816,7 +22691,7 @@
                 <a:tabLst/>
                 <a:defRPr/>
               </a:pPr>
-              <a:endParaRPr kumimoji="0" lang="en-US" sz="1000" b="0" i="0" u="none" strike="noStrike" kern="0" cap="none" spc="0" normalizeH="0" baseline="0" noProof="0">
+              <a:endParaRPr kumimoji="0" lang="en-US" sz="1000" b="0" i="0" u="none" strike="noStrike" kern="0" cap="none" spc="0" normalizeH="0" baseline="0" noProof="0" dirty="0">
                 <a:ln>
                   <a:noFill/>
                 </a:ln>
@@ -22847,13 +22722,13 @@
           </p:nvSpPr>
           <p:spPr>
             <a:xfrm>
-              <a:off x="959408" y="5039092"/>
-              <a:ext cx="793487" cy="193899"/>
+              <a:off x="959408" y="5065425"/>
+              <a:ext cx="708712" cy="166242"/>
             </a:xfrm>
             <a:prstGeom prst="rect">
               <a:avLst/>
             </a:prstGeom>
-            <a:grpFill/>
+            <a:noFill/>
           </p:spPr>
           <p:txBody>
             <a:bodyPr wrap="none" lIns="0" tIns="0" rIns="0" bIns="0" rtlCol="0">
@@ -22861,7 +22736,7 @@
             </a:bodyPr>
             <a:lstStyle/>
             <a:p>
-              <a:pPr marL="0" marR="0" lvl="0" indent="0" algn="l" defTabSz="1073731" rtl="0" eaLnBrk="1" fontAlgn="base" latinLnBrk="0" hangingPunct="1">
+              <a:pPr defTabSz="1073731" fontAlgn="base">
                 <a:lnSpc>
                   <a:spcPct val="90000"/>
                 </a:lnSpc>
@@ -22875,16 +22750,10 @@
                   <a:srgbClr val="000000"/>
                 </a:buClr>
                 <a:buSzPct val="100000"/>
-                <a:buFontTx/>
-                <a:buNone/>
-                <a:tabLst/>
                 <a:defRPr/>
               </a:pPr>
               <a:r>
-                <a:rPr kumimoji="0" lang="en-US" sz="1400" b="0" i="0" u="none" strike="noStrike" kern="0" cap="none" spc="0" normalizeH="0" baseline="0" noProof="0">
-                  <a:ln>
-                    <a:noFill/>
-                  </a:ln>
+                <a:rPr lang="en-US" sz="1200" b="1" kern="0" dirty="0">
                   <a:gradFill>
                     <a:gsLst>
                       <a:gs pos="0">
@@ -22896,12 +22765,7 @@
                     </a:gsLst>
                     <a:lin ang="2700000" scaled="1"/>
                   </a:gradFill>
-                  <a:effectLst/>
-                  <a:uLnTx/>
-                  <a:uFillTx/>
                   <a:latin typeface="72 Brand Medium"/>
-                  <a:ea typeface="72 Brand" pitchFamily="34" charset="-128"/>
-                  <a:cs typeface="72 Brand" pitchFamily="34" charset="-128"/>
                 </a:rPr>
                 <a:t>AI copilot</a:t>
               </a:r>
@@ -22922,13 +22786,13 @@
           </p:nvSpPr>
           <p:spPr>
             <a:xfrm>
-              <a:off x="5400005" y="4954171"/>
-              <a:ext cx="785471" cy="387798"/>
+              <a:off x="5400005" y="4982303"/>
+              <a:ext cx="785471" cy="332486"/>
             </a:xfrm>
             <a:prstGeom prst="rect">
               <a:avLst/>
             </a:prstGeom>
-            <a:grpFill/>
+            <a:noFill/>
           </p:spPr>
           <p:txBody>
             <a:bodyPr wrap="square" lIns="0" tIns="0" rIns="0" bIns="0" rtlCol="0">
@@ -22936,7 +22800,7 @@
             </a:bodyPr>
             <a:lstStyle/>
             <a:p>
-              <a:pPr marL="0" marR="0" lvl="0" indent="0" algn="l" defTabSz="1073731" rtl="0" eaLnBrk="1" fontAlgn="base" latinLnBrk="0" hangingPunct="1">
+              <a:pPr defTabSz="1073731" fontAlgn="base">
                 <a:lnSpc>
                   <a:spcPct val="90000"/>
                 </a:lnSpc>
@@ -22950,16 +22814,10 @@
                   <a:srgbClr val="000000"/>
                 </a:buClr>
                 <a:buSzPct val="100000"/>
-                <a:buFontTx/>
-                <a:buNone/>
-                <a:tabLst/>
                 <a:defRPr/>
               </a:pPr>
               <a:r>
-                <a:rPr kumimoji="0" lang="en-US" sz="1400" b="0" i="0" u="none" strike="noStrike" kern="0" cap="none" spc="0" normalizeH="0" baseline="0" noProof="0">
-                  <a:ln>
-                    <a:noFill/>
-                  </a:ln>
+                <a:rPr lang="en-US" sz="1200" b="1" kern="0" dirty="0">
                   <a:gradFill>
                     <a:gsLst>
                       <a:gs pos="0">
@@ -22971,20 +22829,12 @@
                     </a:gsLst>
                     <a:lin ang="2700000" scaled="1"/>
                   </a:gradFill>
-                  <a:effectLst/>
-                  <a:uLnTx/>
-                  <a:uFillTx/>
                   <a:latin typeface="72 Brand Medium"/>
-                  <a:ea typeface="72 Brand" pitchFamily="34" charset="-128"/>
-                  <a:cs typeface="72 Brand" pitchFamily="34" charset="-128"/>
                 </a:rPr>
-                <a:t>Pre-built</a:t>
+                <a:t>Prebuilt</a:t>
               </a:r>
               <a:br>
-                <a:rPr kumimoji="0" lang="en-US" sz="1400" b="0" i="0" u="none" strike="noStrike" kern="0" cap="none" spc="0" normalizeH="0" baseline="0" noProof="0">
-                  <a:ln>
-                    <a:noFill/>
-                  </a:ln>
+                <a:rPr lang="en-US" sz="1200" b="1" kern="0" dirty="0">
                   <a:gradFill>
                     <a:gsLst>
                       <a:gs pos="0">
@@ -22996,19 +22846,11 @@
                     </a:gsLst>
                     <a:lin ang="2700000" scaled="1"/>
                   </a:gradFill>
-                  <a:effectLst/>
-                  <a:uLnTx/>
-                  <a:uFillTx/>
                   <a:latin typeface="72 Brand Medium"/>
-                  <a:ea typeface="72 Brand" pitchFamily="34" charset="-128"/>
-                  <a:cs typeface="72 Brand" pitchFamily="34" charset="-128"/>
                 </a:rPr>
               </a:br>
               <a:r>
-                <a:rPr kumimoji="0" lang="en-US" sz="1400" b="0" i="0" u="none" strike="noStrike" kern="0" cap="none" spc="0" normalizeH="0" baseline="0" noProof="0">
-                  <a:ln>
-                    <a:noFill/>
-                  </a:ln>
+                <a:rPr lang="en-US" sz="1200" b="1" kern="0" dirty="0">
                   <a:gradFill>
                     <a:gsLst>
                       <a:gs pos="0">
@@ -23020,12 +22862,7 @@
                     </a:gsLst>
                     <a:lin ang="2700000" scaled="1"/>
                   </a:gradFill>
-                  <a:effectLst/>
-                  <a:uLnTx/>
-                  <a:uFillTx/>
                   <a:latin typeface="72 Brand Medium"/>
-                  <a:ea typeface="72 Brand" pitchFamily="34" charset="-128"/>
-                  <a:cs typeface="72 Brand" pitchFamily="34" charset="-128"/>
                 </a:rPr>
                 <a:t>solutions</a:t>
               </a:r>
@@ -23046,13 +22883,13 @@
           </p:nvSpPr>
           <p:spPr>
             <a:xfrm>
-              <a:off x="1850637" y="5002616"/>
-              <a:ext cx="3165036" cy="246221"/>
+              <a:off x="1850637" y="4948438"/>
+              <a:ext cx="3165036" cy="400214"/>
             </a:xfrm>
             <a:prstGeom prst="rect">
               <a:avLst/>
             </a:prstGeom>
-            <a:grpFill/>
+            <a:noFill/>
           </p:spPr>
           <p:txBody>
             <a:bodyPr wrap="square">
@@ -23078,7 +22915,7 @@
                 <a:defRPr/>
               </a:pPr>
               <a:r>
-                <a:rPr kumimoji="0" lang="en-US" sz="1000" b="0" i="0" u="none" strike="noStrike" kern="0" cap="none" spc="0" normalizeH="0" baseline="0" noProof="0">
+                <a:rPr kumimoji="0" lang="en-US" sz="1000" u="none" strike="noStrike" kern="0" cap="none" spc="0" normalizeH="0" baseline="0" noProof="0" dirty="0">
                   <a:ln>
                     <a:noFill/>
                   </a:ln>
@@ -23088,13 +22925,40 @@
                   <a:effectLst/>
                   <a:uLnTx/>
                   <a:uFillTx/>
-                  <a:latin typeface="72 Brand Light" panose="020B0304030603020204" pitchFamily="34" charset="0"/>
-                  <a:ea typeface="+mn-ea"/>
-                  <a:cs typeface="+mn-cs"/>
+                  <a:latin typeface="72 Brand" panose="020B0504030603020204" pitchFamily="34" charset="0"/>
                 </a:rPr>
-                <a:t>SAP proprietary models, contextual, partner ecosystem</a:t>
+                <a:t>SAP’s proprietary models, contextual, </a:t>
               </a:r>
-              <a:endParaRPr kumimoji="0" lang="en-US" sz="1100" b="0" i="0" u="none" strike="noStrike" kern="0" cap="none" spc="0" normalizeH="0" baseline="0" noProof="0">
+              <a:br>
+                <a:rPr kumimoji="0" lang="en-US" sz="1000" u="none" strike="noStrike" kern="0" cap="none" spc="0" normalizeH="0" baseline="0" noProof="0" dirty="0">
+                  <a:ln>
+                    <a:noFill/>
+                  </a:ln>
+                  <a:solidFill>
+                    <a:srgbClr val="FFFFFF"/>
+                  </a:solidFill>
+                  <a:effectLst/>
+                  <a:uLnTx/>
+                  <a:uFillTx/>
+                  <a:latin typeface="72 Brand" panose="020B0504030603020204" pitchFamily="34" charset="0"/>
+                </a:rPr>
+              </a:br>
+              <a:r>
+                <a:rPr kumimoji="0" lang="en-US" sz="1000" u="none" strike="noStrike" kern="0" cap="none" spc="0" normalizeH="0" baseline="0" noProof="0" dirty="0">
+                  <a:ln>
+                    <a:noFill/>
+                  </a:ln>
+                  <a:solidFill>
+                    <a:srgbClr val="FFFFFF"/>
+                  </a:solidFill>
+                  <a:effectLst/>
+                  <a:uLnTx/>
+                  <a:uFillTx/>
+                  <a:latin typeface="72 Brand" panose="020B0504030603020204" pitchFamily="34" charset="0"/>
+                </a:rPr>
+                <a:t>and partner ecosystem</a:t>
+              </a:r>
+              <a:endParaRPr kumimoji="0" lang="en-US" sz="1100" u="none" strike="noStrike" kern="0" cap="none" spc="0" normalizeH="0" baseline="0" noProof="0" dirty="0">
                 <a:ln>
                   <a:noFill/>
                 </a:ln>
@@ -23104,9 +22968,7 @@
                 <a:effectLst/>
                 <a:uLnTx/>
                 <a:uFillTx/>
-                <a:latin typeface="72 Brand Light" panose="020B0304030603020204" pitchFamily="34" charset="0"/>
-                <a:ea typeface="+mn-ea"/>
-                <a:cs typeface="+mn-cs"/>
+                <a:latin typeface="72 Brand" panose="020B0504030603020204" pitchFamily="34" charset="0"/>
               </a:endParaRPr>
             </a:p>
           </p:txBody>
@@ -23125,13 +22987,13 @@
           </p:nvSpPr>
           <p:spPr>
             <a:xfrm>
-              <a:off x="6158346" y="4995257"/>
+              <a:off x="6158346" y="5025436"/>
               <a:ext cx="3173428" cy="246221"/>
             </a:xfrm>
             <a:prstGeom prst="rect">
               <a:avLst/>
             </a:prstGeom>
-            <a:grpFill/>
+            <a:noFill/>
           </p:spPr>
           <p:txBody>
             <a:bodyPr wrap="square">
@@ -23157,7 +23019,7 @@
                 <a:defRPr/>
               </a:pPr>
               <a:r>
-                <a:rPr kumimoji="0" lang="en-US" sz="1000" b="0" i="0" u="none" strike="noStrike" kern="1200" cap="none" spc="0" normalizeH="0" baseline="0" noProof="0">
+                <a:rPr kumimoji="0" lang="en-US" sz="1000" u="none" strike="noStrike" kern="1200" cap="none" spc="0" normalizeH="0" baseline="0" noProof="0" dirty="0">
                   <a:ln>
                     <a:noFill/>
                   </a:ln>
@@ -23167,11 +23029,9 @@
                   <a:effectLst/>
                   <a:uLnTx/>
                   <a:uFillTx/>
-                  <a:latin typeface="72 Brand Book" panose="020B0404030603020204" pitchFamily="34" charset="0"/>
-                  <a:ea typeface="+mn-ea"/>
-                  <a:cs typeface="+mn-cs"/>
+                  <a:latin typeface="72 Brand" panose="020B0504030603020204" pitchFamily="34" charset="0"/>
                 </a:rPr>
-                <a:t>500+ finance, HCM, supply chain and beyond</a:t>
+                <a:t>500+ finance, HCM, supply chain, and beyond</a:t>
               </a:r>
             </a:p>
           </p:txBody>
@@ -23191,7 +23051,7 @@
         </p:nvGrpSpPr>
         <p:grpSpPr>
           <a:xfrm rot="14522375">
-            <a:off x="9014652" y="5479717"/>
+            <a:off x="8859794" y="5479717"/>
             <a:ext cx="106471" cy="169337"/>
             <a:chOff x="1781040" y="3052066"/>
             <a:chExt cx="141719" cy="225394"/>
@@ -23261,7 +23121,7 @@
                 <a:tabLst/>
                 <a:defRPr/>
               </a:pPr>
-              <a:endParaRPr kumimoji="0" lang="en-US" sz="1086" b="0" i="0" u="none" strike="noStrike" kern="0" cap="none" spc="0" normalizeH="0" baseline="0" noProof="0">
+              <a:endParaRPr kumimoji="0" lang="en-US" sz="1086" b="0" i="0" u="none" strike="noStrike" kern="0" cap="none" spc="0" normalizeH="0" baseline="0" noProof="0" dirty="0">
                 <a:ln>
                   <a:noFill/>
                 </a:ln>
@@ -23401,7 +23261,7 @@
                 <a:tabLst/>
                 <a:defRPr/>
               </a:pPr>
-              <a:endParaRPr kumimoji="0" lang="en-US" sz="1086" b="0" i="0" u="none" strike="noStrike" kern="0" cap="none" spc="0" normalizeH="0" baseline="0" noProof="0">
+              <a:endParaRPr kumimoji="0" lang="en-US" sz="1086" b="0" i="0" u="none" strike="noStrike" kern="0" cap="none" spc="0" normalizeH="0" baseline="0" noProof="0" dirty="0">
                 <a:ln>
                   <a:noFill/>
                 </a:ln>
@@ -23433,7 +23293,7 @@
         </p:nvSpPr>
         <p:spPr bwMode="gray">
           <a:xfrm rot="5400000">
-            <a:off x="9588072" y="3198674"/>
+            <a:off x="9433214" y="3198674"/>
             <a:ext cx="120917" cy="58567"/>
           </a:xfrm>
           <a:prstGeom prst="rect">
@@ -23483,7 +23343,7 @@
               <a:tabLst/>
               <a:defRPr/>
             </a:pPr>
-            <a:endParaRPr kumimoji="0" lang="en-US" sz="1086" b="0" i="0" u="none" strike="noStrike" kern="0" cap="none" spc="0" normalizeH="0" baseline="0" noProof="0">
+            <a:endParaRPr kumimoji="0" lang="en-US" sz="1086" b="0" i="0" u="none" strike="noStrike" kern="0" cap="none" spc="0" normalizeH="0" baseline="0" noProof="0" dirty="0">
               <a:ln>
                 <a:noFill/>
               </a:ln>
@@ -23514,7 +23374,7 @@
         </p:nvSpPr>
         <p:spPr bwMode="gray">
           <a:xfrm rot="2514581">
-            <a:off x="9628880" y="3112889"/>
+            <a:off x="9474022" y="3112889"/>
             <a:ext cx="52153" cy="52153"/>
           </a:xfrm>
           <a:custGeom>
@@ -23623,7 +23483,7 @@
               <a:tabLst/>
               <a:defRPr/>
             </a:pPr>
-            <a:endParaRPr kumimoji="0" lang="en-US" sz="1086" b="0" i="0" u="none" strike="noStrike" kern="0" cap="none" spc="0" normalizeH="0" baseline="0" noProof="0">
+            <a:endParaRPr kumimoji="0" lang="en-US" sz="1086" b="0" i="0" u="none" strike="noStrike" kern="0" cap="none" spc="0" normalizeH="0" baseline="0" noProof="0" dirty="0">
               <a:ln>
                 <a:noFill/>
               </a:ln>
@@ -23654,7 +23514,7 @@
         </p:nvSpPr>
         <p:spPr bwMode="gray">
           <a:xfrm rot="16107478">
-            <a:off x="953203" y="5078804"/>
+            <a:off x="798345" y="5078804"/>
             <a:ext cx="120917" cy="58567"/>
           </a:xfrm>
           <a:prstGeom prst="rect">
@@ -23704,7 +23564,7 @@
               <a:tabLst/>
               <a:defRPr/>
             </a:pPr>
-            <a:endParaRPr kumimoji="0" lang="en-US" sz="1086" b="0" i="0" u="none" strike="noStrike" kern="0" cap="none" spc="0" normalizeH="0" baseline="0" noProof="0">
+            <a:endParaRPr kumimoji="0" lang="en-US" sz="1086" b="0" i="0" u="none" strike="noStrike" kern="0" cap="none" spc="0" normalizeH="0" baseline="0" noProof="0" dirty="0">
               <a:ln>
                 <a:noFill/>
               </a:ln>
@@ -23735,7 +23595,7 @@
         </p:nvSpPr>
         <p:spPr bwMode="gray">
           <a:xfrm rot="13381609">
-            <a:off x="984370" y="5179596"/>
+            <a:off x="829512" y="5179596"/>
             <a:ext cx="52153" cy="52153"/>
           </a:xfrm>
           <a:custGeom>
@@ -23844,7 +23704,7 @@
               <a:tabLst/>
               <a:defRPr/>
             </a:pPr>
-            <a:endParaRPr kumimoji="0" lang="en-US" sz="1086" b="0" i="0" u="none" strike="noStrike" kern="0" cap="none" spc="0" normalizeH="0" baseline="0" noProof="0">
+            <a:endParaRPr kumimoji="0" lang="en-US" sz="1086" b="0" i="0" u="none" strike="noStrike" kern="0" cap="none" spc="0" normalizeH="0" baseline="0" noProof="0" dirty="0">
               <a:ln>
                 <a:noFill/>
               </a:ln>
@@ -23948,7 +23808,7 @@
         </p:nvSpPr>
         <p:spPr bwMode="auto">
           <a:xfrm>
-            <a:off x="9886717" y="2493878"/>
+            <a:off x="9731859" y="2493878"/>
             <a:ext cx="2043291" cy="507699"/>
           </a:xfrm>
           <a:prstGeom prst="rect">
@@ -23985,28 +23845,14 @@
           </a:bodyPr>
           <a:lstStyle/>
           <a:p>
-            <a:pPr marL="0" marR="0" lvl="0" indent="0" algn="l" defTabSz="1087144" rtl="0" eaLnBrk="1" fontAlgn="auto" latinLnBrk="0" hangingPunct="1">
-              <a:lnSpc>
-                <a:spcPct val="100000"/>
-              </a:lnSpc>
-              <a:spcBef>
-                <a:spcPts val="0"/>
-              </a:spcBef>
+            <a:pPr defTabSz="1087144">
               <a:spcAft>
                 <a:spcPts val="600"/>
               </a:spcAft>
-              <a:buClrTx/>
-              <a:buSzTx/>
-              <a:buFontTx/>
-              <a:buNone/>
-              <a:tabLst/>
               <a:defRPr/>
             </a:pPr>
             <a:r>
-              <a:rPr kumimoji="0" lang="en-US" sz="1600" b="0" i="0" u="none" strike="noStrike" kern="1200" cap="none" spc="0" normalizeH="0" baseline="0" noProof="0">
-                <a:ln>
-                  <a:noFill/>
-                </a:ln>
+              <a:rPr lang="en-US" sz="1600" dirty="0">
                 <a:gradFill>
                   <a:gsLst>
                     <a:gs pos="0">
@@ -24018,10 +23864,7 @@
                   </a:gsLst>
                   <a:lin ang="5400000" scaled="1"/>
                 </a:gradFill>
-                <a:effectLst/>
-                <a:uLnTx/>
-                <a:uFillTx/>
-                <a:latin typeface="72 Brand Medium"/>
+                <a:latin typeface="72 Brand Medium" panose="020B0504030603020204" pitchFamily="34" charset="0"/>
                 <a:ea typeface="+mn-lt"/>
                 <a:cs typeface="+mn-lt"/>
               </a:rPr>
@@ -24047,29 +23890,20 @@
               <a:defRPr/>
             </a:pPr>
             <a:r>
-              <a:rPr kumimoji="0" lang="en-US" sz="1200" b="0" i="0" u="none" strike="noStrike" kern="1200" cap="none" spc="0" normalizeH="0" baseline="0" noProof="0">
+              <a:rPr kumimoji="0" lang="en-US" sz="1200" b="0" i="0" u="none" strike="noStrike" kern="1200" cap="none" spc="0" normalizeH="0" baseline="0" noProof="0" dirty="0">
                 <a:ln>
                   <a:noFill/>
                 </a:ln>
-                <a:gradFill>
-                  <a:gsLst>
-                    <a:gs pos="0">
-                      <a:srgbClr val="00144A"/>
-                    </a:gs>
-                    <a:gs pos="100000">
-                      <a:srgbClr val="00144A"/>
-                    </a:gs>
-                  </a:gsLst>
-                  <a:lin ang="2700000" scaled="1"/>
-                </a:gradFill>
+                <a:solidFill>
+                  <a:schemeClr val="tx1"/>
+                </a:solidFill>
                 <a:effectLst/>
                 <a:uLnTx/>
                 <a:uFillTx/>
-                <a:latin typeface="72 Brand"/>
-                <a:ea typeface="+mn-ea"/>
+                <a:latin typeface="72 Brand" panose="020B0504030603020204" pitchFamily="34" charset="0"/>
                 <a:cs typeface="72"/>
               </a:rPr>
-              <a:t>with AI and pre-built solutions</a:t>
+              <a:t>with AI and prebuilt solutions</a:t>
             </a:r>
           </a:p>
         </p:txBody>
@@ -24088,7 +23922,7 @@
         </p:nvSpPr>
         <p:spPr bwMode="auto">
           <a:xfrm>
-            <a:off x="9939723" y="3477494"/>
+            <a:off x="9784865" y="3477494"/>
             <a:ext cx="2367544" cy="692317"/>
           </a:xfrm>
           <a:prstGeom prst="rect">
@@ -24143,7 +23977,7 @@
               <a:defRPr/>
             </a:pPr>
             <a:r>
-              <a:rPr kumimoji="0" lang="en-US" sz="1600" b="0" i="0" u="none" strike="noStrike" kern="1200" cap="none" spc="0" normalizeH="0" baseline="0" noProof="0">
+              <a:rPr kumimoji="0" lang="en-US" sz="1600" u="none" strike="noStrike" kern="1200" cap="none" spc="0" normalizeH="0" baseline="0" noProof="0" dirty="0">
                 <a:ln>
                   <a:noFill/>
                 </a:ln>
@@ -24161,7 +23995,7 @@
                 <a:effectLst/>
                 <a:uLnTx/>
                 <a:uFillTx/>
-                <a:latin typeface="72 Brand Medium"/>
+                <a:latin typeface="72 Brand Medium" panose="020B0504030603020204" pitchFamily="34" charset="0"/>
                 <a:ea typeface="+mn-lt"/>
                 <a:cs typeface="+mn-lt"/>
               </a:rPr>
@@ -24187,7 +24021,7 @@
               <a:defRPr/>
             </a:pPr>
             <a:r>
-              <a:rPr kumimoji="0" lang="en-US" sz="1200" b="0" i="0" u="none" strike="noStrike" kern="1200" cap="none" spc="0" normalizeH="0" baseline="0" noProof="0">
+              <a:rPr kumimoji="0" lang="en-US" sz="1200" b="0" i="0" u="none" strike="noStrike" kern="1200" cap="none" spc="0" normalizeH="0" baseline="0" noProof="0" dirty="0">
                 <a:ln>
                   <a:noFill/>
                 </a:ln>
@@ -24212,7 +24046,7 @@
               <a:t>with tools for every role</a:t>
             </a:r>
             <a:br>
-              <a:rPr kumimoji="0" lang="en-US" sz="1200" b="0" i="0" u="none" strike="noStrike" kern="1200" cap="none" spc="0" normalizeH="0" baseline="0" noProof="0">
+              <a:rPr kumimoji="0" lang="en-US" sz="1200" b="0" i="0" u="none" strike="noStrike" kern="1200" cap="none" spc="0" normalizeH="0" baseline="0" noProof="0" dirty="0">
                 <a:ln>
                   <a:noFill/>
                 </a:ln>
@@ -24235,7 +24069,7 @@
                 <a:cs typeface="+mn-lt"/>
               </a:rPr>
             </a:br>
-            <a:endParaRPr kumimoji="0" lang="en-US" sz="1200" b="0" i="0" u="none" strike="noStrike" kern="1200" cap="none" spc="0" normalizeH="0" baseline="0" noProof="0">
+            <a:endParaRPr kumimoji="0" lang="en-US" sz="1200" b="0" i="0" u="none" strike="noStrike" kern="1200" cap="none" spc="0" normalizeH="0" baseline="0" noProof="0" dirty="0">
               <a:ln>
                 <a:noFill/>
               </a:ln>
@@ -24274,8 +24108,8 @@
         </p:nvSpPr>
         <p:spPr bwMode="auto">
           <a:xfrm>
-            <a:off x="9909605" y="4506679"/>
-            <a:ext cx="1754077" cy="692317"/>
+            <a:off x="9754747" y="4506679"/>
+            <a:ext cx="1909862" cy="692497"/>
           </a:xfrm>
           <a:prstGeom prst="rect">
             <a:avLst/>
@@ -24311,28 +24145,14 @@
           </a:bodyPr>
           <a:lstStyle/>
           <a:p>
-            <a:pPr marL="0" marR="0" lvl="0" indent="0" algn="l" defTabSz="1087144" rtl="0" eaLnBrk="1" fontAlgn="auto" latinLnBrk="0" hangingPunct="1">
-              <a:lnSpc>
-                <a:spcPct val="100000"/>
-              </a:lnSpc>
-              <a:spcBef>
-                <a:spcPts val="0"/>
-              </a:spcBef>
+            <a:pPr defTabSz="1087144">
               <a:spcAft>
                 <a:spcPts val="600"/>
               </a:spcAft>
-              <a:buClrTx/>
-              <a:buSzTx/>
-              <a:buFontTx/>
-              <a:buNone/>
-              <a:tabLst/>
               <a:defRPr/>
             </a:pPr>
             <a:r>
-              <a:rPr kumimoji="0" lang="en-US" sz="1600" b="0" i="0" u="none" strike="noStrike" kern="1200" cap="none" spc="0" normalizeH="0" baseline="0" noProof="0">
-                <a:ln>
-                  <a:noFill/>
-                </a:ln>
+              <a:rPr lang="en-US" sz="1600" dirty="0">
                 <a:gradFill>
                   <a:gsLst>
                     <a:gs pos="0">
@@ -24344,10 +24164,7 @@
                   </a:gsLst>
                   <a:lin ang="5400000" scaled="1"/>
                 </a:gradFill>
-                <a:effectLst/>
-                <a:uLnTx/>
-                <a:uFillTx/>
-                <a:latin typeface="72 Brand Medium"/>
+                <a:latin typeface="72 Brand Medium" panose="020B0504030603020204" pitchFamily="34" charset="0"/>
                 <a:ea typeface="+mn-lt"/>
                 <a:cs typeface="+mn-lt"/>
               </a:rPr>
@@ -24373,29 +24190,21 @@
               <a:defRPr/>
             </a:pPr>
             <a:r>
-              <a:rPr kumimoji="0" lang="en-US" sz="1200" b="0" i="0" u="none" strike="noStrike" kern="1200" cap="none" spc="0" normalizeH="0" baseline="0" noProof="0">
+              <a:rPr kumimoji="0" lang="en-US" sz="1200" b="0" i="0" u="none" strike="noStrike" kern="1200" cap="none" spc="0" normalizeH="0" baseline="0" noProof="0" dirty="0">
                 <a:ln>
                   <a:noFill/>
                 </a:ln>
-                <a:gradFill>
-                  <a:gsLst>
-                    <a:gs pos="0">
-                      <a:srgbClr val="000000"/>
-                    </a:gs>
-                    <a:gs pos="100000">
-                      <a:srgbClr val="00144A"/>
-                    </a:gs>
-                  </a:gsLst>
-                  <a:lin ang="5400000" scaled="1"/>
-                </a:gradFill>
+                <a:solidFill>
+                  <a:schemeClr val="tx1"/>
+                </a:solidFill>
                 <a:effectLst/>
                 <a:uLnTx/>
                 <a:uFillTx/>
-                <a:latin typeface="72 Brand"/>
+                <a:latin typeface="72 Brand" panose="020B0504030603020204" pitchFamily="34" charset="0"/>
                 <a:ea typeface="+mn-lt"/>
                 <a:cs typeface="+mn-lt"/>
               </a:rPr>
-              <a:t>with SAP Business Suite and non-SAP applications </a:t>
+              <a:t>with SAP Business Suite and third-party applications </a:t>
             </a:r>
           </a:p>
         </p:txBody>
@@ -24414,7 +24223,7 @@
         </p:nvGrpSpPr>
         <p:grpSpPr>
           <a:xfrm>
-            <a:off x="6031698" y="5396255"/>
+            <a:off x="5876840" y="5396255"/>
             <a:ext cx="1437153" cy="328280"/>
             <a:chOff x="6541741" y="5481451"/>
             <a:chExt cx="1437527" cy="328365"/>
@@ -24508,14 +24317,12 @@
                 <a:defRPr/>
               </a:pPr>
               <a:r>
-                <a:rPr kumimoji="0" lang="en-US" sz="1400" b="0" i="0" u="none" strike="noStrike" kern="1200" cap="none" spc="0" normalizeH="0" baseline="0" noProof="0">
+                <a:rPr kumimoji="0" lang="en-US" sz="1400" b="0" i="0" u="none" strike="noStrike" kern="1200" cap="none" spc="0" normalizeH="0" baseline="0" noProof="0" dirty="0">
                   <a:ln>
                     <a:noFill/>
                   </a:ln>
                   <a:solidFill>
-                    <a:srgbClr val="1B90FF">
-                      <a:lumMod val="75000"/>
-                    </a:srgbClr>
+                    <a:srgbClr val="0070F2"/>
                   </a:solidFill>
                   <a:effectLst/>
                   <a:uLnTx/>
@@ -24551,9 +24358,8 @@
                 </a:ext>
               </a:extLst>
             </a:blip>
-            <a:stretch>
-              <a:fillRect/>
-            </a:stretch>
+            <a:srcRect/>
+            <a:stretch/>
           </p:blipFill>
           <p:spPr>
             <a:xfrm>
@@ -24580,7 +24386,7 @@
         </p:nvGrpSpPr>
         <p:grpSpPr>
           <a:xfrm>
-            <a:off x="2619633" y="5387656"/>
+            <a:off x="2464775" y="5387656"/>
             <a:ext cx="1437153" cy="328280"/>
             <a:chOff x="2038531" y="5481451"/>
             <a:chExt cx="1437527" cy="328365"/>
@@ -24674,14 +24480,12 @@
                 <a:defRPr/>
               </a:pPr>
               <a:r>
-                <a:rPr kumimoji="0" lang="en-US" sz="1400" b="0" i="0" u="none" strike="noStrike" kern="1200" cap="none" spc="0" normalizeH="0" baseline="0" noProof="0">
+                <a:rPr kumimoji="0" lang="en-US" sz="1400" b="0" i="0" u="none" strike="noStrike" kern="1200" cap="none" spc="0" normalizeH="0" baseline="0" noProof="0" dirty="0">
                   <a:ln>
                     <a:noFill/>
                   </a:ln>
                   <a:solidFill>
-                    <a:srgbClr val="1B90FF">
-                      <a:lumMod val="75000"/>
-                    </a:srgbClr>
+                    <a:srgbClr val="0070F2"/>
                   </a:solidFill>
                   <a:effectLst/>
                   <a:uLnTx/>
@@ -24710,21 +24514,20 @@
             <p:nvPr/>
           </p:nvPicPr>
           <p:blipFill>
-            <a:blip r:embed="rId8" cstate="screen">
+            <a:blip r:embed="rId8">
               <a:extLst>
-                <a:ext uri="{28A0092B-C50C-407E-A947-70E740481C1C}">
-                  <a14:useLocalDpi xmlns:a14="http://schemas.microsoft.com/office/drawing/2010/main"/>
+                <a:ext uri="{96DAC541-7B7A-43D3-8B79-37D633B846F1}">
+                  <asvg:svgBlip xmlns:asvg="http://schemas.microsoft.com/office/drawing/2016/SVG/main" r:embed="rId9"/>
                 </a:ext>
               </a:extLst>
             </a:blip>
-            <a:stretch>
-              <a:fillRect/>
-            </a:stretch>
+            <a:srcRect/>
+            <a:stretch/>
           </p:blipFill>
           <p:spPr>
             <a:xfrm>
-              <a:off x="2303722" y="5543312"/>
-              <a:ext cx="198553" cy="224406"/>
+              <a:off x="2373714" y="5548737"/>
+              <a:ext cx="198553" cy="198552"/>
             </a:xfrm>
             <a:prstGeom prst="rect">
               <a:avLst/>
@@ -24732,751 +24535,113 @@
           </p:spPr>
         </p:pic>
       </p:grpSp>
-      <p:grpSp>
-        <p:nvGrpSpPr>
-          <p:cNvPr id="1825" name="Group 1824">
+      <p:sp>
+        <p:nvSpPr>
+          <p:cNvPr id="24" name="Rectangle: Rounded Corners 29">
             <a:extLst>
               <a:ext uri="{FF2B5EF4-FFF2-40B4-BE49-F238E27FC236}">
-                <a16:creationId xmlns:a16="http://schemas.microsoft.com/office/drawing/2014/main" id="{DA77FFA8-D3CE-D55E-0E63-EE08633FB4D7}"/>
+                <a16:creationId xmlns:a16="http://schemas.microsoft.com/office/drawing/2014/main" id="{1E2DE90E-F4C9-225D-A5A9-58556AC1B0B4}"/>
               </a:ext>
             </a:extLst>
           </p:cNvPr>
-          <p:cNvGrpSpPr/>
+          <p:cNvSpPr/>
           <p:nvPr/>
-        </p:nvGrpSpPr>
-        <p:grpSpPr>
+        </p:nvSpPr>
+        <p:spPr bwMode="auto">
           <a:xfrm>
-            <a:off x="4307963" y="5397535"/>
+            <a:off x="4153105" y="5397535"/>
             <a:ext cx="1437153" cy="328280"/>
-            <a:chOff x="4290136" y="5481451"/>
-            <a:chExt cx="1437527" cy="328365"/>
           </a:xfrm>
-        </p:grpSpPr>
-        <p:sp>
-          <p:nvSpPr>
-            <p:cNvPr id="24" name="Rectangle: Rounded Corners 29">
-              <a:extLst>
-                <a:ext uri="{FF2B5EF4-FFF2-40B4-BE49-F238E27FC236}">
-                  <a16:creationId xmlns:a16="http://schemas.microsoft.com/office/drawing/2014/main" id="{1E2DE90E-F4C9-225D-A5A9-58556AC1B0B4}"/>
-                </a:ext>
-              </a:extLst>
-            </p:cNvPr>
-            <p:cNvSpPr/>
-            <p:nvPr/>
-          </p:nvSpPr>
-          <p:spPr bwMode="auto">
-            <a:xfrm>
-              <a:off x="4290136" y="5481451"/>
-              <a:ext cx="1437527" cy="328365"/>
-            </a:xfrm>
-            <a:prstGeom prst="roundRect">
-              <a:avLst>
-                <a:gd name="adj" fmla="val 50000"/>
-              </a:avLst>
-            </a:prstGeom>
-            <a:gradFill flip="none" rotWithShape="1">
-              <a:gsLst>
-                <a:gs pos="0">
-                  <a:schemeClr val="bg1"/>
-                </a:gs>
-                <a:gs pos="100000">
-                  <a:srgbClr val="EBF8FF"/>
-                </a:gs>
-              </a:gsLst>
-              <a:lin ang="2700000" scaled="1"/>
-              <a:tileRect/>
-            </a:gradFill>
-            <a:ln w="12700">
-              <a:noFill/>
-              <a:headEnd type="none" w="med" len="med"/>
-              <a:tailEnd type="none" w="med" len="med"/>
-            </a:ln>
-            <a:effectLst>
-              <a:outerShdw blurRad="50800" dir="2700000" algn="tl" rotWithShape="0">
-                <a:prstClr val="black">
-                  <a:alpha val="20000"/>
-                </a:prstClr>
-              </a:outerShdw>
-            </a:effectLst>
-          </p:spPr>
-          <p:style>
-            <a:lnRef idx="1">
-              <a:schemeClr val="accent2"/>
-            </a:lnRef>
-            <a:fillRef idx="3">
-              <a:schemeClr val="accent2"/>
-            </a:fillRef>
-            <a:effectRef idx="2">
-              <a:schemeClr val="accent2"/>
-            </a:effectRef>
-            <a:fontRef idx="minor">
-              <a:schemeClr val="lt1"/>
-            </a:fontRef>
-          </p:style>
-          <p:txBody>
-            <a:bodyPr rot="0" spcFirstLastPara="0" vertOverflow="overflow" horzOverflow="overflow" vert="horz" wrap="none" lIns="365475" tIns="146076" rIns="182594" bIns="146076" numCol="1" spcCol="0" rtlCol="0" fromWordArt="0" anchor="ctr" anchorCtr="0" forceAA="0" compatLnSpc="1">
-              <a:prstTxWarp prst="textNoShape">
-                <a:avLst/>
-              </a:prstTxWarp>
-              <a:noAutofit/>
-            </a:bodyPr>
-            <a:lstStyle/>
-            <a:p>
-              <a:pPr marL="0" marR="0" lvl="0" indent="0" algn="ctr" defTabSz="930981" rtl="0" eaLnBrk="1" fontAlgn="base" latinLnBrk="0" hangingPunct="1">
-                <a:lnSpc>
-                  <a:spcPct val="100000"/>
-                </a:lnSpc>
-                <a:spcBef>
-                  <a:spcPct val="0"/>
-                </a:spcBef>
-                <a:spcAft>
-                  <a:spcPct val="0"/>
-                </a:spcAft>
-                <a:buClrTx/>
-                <a:buSzTx/>
-                <a:buFontTx/>
-                <a:buNone/>
-                <a:tabLst/>
-                <a:defRPr/>
-              </a:pPr>
-              <a:r>
-                <a:rPr kumimoji="0" lang="en-US" sz="1400" b="0" i="0" u="none" strike="noStrike" kern="1200" cap="none" spc="0" normalizeH="0" baseline="0" noProof="0">
-                  <a:ln>
-                    <a:noFill/>
-                  </a:ln>
-                  <a:solidFill>
-                    <a:srgbClr val="1B90FF">
-                      <a:lumMod val="75000"/>
-                    </a:srgbClr>
-                  </a:solidFill>
-                  <a:effectLst/>
-                  <a:uLnTx/>
-                  <a:uFillTx/>
-                  <a:latin typeface="72 Brand Medium" panose="020B0604030603020204" pitchFamily="34" charset="0"/>
-                  <a:ea typeface="+mn-ea"/>
-                  <a:cs typeface="72" panose="020B0503030000000003" pitchFamily="34" charset="0"/>
-                </a:rPr>
-                <a:t>Data</a:t>
-              </a:r>
-            </a:p>
-          </p:txBody>
-        </p:sp>
-        <p:grpSp>
-          <p:nvGrpSpPr>
-            <p:cNvPr id="1792" name="Group 1791">
-              <a:extLst>
-                <a:ext uri="{FF2B5EF4-FFF2-40B4-BE49-F238E27FC236}">
-                  <a16:creationId xmlns:a16="http://schemas.microsoft.com/office/drawing/2014/main" id="{E67A9208-D6D2-5881-9676-565C06CB54D6}"/>
-                </a:ext>
-              </a:extLst>
-            </p:cNvPr>
-            <p:cNvGrpSpPr/>
-            <p:nvPr/>
-          </p:nvGrpSpPr>
-          <p:grpSpPr>
-            <a:xfrm>
-              <a:off x="4469221" y="5543307"/>
-              <a:ext cx="266370" cy="214799"/>
-              <a:chOff x="4756139" y="4619006"/>
-              <a:chExt cx="1028699" cy="789874"/>
-            </a:xfrm>
-          </p:grpSpPr>
-          <p:grpSp>
-            <p:nvGrpSpPr>
-              <p:cNvPr id="1817" name="Group 1816">
-                <a:extLst>
-                  <a:ext uri="{FF2B5EF4-FFF2-40B4-BE49-F238E27FC236}">
-                    <a16:creationId xmlns:a16="http://schemas.microsoft.com/office/drawing/2014/main" id="{2F12B953-2646-687D-9758-ACC43CEFE484}"/>
-                  </a:ext>
-                </a:extLst>
-              </p:cNvPr>
-              <p:cNvGrpSpPr/>
-              <p:nvPr/>
-            </p:nvGrpSpPr>
-            <p:grpSpPr>
-              <a:xfrm>
-                <a:off x="4756139" y="4619006"/>
-                <a:ext cx="1028699" cy="611027"/>
-                <a:chOff x="4756139" y="4669012"/>
-                <a:chExt cx="1028699" cy="611027"/>
-              </a:xfrm>
-            </p:grpSpPr>
-            <p:sp>
-              <p:nvSpPr>
-                <p:cNvPr id="1820" name="Rectangle: Rounded Corners 2162">
-                  <a:extLst>
-                    <a:ext uri="{FF2B5EF4-FFF2-40B4-BE49-F238E27FC236}">
-                      <a16:creationId xmlns:a16="http://schemas.microsoft.com/office/drawing/2014/main" id="{82D8FB66-949E-E3E6-EF5E-A9C724915282}"/>
-                    </a:ext>
-                  </a:extLst>
-                </p:cNvPr>
-                <p:cNvSpPr/>
-                <p:nvPr/>
-              </p:nvSpPr>
-              <p:spPr bwMode="gray">
-                <a:xfrm>
-                  <a:off x="4756139" y="4669012"/>
-                  <a:ext cx="1028699" cy="611027"/>
-                </a:xfrm>
-                <a:prstGeom prst="roundRect">
-                  <a:avLst>
-                    <a:gd name="adj" fmla="val 6313"/>
-                  </a:avLst>
-                </a:prstGeom>
-                <a:noFill/>
-                <a:ln w="9525" algn="ctr">
-                  <a:solidFill>
-                    <a:srgbClr val="7858FF"/>
-                  </a:solidFill>
-                  <a:miter lim="800000"/>
-                  <a:headEnd/>
-                  <a:tailEnd/>
+          <a:prstGeom prst="roundRect">
+            <a:avLst>
+              <a:gd name="adj" fmla="val 50000"/>
+            </a:avLst>
+          </a:prstGeom>
+          <a:gradFill flip="none" rotWithShape="1">
+            <a:gsLst>
+              <a:gs pos="0">
+                <a:schemeClr val="bg1"/>
+              </a:gs>
+              <a:gs pos="100000">
+                <a:srgbClr val="EBF8FF"/>
+              </a:gs>
+            </a:gsLst>
+            <a:lin ang="2700000" scaled="1"/>
+            <a:tileRect/>
+          </a:gradFill>
+          <a:ln w="12700">
+            <a:noFill/>
+            <a:headEnd type="none" w="med" len="med"/>
+            <a:tailEnd type="none" w="med" len="med"/>
+          </a:ln>
+          <a:effectLst>
+            <a:outerShdw blurRad="50800" dir="2700000" algn="tl" rotWithShape="0">
+              <a:prstClr val="black">
+                <a:alpha val="20000"/>
+              </a:prstClr>
+            </a:outerShdw>
+          </a:effectLst>
+        </p:spPr>
+        <p:style>
+          <a:lnRef idx="1">
+            <a:schemeClr val="accent2"/>
+          </a:lnRef>
+          <a:fillRef idx="3">
+            <a:schemeClr val="accent2"/>
+          </a:fillRef>
+          <a:effectRef idx="2">
+            <a:schemeClr val="accent2"/>
+          </a:effectRef>
+          <a:fontRef idx="minor">
+            <a:schemeClr val="lt1"/>
+          </a:fontRef>
+        </p:style>
+        <p:txBody>
+          <a:bodyPr rot="0" spcFirstLastPara="0" vertOverflow="overflow" horzOverflow="overflow" vert="horz" wrap="none" lIns="365475" tIns="146076" rIns="182594" bIns="146076" numCol="1" spcCol="0" rtlCol="0" fromWordArt="0" anchor="ctr" anchorCtr="0" forceAA="0" compatLnSpc="1">
+            <a:prstTxWarp prst="textNoShape">
+              <a:avLst/>
+            </a:prstTxWarp>
+            <a:noAutofit/>
+          </a:bodyPr>
+          <a:lstStyle/>
+          <a:p>
+            <a:pPr marL="0" marR="0" lvl="0" indent="0" algn="ctr" defTabSz="930981" rtl="0" eaLnBrk="1" fontAlgn="base" latinLnBrk="0" hangingPunct="1">
+              <a:lnSpc>
+                <a:spcPct val="100000"/>
+              </a:lnSpc>
+              <a:spcBef>
+                <a:spcPct val="0"/>
+              </a:spcBef>
+              <a:spcAft>
+                <a:spcPct val="0"/>
+              </a:spcAft>
+              <a:buClrTx/>
+              <a:buSzTx/>
+              <a:buFontTx/>
+              <a:buNone/>
+              <a:tabLst/>
+              <a:defRPr/>
+            </a:pPr>
+            <a:r>
+              <a:rPr kumimoji="0" lang="en-US" sz="1400" b="0" i="0" u="none" strike="noStrike" kern="1200" cap="none" spc="0" normalizeH="0" baseline="0" noProof="0" dirty="0">
+                <a:ln>
+                  <a:noFill/>
                 </a:ln>
-              </p:spPr>
-              <p:txBody>
-                <a:bodyPr lIns="182784" tIns="146228" rIns="182784" bIns="146228" rtlCol="0" anchor="t"/>
-                <a:lstStyle/>
-                <a:p>
-                  <a:pPr marL="0" marR="0" lvl="0" indent="0" algn="l" defTabSz="913852" rtl="0" eaLnBrk="1" fontAlgn="base" latinLnBrk="0" hangingPunct="1">
-                    <a:lnSpc>
-                      <a:spcPct val="100000"/>
-                    </a:lnSpc>
-                    <a:spcBef>
-                      <a:spcPct val="50000"/>
-                    </a:spcBef>
-                    <a:spcAft>
-                      <a:spcPct val="0"/>
-                    </a:spcAft>
-                    <a:buClr>
-                      <a:srgbClr val="F0AB00"/>
-                    </a:buClr>
-                    <a:buSzPct val="80000"/>
-                    <a:buFontTx/>
-                    <a:buNone/>
-                    <a:tabLst/>
-                    <a:defRPr/>
-                  </a:pPr>
-                  <a:endParaRPr kumimoji="0" lang="en-US" sz="1200" b="0" i="0" u="none" strike="noStrike" kern="0" cap="none" spc="0" normalizeH="0" baseline="0" noProof="0">
-                    <a:ln>
-                      <a:noFill/>
-                    </a:ln>
-                    <a:solidFill>
-                      <a:srgbClr val="000000"/>
-                    </a:solidFill>
-                    <a:effectLst/>
-                    <a:uLnTx/>
-                    <a:uFillTx/>
-                    <a:latin typeface="Arial"/>
-                    <a:ea typeface="72 Brand" pitchFamily="34" charset="-128"/>
-                    <a:cs typeface="72 Brand" pitchFamily="34" charset="-128"/>
-                  </a:endParaRPr>
-                </a:p>
-              </p:txBody>
-            </p:sp>
-            <p:grpSp>
-              <p:nvGrpSpPr>
-                <p:cNvPr id="1821" name="Group 1820">
-                  <a:extLst>
-                    <a:ext uri="{FF2B5EF4-FFF2-40B4-BE49-F238E27FC236}">
-                      <a16:creationId xmlns:a16="http://schemas.microsoft.com/office/drawing/2014/main" id="{52838D9D-388C-B774-259D-1A690088C5CE}"/>
-                    </a:ext>
-                  </a:extLst>
-                </p:cNvPr>
-                <p:cNvGrpSpPr/>
-                <p:nvPr/>
-              </p:nvGrpSpPr>
-              <p:grpSpPr>
-                <a:xfrm>
-                  <a:off x="4793457" y="4714872"/>
-                  <a:ext cx="954086" cy="526336"/>
-                  <a:chOff x="-1072701" y="2965434"/>
-                  <a:chExt cx="6955525" cy="2273300"/>
-                </a:xfrm>
-              </p:grpSpPr>
-              <p:sp>
-                <p:nvSpPr>
-                  <p:cNvPr id="1822" name="Rectangle 1821">
-                    <a:extLst>
-                      <a:ext uri="{FF2B5EF4-FFF2-40B4-BE49-F238E27FC236}">
-                        <a16:creationId xmlns:a16="http://schemas.microsoft.com/office/drawing/2014/main" id="{2ED089DE-C661-47E9-A633-DED0FE8D6A07}"/>
-                      </a:ext>
-                    </a:extLst>
-                  </p:cNvPr>
-                  <p:cNvSpPr/>
-                  <p:nvPr/>
-                </p:nvSpPr>
-                <p:spPr bwMode="gray">
-                  <a:xfrm>
-                    <a:off x="-1072701" y="3727462"/>
-                    <a:ext cx="6955525" cy="758820"/>
-                  </a:xfrm>
-                  <a:prstGeom prst="rect">
-                    <a:avLst/>
-                  </a:prstGeom>
-                  <a:gradFill flip="none" rotWithShape="1">
-                    <a:gsLst>
-                      <a:gs pos="100000">
-                        <a:srgbClr val="4DB1FF"/>
-                      </a:gs>
-                      <a:gs pos="0">
-                        <a:srgbClr val="89D1FF"/>
-                      </a:gs>
-                    </a:gsLst>
-                    <a:lin ang="2700000" scaled="1"/>
-                    <a:tileRect/>
-                  </a:gradFill>
-                  <a:ln w="12700">
-                    <a:noFill/>
-                    <a:headEnd type="none" w="med" len="med"/>
-                    <a:tailEnd type="none" w="med" len="med"/>
-                  </a:ln>
-                  <a:effectLst/>
-                </p:spPr>
-                <p:style>
-                  <a:lnRef idx="1">
-                    <a:schemeClr val="accent2"/>
-                  </a:lnRef>
-                  <a:fillRef idx="3">
-                    <a:schemeClr val="accent2"/>
-                  </a:fillRef>
-                  <a:effectRef idx="2">
-                    <a:schemeClr val="accent2"/>
-                  </a:effectRef>
-                  <a:fontRef idx="minor">
-                    <a:schemeClr val="lt1"/>
-                  </a:fontRef>
-                </p:style>
-                <p:txBody>
-                  <a:bodyPr rot="0" spcFirstLastPara="0" vertOverflow="overflow" horzOverflow="overflow" vert="horz" wrap="square" lIns="182594" tIns="146076" rIns="182594" bIns="146076" numCol="1" spcCol="0" rtlCol="0" fromWordArt="0" anchor="ctr" anchorCtr="0" forceAA="0" compatLnSpc="1">
-                    <a:prstTxWarp prst="textNoShape">
-                      <a:avLst/>
-                    </a:prstTxWarp>
-                    <a:noAutofit/>
-                  </a:bodyPr>
-                  <a:lstStyle/>
-                  <a:p>
-                    <a:pPr marL="0" marR="0" lvl="0" indent="0" algn="ctr" defTabSz="1088776" rtl="0" eaLnBrk="1" fontAlgn="base" latinLnBrk="0" hangingPunct="1">
-                      <a:lnSpc>
-                        <a:spcPct val="100000"/>
-                      </a:lnSpc>
-                      <a:spcBef>
-                        <a:spcPct val="0"/>
-                      </a:spcBef>
-                      <a:spcAft>
-                        <a:spcPct val="0"/>
-                      </a:spcAft>
-                      <a:buClrTx/>
-                      <a:buSzTx/>
-                      <a:buFontTx/>
-                      <a:buNone/>
-                      <a:tabLst/>
-                      <a:defRPr/>
-                    </a:pPr>
-                    <a:endParaRPr kumimoji="0" lang="en-US" sz="1098" b="0" i="0" u="none" strike="noStrike" kern="1200" cap="none" spc="0" normalizeH="0" baseline="0" noProof="0">
-                      <a:ln>
-                        <a:noFill/>
-                      </a:ln>
-                      <a:gradFill>
-                        <a:gsLst>
-                          <a:gs pos="0">
-                            <a:srgbClr val="00144A"/>
-                          </a:gs>
-                          <a:gs pos="100000">
-                            <a:srgbClr val="00144A"/>
-                          </a:gs>
-                        </a:gsLst>
-                        <a:lin ang="5400000" scaled="1"/>
-                      </a:gradFill>
-                      <a:effectLst/>
-                      <a:uLnTx/>
-                      <a:uFillTx/>
-                      <a:latin typeface="72 Brand" panose="020B0504030603020204" pitchFamily="34" charset="0"/>
-                      <a:ea typeface="+mn-ea"/>
-                      <a:cs typeface="72" panose="020B0503030000000003" pitchFamily="34" charset="0"/>
-                    </a:endParaRPr>
-                  </a:p>
-                </p:txBody>
-              </p:sp>
-              <p:sp>
-                <p:nvSpPr>
-                  <p:cNvPr id="1823" name="Rectangle: Top Corners Rounded 2164">
-                    <a:extLst>
-                      <a:ext uri="{FF2B5EF4-FFF2-40B4-BE49-F238E27FC236}">
-                        <a16:creationId xmlns:a16="http://schemas.microsoft.com/office/drawing/2014/main" id="{17F47844-011E-C706-C514-7880BFEEFC5D}"/>
-                      </a:ext>
-                    </a:extLst>
-                  </p:cNvPr>
-                  <p:cNvSpPr/>
-                  <p:nvPr/>
-                </p:nvSpPr>
-                <p:spPr bwMode="gray">
-                  <a:xfrm flipV="1">
-                    <a:off x="-1072701" y="4476737"/>
-                    <a:ext cx="6955525" cy="761997"/>
-                  </a:xfrm>
-                  <a:prstGeom prst="round2SameRect">
-                    <a:avLst/>
-                  </a:prstGeom>
-                  <a:gradFill flip="none" rotWithShape="1">
-                    <a:gsLst>
-                      <a:gs pos="100000">
-                        <a:srgbClr val="89D1FF"/>
-                      </a:gs>
-                      <a:gs pos="0">
-                        <a:srgbClr val="A6E0FF"/>
-                      </a:gs>
-                    </a:gsLst>
-                    <a:lin ang="18900000" scaled="1"/>
-                    <a:tileRect/>
-                  </a:gradFill>
-                  <a:ln w="12700">
-                    <a:noFill/>
-                    <a:headEnd type="none" w="med" len="med"/>
-                    <a:tailEnd type="none" w="med" len="med"/>
-                  </a:ln>
-                  <a:effectLst/>
-                </p:spPr>
-                <p:style>
-                  <a:lnRef idx="1">
-                    <a:schemeClr val="accent2"/>
-                  </a:lnRef>
-                  <a:fillRef idx="3">
-                    <a:schemeClr val="accent2"/>
-                  </a:fillRef>
-                  <a:effectRef idx="2">
-                    <a:schemeClr val="accent2"/>
-                  </a:effectRef>
-                  <a:fontRef idx="minor">
-                    <a:schemeClr val="lt1"/>
-                  </a:fontRef>
-                </p:style>
-                <p:txBody>
-                  <a:bodyPr rot="0" spcFirstLastPara="0" vertOverflow="overflow" horzOverflow="overflow" vert="horz" wrap="square" lIns="182594" tIns="146076" rIns="182594" bIns="146076" numCol="1" spcCol="0" rtlCol="0" fromWordArt="0" anchor="ctr" anchorCtr="0" forceAA="0" compatLnSpc="1">
-                    <a:prstTxWarp prst="textNoShape">
-                      <a:avLst/>
-                    </a:prstTxWarp>
-                    <a:noAutofit/>
-                  </a:bodyPr>
-                  <a:lstStyle/>
-                  <a:p>
-                    <a:pPr marL="0" marR="0" lvl="0" indent="0" algn="ctr" defTabSz="1088776" rtl="0" eaLnBrk="1" fontAlgn="base" latinLnBrk="0" hangingPunct="1">
-                      <a:lnSpc>
-                        <a:spcPct val="100000"/>
-                      </a:lnSpc>
-                      <a:spcBef>
-                        <a:spcPct val="0"/>
-                      </a:spcBef>
-                      <a:spcAft>
-                        <a:spcPct val="0"/>
-                      </a:spcAft>
-                      <a:buClrTx/>
-                      <a:buSzTx/>
-                      <a:buFontTx/>
-                      <a:buNone/>
-                      <a:tabLst/>
-                      <a:defRPr/>
-                    </a:pPr>
-                    <a:endParaRPr kumimoji="0" lang="en-US" sz="1098" b="0" i="0" u="none" strike="noStrike" kern="1200" cap="none" spc="0" normalizeH="0" baseline="0" noProof="0">
-                      <a:ln>
-                        <a:noFill/>
-                      </a:ln>
-                      <a:gradFill>
-                        <a:gsLst>
-                          <a:gs pos="0">
-                            <a:srgbClr val="00144A"/>
-                          </a:gs>
-                          <a:gs pos="100000">
-                            <a:srgbClr val="00144A"/>
-                          </a:gs>
-                        </a:gsLst>
-                        <a:lin ang="5400000" scaled="1"/>
-                      </a:gradFill>
-                      <a:effectLst/>
-                      <a:uLnTx/>
-                      <a:uFillTx/>
-                      <a:latin typeface="72 Brand" panose="020B0504030603020204" pitchFamily="34" charset="0"/>
-                      <a:ea typeface="+mn-ea"/>
-                      <a:cs typeface="72" panose="020B0503030000000003" pitchFamily="34" charset="0"/>
-                    </a:endParaRPr>
-                  </a:p>
-                </p:txBody>
-              </p:sp>
-              <p:sp>
-                <p:nvSpPr>
-                  <p:cNvPr id="1824" name="Rectangle: Top Corners Rounded 2165">
-                    <a:extLst>
-                      <a:ext uri="{FF2B5EF4-FFF2-40B4-BE49-F238E27FC236}">
-                        <a16:creationId xmlns:a16="http://schemas.microsoft.com/office/drawing/2014/main" id="{BED368AD-57B5-8B9F-45C8-E573780979F0}"/>
-                      </a:ext>
-                    </a:extLst>
-                  </p:cNvPr>
-                  <p:cNvSpPr/>
-                  <p:nvPr/>
-                </p:nvSpPr>
-                <p:spPr bwMode="gray">
-                  <a:xfrm>
-                    <a:off x="-1072701" y="2965434"/>
-                    <a:ext cx="6955525" cy="761997"/>
-                  </a:xfrm>
-                  <a:prstGeom prst="round2SameRect">
-                    <a:avLst/>
-                  </a:prstGeom>
-                  <a:solidFill>
-                    <a:srgbClr val="0070F2"/>
-                  </a:solidFill>
-                  <a:ln w="12700">
-                    <a:noFill/>
-                    <a:headEnd type="none" w="med" len="med"/>
-                    <a:tailEnd type="none" w="med" len="med"/>
-                  </a:ln>
-                  <a:effectLst/>
-                </p:spPr>
-                <p:style>
-                  <a:lnRef idx="1">
-                    <a:schemeClr val="accent2"/>
-                  </a:lnRef>
-                  <a:fillRef idx="3">
-                    <a:schemeClr val="accent2"/>
-                  </a:fillRef>
-                  <a:effectRef idx="2">
-                    <a:schemeClr val="accent2"/>
-                  </a:effectRef>
-                  <a:fontRef idx="minor">
-                    <a:schemeClr val="lt1"/>
-                  </a:fontRef>
-                </p:style>
-                <p:txBody>
-                  <a:bodyPr rot="0" spcFirstLastPara="0" vertOverflow="overflow" horzOverflow="overflow" vert="horz" wrap="square" lIns="182594" tIns="146076" rIns="182594" bIns="146076" numCol="1" spcCol="0" rtlCol="0" fromWordArt="0" anchor="ctr" anchorCtr="0" forceAA="0" compatLnSpc="1">
-                    <a:prstTxWarp prst="textNoShape">
-                      <a:avLst/>
-                    </a:prstTxWarp>
-                    <a:noAutofit/>
-                  </a:bodyPr>
-                  <a:lstStyle/>
-                  <a:p>
-                    <a:pPr marL="0" marR="0" lvl="0" indent="0" algn="ctr" defTabSz="1088776" rtl="0" eaLnBrk="1" fontAlgn="base" latinLnBrk="0" hangingPunct="1">
-                      <a:lnSpc>
-                        <a:spcPct val="100000"/>
-                      </a:lnSpc>
-                      <a:spcBef>
-                        <a:spcPct val="0"/>
-                      </a:spcBef>
-                      <a:spcAft>
-                        <a:spcPct val="0"/>
-                      </a:spcAft>
-                      <a:buClrTx/>
-                      <a:buSzTx/>
-                      <a:buFontTx/>
-                      <a:buNone/>
-                      <a:tabLst/>
-                      <a:defRPr/>
-                    </a:pPr>
-                    <a:endParaRPr kumimoji="0" lang="en-US" sz="1098" b="0" i="0" u="none" strike="noStrike" kern="1200" cap="none" spc="0" normalizeH="0" baseline="0" noProof="0">
-                      <a:ln>
-                        <a:noFill/>
-                      </a:ln>
-                      <a:gradFill>
-                        <a:gsLst>
-                          <a:gs pos="0">
-                            <a:srgbClr val="00144A"/>
-                          </a:gs>
-                          <a:gs pos="100000">
-                            <a:srgbClr val="00144A"/>
-                          </a:gs>
-                        </a:gsLst>
-                        <a:lin ang="5400000" scaled="1"/>
-                      </a:gradFill>
-                      <a:effectLst/>
-                      <a:uLnTx/>
-                      <a:uFillTx/>
-                      <a:latin typeface="72 Brand" panose="020B0504030603020204" pitchFamily="34" charset="0"/>
-                      <a:ea typeface="+mn-ea"/>
-                      <a:cs typeface="72" panose="020B0503030000000003" pitchFamily="34" charset="0"/>
-                    </a:endParaRPr>
-                  </a:p>
-                </p:txBody>
-              </p:sp>
-            </p:grpSp>
-          </p:grpSp>
-          <p:sp>
-            <p:nvSpPr>
-              <p:cNvPr id="1818" name="Rectangle: Rounded Corners 2172">
-                <a:extLst>
-                  <a:ext uri="{FF2B5EF4-FFF2-40B4-BE49-F238E27FC236}">
-                    <a16:creationId xmlns:a16="http://schemas.microsoft.com/office/drawing/2014/main" id="{3601F801-9585-56CF-4303-CA27B0765661}"/>
-                  </a:ext>
-                </a:extLst>
-              </p:cNvPr>
-              <p:cNvSpPr/>
-              <p:nvPr/>
-            </p:nvSpPr>
-            <p:spPr bwMode="gray">
-              <a:xfrm>
-                <a:off x="4890600" y="5286372"/>
-                <a:ext cx="733911" cy="122508"/>
-              </a:xfrm>
-              <a:prstGeom prst="roundRect">
-                <a:avLst>
-                  <a:gd name="adj" fmla="val 12790"/>
-                </a:avLst>
-              </a:prstGeom>
-              <a:gradFill flip="none" rotWithShape="1">
-                <a:gsLst>
-                  <a:gs pos="0">
-                    <a:schemeClr val="bg1"/>
-                  </a:gs>
-                  <a:gs pos="100000">
-                    <a:srgbClr val="EBF8FF"/>
-                  </a:gs>
-                </a:gsLst>
-                <a:lin ang="2700000" scaled="1"/>
-                <a:tileRect/>
-              </a:gradFill>
-              <a:ln w="12700">
-                <a:noFill/>
-                <a:headEnd type="none" w="med" len="med"/>
-                <a:tailEnd type="none" w="med" len="med"/>
-              </a:ln>
-              <a:effectLst>
-                <a:outerShdw blurRad="50800" dir="2700000" algn="tl" rotWithShape="0">
-                  <a:prstClr val="black">
-                    <a:alpha val="20000"/>
-                  </a:prstClr>
-                </a:outerShdw>
-              </a:effectLst>
-            </p:spPr>
-            <p:style>
-              <a:lnRef idx="1">
-                <a:schemeClr val="accent2"/>
-              </a:lnRef>
-              <a:fillRef idx="3">
-                <a:schemeClr val="accent2"/>
-              </a:fillRef>
-              <a:effectRef idx="2">
-                <a:schemeClr val="accent2"/>
-              </a:effectRef>
-              <a:fontRef idx="minor">
-                <a:schemeClr val="lt1"/>
-              </a:fontRef>
-            </p:style>
-            <p:txBody>
-              <a:bodyPr rot="0" spcFirstLastPara="0" vertOverflow="overflow" horzOverflow="overflow" vert="horz" wrap="none" lIns="365380" tIns="146038" rIns="182546" bIns="146038" numCol="1" spcCol="0" rtlCol="0" fromWordArt="0" anchor="ctr" anchorCtr="0" forceAA="0" compatLnSpc="1">
-                <a:prstTxWarp prst="textNoShape">
-                  <a:avLst/>
-                </a:prstTxWarp>
-                <a:noAutofit/>
-              </a:bodyPr>
-              <a:lstStyle/>
-              <a:p>
-                <a:pPr marL="0" marR="0" lvl="0" indent="0" algn="ctr" defTabSz="930702" rtl="0" eaLnBrk="1" fontAlgn="base" latinLnBrk="0" hangingPunct="1">
-                  <a:lnSpc>
-                    <a:spcPct val="100000"/>
-                  </a:lnSpc>
-                  <a:spcBef>
-                    <a:spcPct val="0"/>
-                  </a:spcBef>
-                  <a:spcAft>
-                    <a:spcPct val="0"/>
-                  </a:spcAft>
-                  <a:buClrTx/>
-                  <a:buSzTx/>
-                  <a:buFontTx/>
-                  <a:buNone/>
-                  <a:tabLst/>
-                  <a:defRPr/>
-                </a:pPr>
-                <a:endParaRPr kumimoji="0" lang="en-US" sz="1400" b="0" i="0" u="none" strike="noStrike" kern="1200" cap="none" spc="0" normalizeH="0" baseline="0" noProof="0">
-                  <a:ln>
-                    <a:noFill/>
-                  </a:ln>
-                  <a:gradFill>
-                    <a:gsLst>
-                      <a:gs pos="0">
-                        <a:srgbClr val="5D36FF"/>
-                      </a:gs>
-                      <a:gs pos="100000">
-                        <a:srgbClr val="5D36FF"/>
-                      </a:gs>
-                    </a:gsLst>
-                    <a:lin ang="5400000" scaled="1"/>
-                  </a:gradFill>
-                  <a:effectLst/>
-                  <a:uLnTx/>
-                  <a:uFillTx/>
-                  <a:latin typeface="72 Brand Medium" panose="020B0604030603020204" pitchFamily="34" charset="0"/>
-                  <a:ea typeface="+mn-ea"/>
-                  <a:cs typeface="72" panose="020B0503030000000003" pitchFamily="34" charset="0"/>
-                </a:endParaRPr>
-              </a:p>
-            </p:txBody>
-          </p:sp>
-          <p:cxnSp>
-            <p:nvCxnSpPr>
-              <p:cNvPr id="1819" name="Straight Connector 1818">
-                <a:extLst>
-                  <a:ext uri="{FF2B5EF4-FFF2-40B4-BE49-F238E27FC236}">
-                    <a16:creationId xmlns:a16="http://schemas.microsoft.com/office/drawing/2014/main" id="{5D0D4515-1C72-45E5-8557-8D50A8435696}"/>
-                  </a:ext>
-                </a:extLst>
-              </p:cNvPr>
-              <p:cNvCxnSpPr>
-                <a:cxnSpLocks/>
-              </p:cNvCxnSpPr>
-              <p:nvPr/>
-            </p:nvCxnSpPr>
-            <p:spPr>
-              <a:xfrm>
-                <a:off x="5265738" y="5222082"/>
-                <a:ext cx="0" cy="133349"/>
-              </a:xfrm>
-              <a:prstGeom prst="line">
-                <a:avLst/>
-              </a:prstGeom>
-              <a:ln w="9525">
-                <a:gradFill flip="none" rotWithShape="1">
-                  <a:gsLst>
-                    <a:gs pos="0">
-                      <a:srgbClr val="1B90FF">
-                        <a:alpha val="0"/>
-                      </a:srgbClr>
-                    </a:gs>
-                    <a:gs pos="85000">
-                      <a:srgbClr val="1B90FF"/>
-                    </a:gs>
-                    <a:gs pos="19000">
-                      <a:srgbClr val="1B90FF"/>
-                    </a:gs>
-                    <a:gs pos="100000">
-                      <a:srgbClr val="1B90FF">
-                        <a:alpha val="0"/>
-                      </a:srgbClr>
-                    </a:gs>
-                  </a:gsLst>
-                  <a:lin ang="5400000" scaled="1"/>
-                  <a:tileRect/>
-                </a:gradFill>
-                <a:prstDash val="dash"/>
-                <a:headEnd type="none" w="med" len="med"/>
-                <a:tailEnd type="none" w="med" len="med"/>
-              </a:ln>
-            </p:spPr>
-            <p:style>
-              <a:lnRef idx="1">
-                <a:schemeClr val="accent1"/>
-              </a:lnRef>
-              <a:fillRef idx="0">
-                <a:schemeClr val="accent1"/>
-              </a:fillRef>
-              <a:effectRef idx="0">
-                <a:schemeClr val="accent1"/>
-              </a:effectRef>
-              <a:fontRef idx="minor">
-                <a:schemeClr val="tx1"/>
-              </a:fontRef>
-            </p:style>
-          </p:cxnSp>
-        </p:grpSp>
-      </p:grpSp>
+                <a:solidFill>
+                  <a:srgbClr val="0070F2"/>
+                </a:solidFill>
+                <a:effectLst/>
+                <a:uLnTx/>
+                <a:uFillTx/>
+                <a:latin typeface="72 Brand Medium" panose="020B0604030603020204" pitchFamily="34" charset="0"/>
+                <a:ea typeface="+mn-ea"/>
+                <a:cs typeface="72" panose="020B0503030000000003" pitchFamily="34" charset="0"/>
+              </a:rPr>
+              <a:t>Data</a:t>
+            </a:r>
+          </a:p>
+        </p:txBody>
+      </p:sp>
       <p:sp>
         <p:nvSpPr>
           <p:cNvPr id="896" name="TextBox 895">
@@ -25491,7 +24656,7 @@
         </p:nvSpPr>
         <p:spPr>
           <a:xfrm>
-            <a:off x="3980371" y="2376990"/>
+            <a:off x="3825513" y="2376990"/>
             <a:ext cx="2658620" cy="480006"/>
           </a:xfrm>
           <a:prstGeom prst="rect">
@@ -25528,7 +24693,7 @@
               <a:defRPr/>
             </a:pPr>
             <a:r>
-              <a:rPr kumimoji="0" lang="en-US" sz="2799" b="1" i="0" u="none" strike="noStrike" kern="0" cap="none" spc="0" normalizeH="0" baseline="0" noProof="0">
+              <a:rPr kumimoji="0" lang="en-US" sz="2799" u="none" strike="noStrike" kern="0" cap="none" spc="0" normalizeH="0" baseline="0" noProof="0" dirty="0">
                 <a:ln>
                   <a:noFill/>
                 </a:ln>
@@ -25538,7 +24703,7 @@
                 <a:effectLst/>
                 <a:uLnTx/>
                 <a:uFillTx/>
-                <a:latin typeface="72 Brand Medium"/>
+                <a:latin typeface="72 Brand Medium" panose="020B0504030603020204" pitchFamily="34" charset="0"/>
                 <a:ea typeface="72 Brand" pitchFamily="34" charset="-128"/>
                 <a:cs typeface="72 Brand" pitchFamily="34" charset="-128"/>
               </a:rPr>
@@ -25561,7 +24726,7 @@
         </p:nvSpPr>
         <p:spPr>
           <a:xfrm>
-            <a:off x="831903" y="3191553"/>
+            <a:off x="677045" y="3191553"/>
             <a:ext cx="1265417" cy="443083"/>
           </a:xfrm>
           <a:prstGeom prst="rect">
@@ -25595,7 +24760,7 @@
               <a:defRPr/>
             </a:pPr>
             <a:r>
-              <a:rPr kumimoji="0" lang="en-US" sz="1600" b="1" i="0" u="none" strike="noStrike" kern="0" cap="none" spc="0" normalizeH="0" baseline="0" noProof="0">
+              <a:rPr kumimoji="0" lang="en-US" sz="1600" b="1" i="0" u="none" strike="noStrike" kern="0" cap="none" spc="0" normalizeH="0" baseline="0" noProof="0" dirty="0">
                 <a:ln>
                   <a:noFill/>
                 </a:ln>
@@ -25620,7 +24785,7 @@
               <a:t>Unified</a:t>
             </a:r>
             <a:br>
-              <a:rPr kumimoji="0" lang="en-US" sz="1600" b="1" i="0" u="none" strike="noStrike" kern="0" cap="none" spc="0" normalizeH="0" baseline="0" noProof="0">
+              <a:rPr kumimoji="0" lang="en-US" sz="1600" b="1" i="0" u="none" strike="noStrike" kern="0" cap="none" spc="0" normalizeH="0" baseline="0" noProof="0" dirty="0">
                 <a:ln>
                   <a:noFill/>
                 </a:ln>
@@ -25644,7 +24809,7 @@
               </a:rPr>
             </a:br>
             <a:r>
-              <a:rPr kumimoji="0" lang="en-US" sz="1600" b="1" i="0" u="none" strike="noStrike" kern="0" cap="none" spc="0" normalizeH="0" baseline="0" noProof="0">
+              <a:rPr kumimoji="0" lang="en-US" sz="1600" b="1" i="0" u="none" strike="noStrike" kern="0" cap="none" spc="0" normalizeH="0" baseline="0" noProof="0" dirty="0">
                 <a:ln>
                   <a:noFill/>
                 </a:ln>
@@ -25687,13 +24852,13 @@
         </p:nvCxnSpPr>
         <p:spPr>
           <a:xfrm>
-            <a:off x="9903647" y="3248087"/>
+            <a:off x="9748789" y="3248087"/>
             <a:ext cx="1683055" cy="0"/>
           </a:xfrm>
           <a:prstGeom prst="line">
             <a:avLst/>
           </a:prstGeom>
-          <a:ln w="12700" cap="rnd">
+          <a:ln w="9525" cap="rnd">
             <a:gradFill>
               <a:gsLst>
                 <a:gs pos="0">
@@ -25703,15 +24868,10 @@
                   </a:schemeClr>
                 </a:gs>
                 <a:gs pos="30000">
-                  <a:schemeClr val="bg1">
-                    <a:lumMod val="75000"/>
-                  </a:schemeClr>
+                  <a:srgbClr val="0070F2"/>
                 </a:gs>
                 <a:gs pos="78000">
-                  <a:schemeClr val="tx1">
-                    <a:lumMod val="50000"/>
-                    <a:lumOff val="50000"/>
-                  </a:schemeClr>
+                  <a:srgbClr val="002A86"/>
                 </a:gs>
                 <a:gs pos="100000">
                   <a:schemeClr val="bg1"/>
@@ -25754,13 +24914,13 @@
         </p:nvCxnSpPr>
         <p:spPr>
           <a:xfrm>
-            <a:off x="9886717" y="4261098"/>
+            <a:off x="9731859" y="4261098"/>
             <a:ext cx="1683055" cy="0"/>
           </a:xfrm>
           <a:prstGeom prst="line">
             <a:avLst/>
           </a:prstGeom>
-          <a:ln w="12700" cap="rnd">
+          <a:ln w="9525" cap="rnd">
             <a:gradFill>
               <a:gsLst>
                 <a:gs pos="0">
@@ -25770,15 +24930,10 @@
                   </a:schemeClr>
                 </a:gs>
                 <a:gs pos="30000">
-                  <a:schemeClr val="bg1">
-                    <a:lumMod val="75000"/>
-                  </a:schemeClr>
+                  <a:srgbClr val="0070F2"/>
                 </a:gs>
                 <a:gs pos="78000">
-                  <a:schemeClr val="tx1">
-                    <a:lumMod val="50000"/>
-                    <a:lumOff val="50000"/>
-                  </a:schemeClr>
+                  <a:srgbClr val="002A86"/>
                 </a:gs>
                 <a:gs pos="100000">
                   <a:schemeClr val="bg1"/>
@@ -25819,7 +24974,7 @@
         </p:nvGrpSpPr>
         <p:grpSpPr>
           <a:xfrm rot="14522375">
-            <a:off x="2204449" y="5486078"/>
+            <a:off x="2049591" y="5486078"/>
             <a:ext cx="106471" cy="169337"/>
             <a:chOff x="1781040" y="3052066"/>
             <a:chExt cx="141719" cy="225394"/>
@@ -25889,7 +25044,7 @@
                 <a:tabLst/>
                 <a:defRPr/>
               </a:pPr>
-              <a:endParaRPr kumimoji="0" lang="en-US" sz="1086" b="0" i="0" u="none" strike="noStrike" kern="0" cap="none" spc="0" normalizeH="0" baseline="0" noProof="0">
+              <a:endParaRPr kumimoji="0" lang="en-US" sz="1086" b="0" i="0" u="none" strike="noStrike" kern="0" cap="none" spc="0" normalizeH="0" baseline="0" noProof="0" dirty="0">
                 <a:ln>
                   <a:noFill/>
                 </a:ln>
@@ -26029,7 +25184,7 @@
                 <a:tabLst/>
                 <a:defRPr/>
               </a:pPr>
-              <a:endParaRPr kumimoji="0" lang="en-US" sz="1086" b="0" i="0" u="none" strike="noStrike" kern="0" cap="none" spc="0" normalizeH="0" baseline="0" noProof="0">
+              <a:endParaRPr kumimoji="0" lang="en-US" sz="1086" b="0" i="0" u="none" strike="noStrike" kern="0" cap="none" spc="0" normalizeH="0" baseline="0" noProof="0" dirty="0">
                 <a:ln>
                   <a:noFill/>
                 </a:ln>
@@ -26049,164 +25204,55 @@
       </p:grpSp>
       <p:sp>
         <p:nvSpPr>
-          <p:cNvPr id="17" name="TextBox 16">
+          <p:cNvPr id="2" name="Titel 1">
             <a:extLst>
               <a:ext uri="{FF2B5EF4-FFF2-40B4-BE49-F238E27FC236}">
-                <a16:creationId xmlns:a16="http://schemas.microsoft.com/office/drawing/2014/main" id="{27B253D3-03AB-C414-5AD2-C071D7D98532}"/>
+                <a16:creationId xmlns:a16="http://schemas.microsoft.com/office/drawing/2014/main" id="{D6AD94F6-FBCE-AE09-243D-6064567889CC}"/>
               </a:ext>
             </a:extLst>
           </p:cNvPr>
-          <p:cNvSpPr txBox="1"/>
-          <p:nvPr/>
+          <p:cNvSpPr>
+            <a:spLocks noGrp="1"/>
+          </p:cNvSpPr>
+          <p:nvPr>
+            <p:ph type="title"/>
+          </p:nvPr>
         </p:nvSpPr>
         <p:spPr>
           <a:xfrm>
-            <a:off x="566327" y="1565380"/>
-            <a:ext cx="6259699" cy="215388"/>
+            <a:off x="503238" y="503238"/>
+            <a:ext cx="11187112" cy="677108"/>
           </a:xfrm>
-          <a:prstGeom prst="rect">
-            <a:avLst/>
-          </a:prstGeom>
-          <a:noFill/>
         </p:spPr>
         <p:txBody>
-          <a:bodyPr wrap="square" lIns="0" tIns="0" rIns="0" bIns="0" anchor="t">
-            <a:spAutoFit/>
-          </a:bodyPr>
+          <a:bodyPr/>
           <a:lstStyle/>
           <a:p>
-            <a:pPr marL="0" marR="0" lvl="0" indent="0" algn="l" defTabSz="1087470" rtl="0" eaLnBrk="1" fontAlgn="auto" latinLnBrk="0" hangingPunct="1">
-              <a:lnSpc>
-                <a:spcPct val="100000"/>
-              </a:lnSpc>
-              <a:spcBef>
-                <a:spcPts val="0"/>
-              </a:spcBef>
-              <a:spcAft>
-                <a:spcPts val="0"/>
-              </a:spcAft>
-              <a:buClrTx/>
-              <a:buSzTx/>
-              <a:buFontTx/>
-              <a:buNone/>
-              <a:tabLst/>
-              <a:defRPr/>
-            </a:pPr>
             <a:r>
-              <a:rPr kumimoji="0" lang="en-US" sz="1400" b="0" i="0" u="none" strike="noStrike" kern="1200" cap="none" spc="0" normalizeH="0" baseline="0" noProof="0">
-                <a:ln>
-                  <a:noFill/>
-                </a:ln>
-                <a:solidFill>
-                  <a:srgbClr val="000000"/>
-                </a:solidFill>
-                <a:effectLst/>
-                <a:uLnTx/>
-                <a:uFillTx/>
-                <a:latin typeface="Arial"/>
-                <a:ea typeface="+mn-ea"/>
-                <a:cs typeface="+mn-cs"/>
+              <a:rPr lang="en-GB" dirty="0"/>
+              <a:t>SAP Build helps you deliver results 3x faster.</a:t>
+            </a:r>
+            <a:br>
+              <a:rPr lang="en-GB" dirty="0"/>
+            </a:br>
+            <a:r>
+              <a:rPr lang="en-US" sz="2000" dirty="0">
+                <a:latin typeface="72 Brand" panose="020B0504030603020204" pitchFamily="34" charset="0"/>
               </a:rPr>
-              <a:t>Build where your business lives, in the context of your applications, data and AI.</a:t>
+              <a:t>Build where your business lives, in the context of your applications, data, and AI.</a:t>
             </a:r>
-          </a:p>
-        </p:txBody>
-      </p:sp>
-      <p:sp>
-        <p:nvSpPr>
-          <p:cNvPr id="18" name="Title 3">
-            <a:extLst>
-              <a:ext uri="{FF2B5EF4-FFF2-40B4-BE49-F238E27FC236}">
-                <a16:creationId xmlns:a16="http://schemas.microsoft.com/office/drawing/2014/main" id="{100E73EB-41CB-3708-1443-DA9A77F36FA6}"/>
-              </a:ext>
-            </a:extLst>
-          </p:cNvPr>
-          <p:cNvSpPr txBox="1">
-            <a:spLocks/>
-          </p:cNvSpPr>
-          <p:nvPr/>
-        </p:nvSpPr>
-        <p:spPr bwMode="black">
-          <a:xfrm>
-            <a:off x="561492" y="1114973"/>
-            <a:ext cx="8833649" cy="439246"/>
-          </a:xfrm>
-          <a:prstGeom prst="rect">
-            <a:avLst/>
-          </a:prstGeom>
-        </p:spPr>
-        <p:txBody>
-          <a:bodyPr vert="horz" wrap="square" lIns="0" tIns="0" rIns="0" bIns="0" rtlCol="0" anchor="t" anchorCtr="0">
-            <a:spAutoFit/>
-          </a:bodyPr>
-          <a:lstStyle>
-            <a:lvl1pPr algn="l" defTabSz="1088558" rtl="0" eaLnBrk="1" latinLnBrk="0" hangingPunct="1">
-              <a:spcBef>
-                <a:spcPct val="0"/>
-              </a:spcBef>
-              <a:buNone/>
-              <a:defRPr sz="2800" b="0" i="0" kern="1200" baseline="0">
-                <a:solidFill>
-                  <a:schemeClr val="tx1"/>
-                </a:solidFill>
-                <a:latin typeface="+mj-lt"/>
-                <a:ea typeface="+mj-ea"/>
-                <a:cs typeface="+mj-cs"/>
-              </a:defRPr>
-            </a:lvl1pPr>
-          </a:lstStyle>
-          <a:p>
-            <a:pPr marL="0" marR="0" lvl="0" indent="0" algn="l" defTabSz="1088558" rtl="0" eaLnBrk="1" fontAlgn="auto" latinLnBrk="0" hangingPunct="1">
-              <a:lnSpc>
-                <a:spcPct val="100000"/>
-              </a:lnSpc>
-              <a:spcBef>
-                <a:spcPct val="0"/>
-              </a:spcBef>
-              <a:spcAft>
-                <a:spcPts val="0"/>
-              </a:spcAft>
-              <a:buClrTx/>
-              <a:buSzTx/>
-              <a:buFontTx/>
-              <a:buNone/>
-              <a:tabLst/>
-              <a:defRPr/>
-            </a:pPr>
-            <a:r>
-              <a:rPr kumimoji="0" lang="en-GB" sz="2750" b="1" i="0" u="none" strike="noStrike" kern="1200" cap="none" spc="0" normalizeH="0" baseline="0" noProof="0" dirty="0">
-                <a:ln>
-                  <a:noFill/>
-                </a:ln>
-                <a:gradFill>
-                  <a:gsLst>
-                    <a:gs pos="0">
-                      <a:srgbClr val="000000"/>
-                    </a:gs>
-                    <a:gs pos="100000">
-                      <a:srgbClr val="000000"/>
-                    </a:gs>
-                  </a:gsLst>
-                  <a:lin ang="18900000" scaled="1"/>
-                </a:gradFill>
-                <a:effectLst/>
-                <a:uLnTx/>
-                <a:uFillTx/>
-                <a:latin typeface="72 Brand Medium"/>
-                <a:ea typeface="+mj-ea"/>
-                <a:cs typeface="+mj-cs"/>
-              </a:rPr>
-              <a:t>Build helps you deliver results 3x faster.</a:t>
-            </a:r>
+            <a:endParaRPr lang="de-DE" dirty="0">
+              <a:latin typeface="72 Brand" panose="020B0504030603020204" pitchFamily="34" charset="0"/>
+            </a:endParaRPr>
           </a:p>
         </p:txBody>
       </p:sp>
       <p:pic>
         <p:nvPicPr>
-          <p:cNvPr id="3" name="Graphic 2" descr="Magnifying glass with solid fill">
+          <p:cNvPr id="5" name="Picture 27">
             <a:extLst>
               <a:ext uri="{FF2B5EF4-FFF2-40B4-BE49-F238E27FC236}">
-                <a16:creationId xmlns:a16="http://schemas.microsoft.com/office/drawing/2014/main" id="{172DD336-76DA-B89E-4137-F5C2CCB668BF}"/>
+                <a16:creationId xmlns:a16="http://schemas.microsoft.com/office/drawing/2014/main" id="{78EAE971-5BF4-8AC0-B391-8B53A98FB801}"/>
               </a:ext>
             </a:extLst>
           </p:cNvPr>
@@ -26216,31 +25262,94 @@
           <p:nvPr/>
         </p:nvPicPr>
         <p:blipFill>
-          <a:blip r:embed="rId9">
+          <a:blip r:embed="rId10">
             <a:extLst>
               <a:ext uri="{96DAC541-7B7A-43D3-8B79-37D633B846F1}">
-                <asvg:svgBlip xmlns:asvg="http://schemas.microsoft.com/office/drawing/2016/SVG/main" r:embed="rId10"/>
+                <asvg:svgBlip xmlns:asvg="http://schemas.microsoft.com/office/drawing/2016/SVG/main" r:embed="rId11"/>
               </a:ext>
             </a:extLst>
           </a:blip>
-          <a:stretch>
-            <a:fillRect/>
-          </a:stretch>
+          <a:srcRect/>
+          <a:stretch/>
         </p:blipFill>
         <p:spPr>
           <a:xfrm>
-            <a:off x="2126112" y="2333730"/>
-            <a:ext cx="2479089" cy="2479089"/>
+            <a:off x="4490440" y="5454925"/>
+            <a:ext cx="198501" cy="198501"/>
           </a:xfrm>
           <a:prstGeom prst="rect">
             <a:avLst/>
           </a:prstGeom>
         </p:spPr>
       </p:pic>
+      <p:sp>
+        <p:nvSpPr>
+          <p:cNvPr id="4" name="Rechteck 3">
+            <a:extLst>
+              <a:ext uri="{FF2B5EF4-FFF2-40B4-BE49-F238E27FC236}">
+                <a16:creationId xmlns:a16="http://schemas.microsoft.com/office/drawing/2014/main" id="{E47430BD-D4C1-E5C3-25A6-F427510D565E}"/>
+              </a:ext>
+            </a:extLst>
+          </p:cNvPr>
+          <p:cNvSpPr/>
+          <p:nvPr/>
+        </p:nvSpPr>
+        <p:spPr bwMode="gray">
+          <a:xfrm>
+            <a:off x="2533796" y="3111330"/>
+            <a:ext cx="935340" cy="430775"/>
+          </a:xfrm>
+          <a:prstGeom prst="rect">
+            <a:avLst/>
+          </a:prstGeom>
+          <a:noFill/>
+          <a:ln w="28575" algn="ctr">
+            <a:solidFill>
+              <a:srgbClr val="FF8AF0"/>
+            </a:solidFill>
+            <a:miter lim="800000"/>
+            <a:headEnd/>
+            <a:tailEnd/>
+          </a:ln>
+        </p:spPr>
+        <p:txBody>
+          <a:bodyPr lIns="90000" tIns="72000" rIns="90000" bIns="72000" rtlCol="0" anchor="ctr"/>
+          <a:lstStyle/>
+          <a:p>
+            <a:pPr marR="0" algn="ctr" defTabSz="914400" eaLnBrk="1" fontAlgn="base" latinLnBrk="0" hangingPunct="1">
+              <a:lnSpc>
+                <a:spcPct val="100000"/>
+              </a:lnSpc>
+              <a:spcBef>
+                <a:spcPct val="50000"/>
+              </a:spcBef>
+              <a:spcAft>
+                <a:spcPct val="0"/>
+              </a:spcAft>
+              <a:buClr>
+                <a:srgbClr val="F0AB00"/>
+              </a:buClr>
+              <a:buSzPct val="80000"/>
+              <a:tabLst/>
+            </a:pPr>
+            <a:endParaRPr kumimoji="0" lang="de-DE" sz="1800" b="0" i="0" u="none" strike="noStrike" kern="0" cap="none" spc="0" normalizeH="0" baseline="0" noProof="0" dirty="0">
+              <a:ln>
+                <a:noFill/>
+              </a:ln>
+              <a:effectLst/>
+              <a:uLnTx/>
+              <a:uFillTx/>
+              <a:latin typeface="+mn-lt"/>
+              <a:ea typeface="72 Brand" pitchFamily="34" charset="-128"/>
+              <a:cs typeface="72 Brand" pitchFamily="34" charset="-128"/>
+            </a:endParaRPr>
+          </a:p>
+        </p:txBody>
+      </p:sp>
     </p:spTree>
     <p:extLst>
       <p:ext uri="{BB962C8B-B14F-4D97-AF65-F5344CB8AC3E}">
-        <p14:creationId xmlns:p14="http://schemas.microsoft.com/office/powerpoint/2010/main" val="3236085859"/>
+        <p14:creationId xmlns:p14="http://schemas.microsoft.com/office/powerpoint/2010/main" val="23337432"/>
       </p:ext>
     </p:extLst>
   </p:cSld>
@@ -26371,7 +25480,7 @@
                             </p:stCondLst>
                             <p:childTnLst>
                               <p:par>
-                                <p:cTn id="13" presetID="1" presetClass="entr" presetSubtype="0" fill="hold" nodeType="clickEffect">
+                                <p:cTn id="13" presetID="1" presetClass="entr" presetSubtype="0" fill="hold" grpId="0" nodeType="clickEffect">
                                   <p:stCondLst>
                                     <p:cond delay="0"/>
                                   </p:stCondLst>
@@ -26384,7 +25493,7 @@
                                           </p:stCondLst>
                                         </p:cTn>
                                         <p:tgtEl>
-                                          <p:spTgt spid="3"/>
+                                          <p:spTgt spid="4"/>
                                         </p:tgtEl>
                                         <p:attrNameLst>
                                           <p:attrName>style.visibility</p:attrName>
@@ -26424,6 +25533,9 @@
         </p:cTn>
       </p:par>
     </p:tnLst>
+    <p:bldLst>
+      <p:bldP spid="4" grpId="0" animBg="1"/>
+    </p:bldLst>
   </p:timing>
 </p:sld>
 </file>
@@ -26453,69 +25565,6 @@
       </p:grpSpPr>
       <p:sp>
         <p:nvSpPr>
-          <p:cNvPr id="3" name="Rectangle 2">
-            <a:extLst>
-              <a:ext uri="{FF2B5EF4-FFF2-40B4-BE49-F238E27FC236}">
-                <a16:creationId xmlns:a16="http://schemas.microsoft.com/office/drawing/2014/main" id="{7EC34642-C1D8-2596-444E-F89031AB0F72}"/>
-              </a:ext>
-            </a:extLst>
-          </p:cNvPr>
-          <p:cNvSpPr/>
-          <p:nvPr/>
-        </p:nvSpPr>
-        <p:spPr bwMode="gray">
-          <a:xfrm>
-            <a:off x="7803" y="1557338"/>
-            <a:ext cx="12187372" cy="5300662"/>
-          </a:xfrm>
-          <a:prstGeom prst="rect">
-            <a:avLst/>
-          </a:prstGeom>
-          <a:solidFill>
-            <a:srgbClr val="F5F6F7"/>
-          </a:solidFill>
-          <a:ln w="25400" algn="ctr">
-            <a:noFill/>
-            <a:miter lim="800000"/>
-            <a:headEnd/>
-            <a:tailEnd/>
-          </a:ln>
-        </p:spPr>
-        <p:txBody>
-          <a:bodyPr lIns="90000" tIns="72000" rIns="90000" bIns="72000" rtlCol="0" anchor="ctr"/>
-          <a:lstStyle/>
-          <a:p>
-            <a:pPr marR="0" algn="ctr" defTabSz="914400" eaLnBrk="1" fontAlgn="base" latinLnBrk="0" hangingPunct="1">
-              <a:lnSpc>
-                <a:spcPct val="100000"/>
-              </a:lnSpc>
-              <a:spcBef>
-                <a:spcPct val="50000"/>
-              </a:spcBef>
-              <a:spcAft>
-                <a:spcPct val="0"/>
-              </a:spcAft>
-              <a:buClr>
-                <a:srgbClr val="F0AB00"/>
-              </a:buClr>
-              <a:buSzPct val="80000"/>
-              <a:tabLst/>
-            </a:pPr>
-            <a:endParaRPr kumimoji="0" lang="en-US" sz="1800" b="0" i="0" u="none" strike="noStrike" kern="0" cap="none" spc="0" normalizeH="0" baseline="0" noProof="0" dirty="0">
-              <a:ln>
-                <a:noFill/>
-              </a:ln>
-              <a:effectLst/>
-              <a:uLnTx/>
-              <a:uFillTx/>
-              <a:ea typeface="Arial Unicode MS" pitchFamily="34" charset="-128"/>
-              <a:cs typeface="Arial Unicode MS" pitchFamily="34" charset="-128"/>
-            </a:endParaRPr>
-          </a:p>
-        </p:txBody>
-      </p:sp>
-      <p:sp>
-        <p:nvSpPr>
           <p:cNvPr id="7" name="Rectangle: Rounded Corners 6">
             <a:extLst>
               <a:ext uri="{FF2B5EF4-FFF2-40B4-BE49-F238E27FC236}">
@@ -26529,18 +25578,18 @@
         <p:spPr bwMode="gray">
           <a:xfrm>
             <a:off x="206734" y="4428878"/>
-            <a:ext cx="11513489" cy="524786"/>
+            <a:ext cx="11513489" cy="499110"/>
           </a:xfrm>
           <a:prstGeom prst="roundRect">
             <a:avLst>
               <a:gd name="adj" fmla="val 50000"/>
             </a:avLst>
           </a:prstGeom>
-          <a:solidFill>
-            <a:srgbClr val="A9B4BE"/>
-          </a:solidFill>
-          <a:ln w="25400" algn="ctr">
-            <a:noFill/>
+          <a:noFill/>
+          <a:ln w="28575" algn="ctr">
+            <a:solidFill>
+              <a:srgbClr val="FF8AF0"/>
+            </a:solidFill>
             <a:miter lim="800000"/>
             <a:headEnd/>
             <a:tailEnd/>
@@ -26562,8 +25611,8 @@
               </a:buClr>
               <a:buSzPct val="80000"/>
             </a:pPr>
-            <a:endParaRPr lang="en-DE" sz="1800" kern="0" dirty="0">
-              <a:latin typeface="+mn-lt"/>
+            <a:endParaRPr lang="en-DE" sz="1800" kern="0">
+              <a:latin typeface="+mj-lt"/>
             </a:endParaRPr>
           </a:p>
         </p:txBody>
@@ -26584,18 +25633,13 @@
             <p:ph type="title"/>
           </p:nvPr>
         </p:nvSpPr>
-        <p:spPr>
-          <a:xfrm>
-            <a:off x="504001" y="504000"/>
-            <a:ext cx="11186476" cy="369332"/>
-          </a:xfrm>
-        </p:spPr>
+        <p:spPr/>
         <p:txBody>
           <a:bodyPr/>
           <a:lstStyle/>
           <a:p>
             <a:r>
-              <a:rPr lang="en-US"/>
+              <a:rPr lang="en-US" dirty="0"/>
               <a:t>SAPUI5 is SAP’s standard UI framework of choice</a:t>
             </a:r>
           </a:p>
@@ -26642,10 +25686,11 @@
               <a:buSzPct val="80000"/>
             </a:pPr>
             <a:r>
-              <a:rPr lang="en-US" sz="2400" b="1" kern="0">
+              <a:rPr lang="en-US" sz="2400" kern="0" dirty="0">
                 <a:solidFill>
                   <a:srgbClr val="002A86"/>
                 </a:solidFill>
+                <a:latin typeface="+mj-lt"/>
                 <a:ea typeface="Arial Unicode MS" pitchFamily="34" charset="-128"/>
                 <a:cs typeface="Arial Unicode MS" pitchFamily="34" charset="-128"/>
               </a:rPr>
@@ -26669,6 +25714,114 @@
         <p:spPr>
           <a:xfrm>
             <a:off x="503236" y="2836059"/>
+            <a:ext cx="2880000" cy="738664"/>
+          </a:xfrm>
+          <a:prstGeom prst="rect">
+            <a:avLst/>
+          </a:prstGeom>
+          <a:noFill/>
+        </p:spPr>
+        <p:txBody>
+          <a:bodyPr wrap="square" lIns="0" tIns="0" rIns="0" bIns="0" rtlCol="0">
+            <a:spAutoFit/>
+          </a:bodyPr>
+          <a:lstStyle/>
+          <a:p>
+            <a:pPr fontAlgn="base">
+              <a:spcBef>
+                <a:spcPct val="50000"/>
+              </a:spcBef>
+              <a:spcAft>
+                <a:spcPct val="0"/>
+              </a:spcAft>
+              <a:buClr>
+                <a:srgbClr val="F0AB00"/>
+              </a:buClr>
+              <a:buSzPct val="80000"/>
+            </a:pPr>
+            <a:r>
+              <a:rPr lang="en-US" sz="1600" dirty="0">
+                <a:latin typeface="72 Brand" panose="020B0504030603020204" pitchFamily="34" charset="0"/>
+              </a:rPr>
+              <a:t>SAPUI5 enables the SAP Fiori design evolution across SAP solutions (and beyond).</a:t>
+            </a:r>
+            <a:endParaRPr lang="en-US" sz="1600" kern="0" dirty="0">
+              <a:latin typeface="72 Brand" panose="020B0504030603020204" pitchFamily="34" charset="0"/>
+              <a:ea typeface="Arial Unicode MS" pitchFamily="34" charset="-128"/>
+              <a:cs typeface="Arial Unicode MS" pitchFamily="34" charset="-128"/>
+            </a:endParaRPr>
+          </a:p>
+        </p:txBody>
+      </p:sp>
+      <p:sp>
+        <p:nvSpPr>
+          <p:cNvPr id="18" name="TextBox 17">
+            <a:extLst>
+              <a:ext uri="{FF2B5EF4-FFF2-40B4-BE49-F238E27FC236}">
+                <a16:creationId xmlns:a16="http://schemas.microsoft.com/office/drawing/2014/main" id="{C168FAF9-A69B-1E08-2F0F-6F57FB35357E}"/>
+              </a:ext>
+            </a:extLst>
+          </p:cNvPr>
+          <p:cNvSpPr txBox="1"/>
+          <p:nvPr/>
+        </p:nvSpPr>
+        <p:spPr>
+          <a:xfrm>
+            <a:off x="503237" y="4498052"/>
+            <a:ext cx="1931619" cy="369332"/>
+          </a:xfrm>
+          <a:prstGeom prst="rect">
+            <a:avLst/>
+          </a:prstGeom>
+          <a:noFill/>
+        </p:spPr>
+        <p:txBody>
+          <a:bodyPr wrap="none" lIns="0" tIns="0" rIns="0" bIns="0" rtlCol="0">
+            <a:spAutoFit/>
+          </a:bodyPr>
+          <a:lstStyle/>
+          <a:p>
+            <a:pPr fontAlgn="base">
+              <a:spcBef>
+                <a:spcPct val="50000"/>
+              </a:spcBef>
+              <a:spcAft>
+                <a:spcPct val="0"/>
+              </a:spcAft>
+              <a:buClr>
+                <a:srgbClr val="F0AB00"/>
+              </a:buClr>
+              <a:buSzPct val="80000"/>
+            </a:pPr>
+            <a:r>
+              <a:rPr lang="en-US" sz="2400" kern="0" dirty="0">
+                <a:solidFill>
+                  <a:srgbClr val="002A86"/>
+                </a:solidFill>
+                <a:latin typeface="+mj-lt"/>
+                <a:ea typeface="Arial Unicode MS" pitchFamily="34" charset="-128"/>
+                <a:cs typeface="Arial Unicode MS" pitchFamily="34" charset="-128"/>
+              </a:rPr>
+              <a:t>Flexible tools</a:t>
+            </a:r>
+          </a:p>
+        </p:txBody>
+      </p:sp>
+      <p:sp>
+        <p:nvSpPr>
+          <p:cNvPr id="19" name="TextBox 18">
+            <a:extLst>
+              <a:ext uri="{FF2B5EF4-FFF2-40B4-BE49-F238E27FC236}">
+                <a16:creationId xmlns:a16="http://schemas.microsoft.com/office/drawing/2014/main" id="{3A939E8B-BB96-5CEB-F947-DD2801470E61}"/>
+              </a:ext>
+            </a:extLst>
+          </p:cNvPr>
+          <p:cNvSpPr txBox="1"/>
+          <p:nvPr/>
+        </p:nvSpPr>
+        <p:spPr>
+          <a:xfrm>
+            <a:off x="503237" y="5055990"/>
             <a:ext cx="2880000" cy="984885"/>
           </a:xfrm>
           <a:prstGeom prst="rect">
@@ -26695,10 +25848,13 @@
               <a:buSzPct val="80000"/>
             </a:pPr>
             <a:r>
-              <a:rPr lang="en-US" sz="1600"/>
-              <a:t>SAPUI5 enables the SAP Fiori design evolution across SAP solutions (and beyond).</a:t>
+              <a:rPr lang="en-US" sz="1600" dirty="0">
+                <a:latin typeface="72 Brand" panose="020B0504030603020204" pitchFamily="34" charset="0"/>
+              </a:rPr>
+              <a:t>for any developer: SAPUI5 comes with tools to efficiently build, test, and deploy apps, including SAP Build Code.</a:t>
             </a:r>
-            <a:endParaRPr lang="en-US" sz="1600" kern="0">
+            <a:endParaRPr lang="en-US" sz="1600" kern="0" dirty="0">
+              <a:latin typeface="72 Brand" panose="020B0504030603020204" pitchFamily="34" charset="0"/>
               <a:ea typeface="Arial Unicode MS" pitchFamily="34" charset="-128"/>
               <a:cs typeface="Arial Unicode MS" pitchFamily="34" charset="-128"/>
             </a:endParaRPr>
@@ -26707,10 +25863,10 @@
       </p:sp>
       <p:sp>
         <p:nvSpPr>
-          <p:cNvPr id="18" name="TextBox 17">
+          <p:cNvPr id="12" name="TextBox 11">
             <a:extLst>
               <a:ext uri="{FF2B5EF4-FFF2-40B4-BE49-F238E27FC236}">
-                <a16:creationId xmlns:a16="http://schemas.microsoft.com/office/drawing/2014/main" id="{C168FAF9-A69B-1E08-2F0F-6F57FB35357E}"/>
+                <a16:creationId xmlns:a16="http://schemas.microsoft.com/office/drawing/2014/main" id="{1700FEC1-1F05-BF21-EEA6-EC644BC809B5}"/>
               </a:ext>
             </a:extLst>
           </p:cNvPr>
@@ -26719,8 +25875,8 @@
         </p:nvSpPr>
         <p:spPr>
           <a:xfrm>
-            <a:off x="503237" y="4498052"/>
-            <a:ext cx="1963679" cy="369332"/>
+            <a:off x="4312973" y="2278121"/>
+            <a:ext cx="2011769" cy="369332"/>
           </a:xfrm>
           <a:prstGeom prst="rect">
             <a:avLst/>
@@ -26746,114 +25902,11 @@
               <a:buSzPct val="80000"/>
             </a:pPr>
             <a:r>
-              <a:rPr lang="en-US" sz="2400" b="1" kern="0">
-                <a:solidFill>
-                  <a:srgbClr val="002A86"/>
-                </a:solidFill>
-                <a:ea typeface="Arial Unicode MS" pitchFamily="34" charset="-128"/>
-                <a:cs typeface="Arial Unicode MS" pitchFamily="34" charset="-128"/>
-              </a:rPr>
-              <a:t>Flexible tools</a:t>
-            </a:r>
-          </a:p>
-        </p:txBody>
-      </p:sp>
-      <p:sp>
-        <p:nvSpPr>
-          <p:cNvPr id="19" name="TextBox 18">
-            <a:extLst>
-              <a:ext uri="{FF2B5EF4-FFF2-40B4-BE49-F238E27FC236}">
-                <a16:creationId xmlns:a16="http://schemas.microsoft.com/office/drawing/2014/main" id="{3A939E8B-BB96-5CEB-F947-DD2801470E61}"/>
-              </a:ext>
-            </a:extLst>
-          </p:cNvPr>
-          <p:cNvSpPr txBox="1"/>
-          <p:nvPr/>
-        </p:nvSpPr>
-        <p:spPr>
-          <a:xfrm>
-            <a:off x="503237" y="5055990"/>
-            <a:ext cx="2880000" cy="1231106"/>
-          </a:xfrm>
-          <a:prstGeom prst="rect">
-            <a:avLst/>
-          </a:prstGeom>
-          <a:noFill/>
-        </p:spPr>
-        <p:txBody>
-          <a:bodyPr wrap="square" lIns="0" tIns="0" rIns="0" bIns="0" rtlCol="0">
-            <a:spAutoFit/>
-          </a:bodyPr>
-          <a:lstStyle/>
-          <a:p>
-            <a:pPr fontAlgn="base">
-              <a:spcBef>
-                <a:spcPct val="50000"/>
-              </a:spcBef>
-              <a:spcAft>
-                <a:spcPct val="0"/>
-              </a:spcAft>
-              <a:buClr>
-                <a:srgbClr val="F0AB00"/>
-              </a:buClr>
-              <a:buSzPct val="80000"/>
-            </a:pPr>
-            <a:r>
-              <a:rPr lang="en-US" sz="1600"/>
-              <a:t>for any developer: SAPUI5 comes with tools to efficiently build, test, and deploy apps, including SAP Build Code.</a:t>
-            </a:r>
-            <a:endParaRPr lang="en-US" sz="1600" kern="0">
-              <a:ea typeface="Arial Unicode MS" pitchFamily="34" charset="-128"/>
-              <a:cs typeface="Arial Unicode MS" pitchFamily="34" charset="-128"/>
-            </a:endParaRPr>
-          </a:p>
-        </p:txBody>
-      </p:sp>
-      <p:sp>
-        <p:nvSpPr>
-          <p:cNvPr id="12" name="TextBox 11">
-            <a:extLst>
-              <a:ext uri="{FF2B5EF4-FFF2-40B4-BE49-F238E27FC236}">
-                <a16:creationId xmlns:a16="http://schemas.microsoft.com/office/drawing/2014/main" id="{1700FEC1-1F05-BF21-EEA6-EC644BC809B5}"/>
-              </a:ext>
-            </a:extLst>
-          </p:cNvPr>
-          <p:cNvSpPr txBox="1"/>
-          <p:nvPr/>
-        </p:nvSpPr>
-        <p:spPr>
-          <a:xfrm>
-            <a:off x="4312973" y="2278121"/>
-            <a:ext cx="2071080" cy="369332"/>
-          </a:xfrm>
-          <a:prstGeom prst="rect">
-            <a:avLst/>
-          </a:prstGeom>
-          <a:noFill/>
-        </p:spPr>
-        <p:txBody>
-          <a:bodyPr wrap="none" lIns="0" tIns="0" rIns="0" bIns="0" rtlCol="0">
-            <a:spAutoFit/>
-          </a:bodyPr>
-          <a:lstStyle/>
-          <a:p>
-            <a:pPr fontAlgn="base">
-              <a:spcBef>
-                <a:spcPct val="50000"/>
-              </a:spcBef>
-              <a:spcAft>
-                <a:spcPct val="0"/>
-              </a:spcAft>
-              <a:buClr>
-                <a:srgbClr val="F0AB00"/>
-              </a:buClr>
-              <a:buSzPct val="80000"/>
-            </a:pPr>
-            <a:r>
-              <a:rPr lang="en-US" sz="2400" b="1" kern="0">
+              <a:rPr lang="en-US" sz="2400" kern="0" dirty="0">
                 <a:solidFill>
                   <a:srgbClr val="0070F2"/>
                 </a:solidFill>
+                <a:latin typeface="+mj-lt"/>
                 <a:ea typeface="Arial Unicode MS" pitchFamily="34" charset="-128"/>
                 <a:cs typeface="Arial Unicode MS" pitchFamily="34" charset="-128"/>
               </a:rPr>
@@ -26903,10 +25956,13 @@
               <a:buSzPct val="80000"/>
             </a:pPr>
             <a:r>
-              <a:rPr lang="en-US" sz="1600"/>
+              <a:rPr lang="en-US" sz="1600" dirty="0">
+                <a:latin typeface="72 Brand" panose="020B0504030603020204" pitchFamily="34" charset="0"/>
+              </a:rPr>
               <a:t>SAPUI5 allows single, responsive app implementations for all browsers, platforms, and devices.</a:t>
             </a:r>
-            <a:endParaRPr lang="en-US" sz="1600" kern="0">
+            <a:endParaRPr lang="en-US" sz="1600" kern="0" dirty="0">
+              <a:latin typeface="72 Brand" panose="020B0504030603020204" pitchFamily="34" charset="0"/>
               <a:ea typeface="Arial Unicode MS" pitchFamily="34" charset="-128"/>
               <a:cs typeface="Arial Unicode MS" pitchFamily="34" charset="-128"/>
             </a:endParaRPr>
@@ -26928,7 +25984,7 @@
         <p:spPr>
           <a:xfrm>
             <a:off x="4312973" y="4498052"/>
-            <a:ext cx="1724831" cy="369332"/>
+            <a:ext cx="1732847" cy="369332"/>
           </a:xfrm>
           <a:prstGeom prst="rect">
             <a:avLst/>
@@ -26954,10 +26010,11 @@
               <a:buSzPct val="80000"/>
             </a:pPr>
             <a:r>
-              <a:rPr lang="en-US" sz="2400" b="1" kern="0">
+              <a:rPr lang="en-US" sz="2400" kern="0" dirty="0">
                 <a:solidFill>
                   <a:srgbClr val="0070F2"/>
                 </a:solidFill>
+                <a:latin typeface="+mj-lt"/>
                 <a:ea typeface="Arial Unicode MS" pitchFamily="34" charset="-128"/>
                 <a:cs typeface="Arial Unicode MS" pitchFamily="34" charset="-128"/>
               </a:rPr>
@@ -27007,10 +26064,13 @@
               <a:buSzPct val="80000"/>
             </a:pPr>
             <a:r>
-              <a:rPr lang="en-US" sz="1600" dirty="0"/>
+              <a:rPr lang="en-US" sz="1600" dirty="0">
+                <a:latin typeface="72 Brand" panose="020B0504030603020204" pitchFamily="34" charset="0"/>
+              </a:rPr>
               <a:t>SAPUI5 brings a clear separation of apps and framework to centrally innovate while staying upgrade-compatible. </a:t>
             </a:r>
             <a:endParaRPr lang="en-US" sz="1600" kern="0" dirty="0">
+              <a:latin typeface="72 Brand" panose="020B0504030603020204" pitchFamily="34" charset="0"/>
               <a:ea typeface="Arial Unicode MS" pitchFamily="34" charset="-128"/>
               <a:cs typeface="Arial Unicode MS" pitchFamily="34" charset="-128"/>
             </a:endParaRPr>
@@ -27058,10 +26118,11 @@
               <a:buSzPct val="80000"/>
             </a:pPr>
             <a:r>
-              <a:rPr lang="en-US" sz="2400" b="1" kern="0" dirty="0">
+              <a:rPr lang="en-US" sz="2400" kern="0" dirty="0">
                 <a:solidFill>
                   <a:srgbClr val="89D1FF"/>
                 </a:solidFill>
+                <a:latin typeface="+mj-lt"/>
                 <a:ea typeface="Arial Unicode MS" pitchFamily="34" charset="-128"/>
                 <a:cs typeface="Arial Unicode MS" pitchFamily="34" charset="-128"/>
               </a:rPr>
@@ -27085,7 +26146,7 @@
         <p:spPr>
           <a:xfrm>
             <a:off x="8122708" y="2836059"/>
-            <a:ext cx="2880000" cy="984885"/>
+            <a:ext cx="2880000" cy="1231106"/>
           </a:xfrm>
           <a:prstGeom prst="rect">
             <a:avLst/>
@@ -27111,10 +26172,13 @@
               <a:buSzPct val="80000"/>
             </a:pPr>
             <a:r>
-              <a:rPr lang="en-US" sz="1600"/>
-              <a:t>and UI integration cards to build professional UIs, SAP Web Components to cover all Web technology stacks.</a:t>
+              <a:rPr lang="en-US" sz="1600" dirty="0">
+                <a:latin typeface="72 Brand" panose="020B0504030603020204" pitchFamily="34" charset="0"/>
+              </a:rPr>
+              <a:t>and UI integration cards are available to build professional UIs, SAP Web Components to cover all Web technology stacks.</a:t>
             </a:r>
-            <a:endParaRPr lang="en-US" sz="1600" kern="0">
+            <a:endParaRPr lang="en-US" sz="1600" kern="0" dirty="0">
+              <a:latin typeface="72 Brand" panose="020B0504030603020204" pitchFamily="34" charset="0"/>
               <a:ea typeface="Arial Unicode MS" pitchFamily="34" charset="-128"/>
               <a:cs typeface="Arial Unicode MS" pitchFamily="34" charset="-128"/>
             </a:endParaRPr>
@@ -27162,10 +26226,11 @@
               <a:buSzPct val="80000"/>
             </a:pPr>
             <a:r>
-              <a:rPr lang="en-US" sz="2400" b="1" kern="0" dirty="0">
+              <a:rPr lang="en-US" sz="2400" kern="0" dirty="0">
                 <a:solidFill>
                   <a:srgbClr val="89D1FF"/>
                 </a:solidFill>
+                <a:latin typeface="+mj-lt"/>
                 <a:ea typeface="Arial Unicode MS" pitchFamily="34" charset="-128"/>
                 <a:cs typeface="Arial Unicode MS" pitchFamily="34" charset="-128"/>
               </a:rPr>
@@ -27215,10 +26280,13 @@
               <a:buSzPct val="80000"/>
             </a:pPr>
             <a:r>
-              <a:rPr lang="en-US" sz="1600" dirty="0"/>
-              <a:t>Customers/partners can adapt SAP standard apps and customize UIs with/without coding.</a:t>
+              <a:rPr lang="en-US" sz="1600" dirty="0">
+                <a:latin typeface="72 Brand" panose="020B0504030603020204" pitchFamily="34" charset="0"/>
+              </a:rPr>
+              <a:t>Customers and partners can adapt SAP standard apps and customize UIs with or without coding.</a:t>
             </a:r>
             <a:endParaRPr lang="en-US" sz="1600" kern="0" dirty="0">
+              <a:latin typeface="72 Brand" panose="020B0504030603020204" pitchFamily="34" charset="0"/>
               <a:ea typeface="Arial Unicode MS" pitchFamily="34" charset="-128"/>
               <a:cs typeface="Arial Unicode MS" pitchFamily="34" charset="-128"/>
             </a:endParaRPr>
@@ -27228,7 +26296,7 @@
     </p:spTree>
     <p:extLst>
       <p:ext uri="{BB962C8B-B14F-4D97-AF65-F5344CB8AC3E}">
-        <p14:creationId xmlns:p14="http://schemas.microsoft.com/office/powerpoint/2010/main" val="1694665237"/>
+        <p14:creationId xmlns:p14="http://schemas.microsoft.com/office/powerpoint/2010/main" val="2743671654"/>
       </p:ext>
     </p:extLst>
   </p:cSld>
@@ -27399,7 +26467,7 @@
               <a:tabLst/>
             </a:pPr>
             <a:r>
-              <a:rPr kumimoji="0" lang="en-US" sz="1000" b="0" i="0" u="none" strike="noStrike" kern="0" cap="none" spc="0" normalizeH="0" baseline="0" noProof="0">
+              <a:rPr kumimoji="0" lang="en-US" sz="1000" b="0" i="0" u="none" strike="noStrike" kern="0" cap="none" spc="0" normalizeH="0" baseline="0" noProof="0" dirty="0">
                 <a:ln>
                   <a:noFill/>
                 </a:ln>
@@ -27410,7 +26478,7 @@
                 <a:ea typeface="Arial Unicode MS" pitchFamily="34" charset="-128"/>
                 <a:cs typeface="Arial Unicode MS" pitchFamily="34" charset="-128"/>
               </a:rPr>
-              <a:t>Business Requirement for a User Interface</a:t>
+              <a:t>Business requirement for a user interface</a:t>
             </a:r>
           </a:p>
         </p:txBody>
@@ -27473,7 +26541,7 @@
               <a:tabLst/>
             </a:pPr>
             <a:r>
-              <a:rPr lang="en-US" sz="1000" kern="0">
+              <a:rPr lang="en-US" sz="1000" kern="0" dirty="0">
                 <a:latin typeface="+mn-lt"/>
                 <a:ea typeface="Arial Unicode MS" pitchFamily="34" charset="-128"/>
                 <a:cs typeface="Arial Unicode MS" pitchFamily="34" charset="-128"/>
@@ -27481,7 +26549,7 @@
               <a:t>Is a standard</a:t>
             </a:r>
             <a:r>
-              <a:rPr kumimoji="0" lang="en-US" sz="1000" b="0" i="0" u="none" strike="noStrike" kern="0" cap="none" spc="0" normalizeH="0" baseline="0" noProof="0">
+              <a:rPr kumimoji="0" lang="en-US" sz="1000" b="0" i="0" u="none" strike="noStrike" kern="0" cap="none" spc="0" normalizeH="0" baseline="0" noProof="0" dirty="0">
                 <a:ln>
                   <a:noFill/>
                 </a:ln>
@@ -27495,7 +26563,7 @@
               <a:t> </a:t>
             </a:r>
             <a:br>
-              <a:rPr kumimoji="0" lang="en-US" sz="1000" b="0" i="0" u="none" strike="noStrike" kern="0" cap="none" spc="0" normalizeH="0" baseline="0" noProof="0">
+              <a:rPr kumimoji="0" lang="en-US" sz="1000" b="0" i="0" u="none" strike="noStrike" kern="0" cap="none" spc="0" normalizeH="0" baseline="0" noProof="0" dirty="0">
                 <a:ln>
                   <a:noFill/>
                 </a:ln>
@@ -27508,7 +26576,7 @@
               </a:rPr>
             </a:br>
             <a:r>
-              <a:rPr kumimoji="0" lang="en-US" sz="1000" b="0" i="0" u="none" strike="noStrike" kern="0" cap="none" spc="0" normalizeH="0" baseline="0" noProof="0">
+              <a:rPr kumimoji="0" lang="en-US" sz="1000" b="0" i="0" u="none" strike="noStrike" kern="0" cap="none" spc="0" normalizeH="0" baseline="0" noProof="0" dirty="0">
                 <a:ln>
                   <a:noFill/>
                 </a:ln>
@@ -27522,7 +26590,7 @@
               <a:t>SAP </a:t>
             </a:r>
             <a:r>
-              <a:rPr kumimoji="0" lang="en-US" sz="1000" b="0" i="0" u="none" strike="noStrike" kern="0" cap="none" spc="0" normalizeH="0" baseline="0" noProof="0" err="1">
+              <a:rPr kumimoji="0" lang="en-US" sz="1000" b="0" i="0" u="none" strike="noStrike" kern="0" cap="none" spc="0" normalizeH="0" baseline="0" noProof="0" dirty="0" err="1">
                 <a:ln>
                   <a:noFill/>
                 </a:ln>
@@ -27536,23 +26604,15 @@
               <a:t>Fior</a:t>
             </a:r>
             <a:r>
-              <a:rPr lang="en-US" sz="1000" kern="0" err="1">
+              <a:rPr lang="en-US" sz="1000" kern="0" dirty="0">
                 <a:latin typeface="+mn-lt"/>
                 <a:ea typeface="Arial Unicode MS" pitchFamily="34" charset="-128"/>
                 <a:cs typeface="Arial Unicode MS" pitchFamily="34" charset="-128"/>
               </a:rPr>
-              <a:t>i</a:t>
+              <a:t>i a</a:t>
             </a:r>
             <a:r>
-              <a:rPr lang="en-US" sz="1000" kern="0">
-                <a:latin typeface="+mn-lt"/>
-                <a:ea typeface="Arial Unicode MS" pitchFamily="34" charset="-128"/>
-                <a:cs typeface="Arial Unicode MS" pitchFamily="34" charset="-128"/>
-              </a:rPr>
-              <a:t> a</a:t>
-            </a:r>
-            <a:r>
-              <a:rPr kumimoji="0" lang="en-US" sz="1000" b="0" i="0" u="none" strike="noStrike" kern="0" cap="none" spc="0" normalizeH="0" baseline="0" noProof="0">
+              <a:rPr kumimoji="0" lang="en-US" sz="1000" b="0" i="0" u="none" strike="noStrike" kern="0" cap="none" spc="0" normalizeH="0" baseline="0" noProof="0" dirty="0">
                 <a:ln>
                   <a:noFill/>
                 </a:ln>
@@ -27626,7 +26686,7 @@
               <a:tabLst/>
             </a:pPr>
             <a:r>
-              <a:rPr kumimoji="0" lang="en-US" sz="1000" b="0" i="0" u="none" strike="noStrike" kern="0" cap="none" spc="0" normalizeH="0" baseline="0" noProof="0">
+              <a:rPr kumimoji="0" lang="en-US" sz="1000" b="0" i="0" u="none" strike="noStrike" kern="0" cap="none" spc="0" normalizeH="0" baseline="0" noProof="0" dirty="0">
                 <a:ln>
                   <a:noFill/>
                 </a:ln>
@@ -27698,13 +26758,10 @@
               <a:tabLst/>
             </a:pPr>
             <a:r>
-              <a:rPr kumimoji="0" lang="en-US" sz="1200" i="0" u="none" strike="noStrike" kern="0" cap="none" spc="0" normalizeH="0" baseline="0" noProof="0">
+              <a:rPr kumimoji="0" lang="en-US" sz="1200" i="0" u="none" strike="noStrike" kern="0" cap="none" spc="0" normalizeH="0" baseline="0" noProof="0" dirty="0">
                 <a:ln>
                   <a:noFill/>
                 </a:ln>
-                <a:solidFill>
-                  <a:schemeClr val="bg1"/>
-                </a:solidFill>
                 <a:effectLst/>
                 <a:uLnTx/>
                 <a:uFillTx/>
@@ -27712,13 +26769,10 @@
                 <a:ea typeface="Arial Unicode MS" pitchFamily="34" charset="-128"/>
                 <a:cs typeface="Arial Unicode MS" pitchFamily="34" charset="-128"/>
               </a:rPr>
-              <a:t>SAP Standard SAP Fiori</a:t>
+              <a:t>SAP standard SAP Fiori</a:t>
             </a:r>
             <a:r>
-              <a:rPr lang="en-US" sz="1100" kern="0">
-                <a:solidFill>
-                  <a:schemeClr val="bg1"/>
-                </a:solidFill>
+              <a:rPr lang="en-US" sz="1100" kern="0" dirty="0">
                 <a:latin typeface="+mn-lt"/>
                 <a:ea typeface="Arial Unicode MS" pitchFamily="34" charset="-128"/>
                 <a:cs typeface="Arial Unicode MS" pitchFamily="34" charset="-128"/>
@@ -27726,43 +26780,31 @@
               <a:t> app</a:t>
             </a:r>
             <a:br>
-              <a:rPr lang="en-US" sz="1100" kern="0">
-                <a:solidFill>
-                  <a:schemeClr val="bg1"/>
-                </a:solidFill>
+              <a:rPr lang="en-US" sz="1100" kern="0" dirty="0">
                 <a:latin typeface="+mn-lt"/>
                 <a:ea typeface="Arial Unicode MS" pitchFamily="34" charset="-128"/>
                 <a:cs typeface="Arial Unicode MS" pitchFamily="34" charset="-128"/>
               </a:rPr>
             </a:br>
             <a:br>
-              <a:rPr lang="en-US" sz="1100" kern="0">
-                <a:solidFill>
-                  <a:schemeClr val="bg1"/>
-                </a:solidFill>
+              <a:rPr lang="en-US" sz="1100" kern="0" dirty="0">
                 <a:latin typeface="+mn-lt"/>
                 <a:ea typeface="Arial Unicode MS" pitchFamily="34" charset="-128"/>
                 <a:cs typeface="Arial Unicode MS" pitchFamily="34" charset="-128"/>
               </a:rPr>
             </a:br>
             <a:r>
-              <a:rPr lang="en-US" sz="800" kern="0">
-                <a:solidFill>
-                  <a:schemeClr val="bg1"/>
-                </a:solidFill>
+              <a:rPr lang="en-US" sz="800" kern="0" dirty="0">
                 <a:latin typeface="+mn-lt"/>
                 <a:ea typeface="Arial Unicode MS" pitchFamily="34" charset="-128"/>
                 <a:cs typeface="Arial Unicode MS" pitchFamily="34" charset="-128"/>
               </a:rPr>
               <a:t>(SAPUI5)</a:t>
             </a:r>
-            <a:endParaRPr kumimoji="0" lang="en-US" sz="800" i="0" u="none" strike="noStrike" kern="0" cap="none" spc="0" normalizeH="0" baseline="0" noProof="0">
+            <a:endParaRPr kumimoji="0" lang="en-US" sz="800" i="0" u="none" strike="noStrike" kern="0" cap="none" spc="0" normalizeH="0" baseline="0" noProof="0" dirty="0">
               <a:ln>
                 <a:noFill/>
               </a:ln>
-              <a:solidFill>
-                <a:schemeClr val="bg1"/>
-              </a:solidFill>
               <a:effectLst/>
               <a:uLnTx/>
               <a:uFillTx/>
@@ -27831,7 +26873,7 @@
               <a:tabLst/>
             </a:pPr>
             <a:r>
-              <a:rPr kumimoji="0" lang="en-US" sz="1000" b="0" i="0" u="none" strike="noStrike" kern="0" cap="none" spc="0" normalizeH="0" baseline="0" noProof="0">
+              <a:rPr kumimoji="0" lang="en-US" sz="1000" b="0" i="0" u="none" strike="noStrike" kern="0" cap="none" spc="0" normalizeH="0" baseline="0" noProof="0" dirty="0">
                 <a:ln>
                   <a:noFill/>
                 </a:ln>
@@ -27902,7 +26944,7 @@
               <a:tabLst/>
             </a:pPr>
             <a:r>
-              <a:rPr lang="en-US" sz="1000" kern="0">
+              <a:rPr lang="en-US" sz="1000" kern="0" dirty="0">
                 <a:latin typeface="+mn-lt"/>
                 <a:ea typeface="Arial Unicode MS" pitchFamily="34" charset="-128"/>
                 <a:cs typeface="Arial Unicode MS" pitchFamily="34" charset="-128"/>
@@ -27910,7 +26952,7 @@
               <a:t>Tight</a:t>
             </a:r>
             <a:r>
-              <a:rPr kumimoji="0" lang="en-US" sz="1000" b="0" i="0" u="none" strike="noStrike" kern="0" cap="none" spc="0" normalizeH="0" baseline="0" noProof="0">
+              <a:rPr kumimoji="0" lang="en-US" sz="1000" b="0" i="0" u="none" strike="noStrike" kern="0" cap="none" spc="0" normalizeH="0" baseline="0" noProof="0" dirty="0">
                 <a:ln>
                   <a:noFill/>
                 </a:ln>
@@ -27924,7 +26966,7 @@
               <a:t> </a:t>
             </a:r>
             <a:br>
-              <a:rPr kumimoji="0" lang="en-US" sz="1000" b="0" i="0" u="none" strike="noStrike" kern="0" cap="none" spc="0" normalizeH="0" baseline="0" noProof="0">
+              <a:rPr kumimoji="0" lang="en-US" sz="1000" b="0" i="0" u="none" strike="noStrike" kern="0" cap="none" spc="0" normalizeH="0" baseline="0" noProof="0" dirty="0">
                 <a:ln>
                   <a:noFill/>
                 </a:ln>
@@ -27937,7 +26979,7 @@
               </a:rPr>
             </a:br>
             <a:r>
-              <a:rPr kumimoji="0" lang="en-US" sz="1000" b="0" i="0" u="none" strike="noStrike" kern="0" cap="none" spc="0" normalizeH="0" baseline="0" noProof="0">
+              <a:rPr kumimoji="0" lang="en-US" sz="1000" b="0" i="0" u="none" strike="noStrike" kern="0" cap="none" spc="0" normalizeH="0" baseline="0" noProof="0" dirty="0">
                 <a:ln>
                   <a:noFill/>
                 </a:ln>
@@ -28085,7 +27127,7 @@
               <a:tabLst/>
             </a:pPr>
             <a:r>
-              <a:rPr kumimoji="0" lang="en-US" sz="1000" b="0" i="0" u="none" strike="noStrike" kern="0" cap="none" spc="0" normalizeH="0" baseline="0" noProof="0">
+              <a:rPr kumimoji="0" lang="en-US" sz="1000" b="0" i="0" u="none" strike="noStrike" kern="0" cap="none" spc="0" normalizeH="0" baseline="0" noProof="0" dirty="0">
                 <a:ln>
                   <a:noFill/>
                 </a:ln>
@@ -28122,7 +27164,7 @@
             <a:avLst/>
           </a:prstGeom>
           <a:solidFill>
-            <a:srgbClr val="1B90FF"/>
+            <a:schemeClr val="tx2"/>
           </a:solidFill>
           <a:ln w="28575" algn="ctr">
             <a:solidFill>
@@ -28157,7 +27199,7 @@
               <a:tabLst/>
             </a:pPr>
             <a:r>
-              <a:rPr kumimoji="0" lang="en-US" sz="1200" i="0" u="none" strike="noStrike" kern="0" cap="none" spc="0" normalizeH="0" baseline="0" noProof="0">
+              <a:rPr kumimoji="0" lang="en-US" sz="1200" i="0" u="none" strike="noStrike" kern="0" cap="none" spc="0" normalizeH="0" baseline="0" noProof="0" dirty="0">
                 <a:ln>
                   <a:noFill/>
                 </a:ln>
@@ -28171,10 +27213,10 @@
                 <a:ea typeface="Arial Unicode MS" pitchFamily="34" charset="-128"/>
                 <a:cs typeface="Arial Unicode MS" pitchFamily="34" charset="-128"/>
               </a:rPr>
-              <a:t>Key User Adaptation</a:t>
+              <a:t>Key user adaptation</a:t>
             </a:r>
             <a:br>
-              <a:rPr kumimoji="0" lang="en-US" sz="1200" i="0" u="none" strike="noStrike" kern="0" cap="none" spc="0" normalizeH="0" baseline="0" noProof="0">
+              <a:rPr kumimoji="0" lang="en-US" sz="1200" i="0" u="none" strike="noStrike" kern="0" cap="none" spc="0" normalizeH="0" baseline="0" noProof="0" dirty="0">
                 <a:ln>
                   <a:noFill/>
                 </a:ln>
@@ -28190,7 +27232,7 @@
               </a:rPr>
             </a:br>
             <a:br>
-              <a:rPr kumimoji="0" lang="en-US" sz="800" i="0" u="none" strike="noStrike" kern="0" cap="none" spc="0" normalizeH="0" baseline="0" noProof="0">
+              <a:rPr kumimoji="0" lang="en-US" sz="800" i="0" u="none" strike="noStrike" kern="0" cap="none" spc="0" normalizeH="0" baseline="0" noProof="0" dirty="0">
                 <a:ln>
                   <a:noFill/>
                 </a:ln>
@@ -28206,7 +27248,7 @@
               </a:rPr>
             </a:br>
             <a:r>
-              <a:rPr lang="en-US" sz="800" kern="0">
+              <a:rPr lang="en-US" sz="800" kern="0" dirty="0">
                 <a:solidFill>
                   <a:schemeClr val="bg1"/>
                 </a:solidFill>
@@ -28217,7 +27259,7 @@
               <a:t>(</a:t>
             </a:r>
             <a:r>
-              <a:rPr kumimoji="0" lang="en-US" sz="800" i="0" u="none" strike="noStrike" kern="0" cap="none" spc="0" normalizeH="0" baseline="0" noProof="0">
+              <a:rPr kumimoji="0" lang="en-US" sz="800" i="0" u="none" strike="noStrike" kern="0" cap="none" spc="0" normalizeH="0" baseline="0" noProof="0" dirty="0">
                 <a:ln>
                   <a:noFill/>
                 </a:ln>
@@ -28233,7 +27275,7 @@
               </a:rPr>
               <a:t>SAPUI5 flexibility)</a:t>
             </a:r>
-            <a:endParaRPr kumimoji="0" lang="en-US" sz="1000" i="0" u="none" strike="noStrike" kern="0" cap="none" spc="0" normalizeH="0" baseline="0" noProof="0">
+            <a:endParaRPr kumimoji="0" lang="en-US" sz="1000" i="0" u="none" strike="noStrike" kern="0" cap="none" spc="0" normalizeH="0" baseline="0" noProof="0" dirty="0">
               <a:ln>
                 <a:noFill/>
               </a:ln>
@@ -28271,9 +27313,7 @@
             <a:avLst/>
           </a:prstGeom>
           <a:solidFill>
-            <a:schemeClr val="tx2">
-              <a:lumMod val="75000"/>
-            </a:schemeClr>
+            <a:srgbClr val="0070F2"/>
           </a:solidFill>
           <a:ln w="28575" algn="ctr">
             <a:solidFill>
@@ -28325,7 +27365,7 @@
                 <a:ea typeface="Arial Unicode MS" pitchFamily="34" charset="-128"/>
                 <a:cs typeface="Arial Unicode MS" pitchFamily="34" charset="-128"/>
               </a:rPr>
-              <a:t>Developer Adaptation</a:t>
+              <a:t>Developer adaptation</a:t>
             </a:r>
             <a:br>
               <a:rPr kumimoji="0" lang="en-US" sz="1200" i="0" u="none" strike="noStrike" kern="0" cap="none" spc="0" normalizeH="0" baseline="0" noProof="0" dirty="0">
@@ -28480,41 +27520,29 @@
               <a:defRPr/>
             </a:pPr>
             <a:r>
-              <a:rPr lang="en-US" sz="1200" kern="0">
-                <a:solidFill>
-                  <a:schemeClr val="bg1"/>
-                </a:solidFill>
+              <a:rPr lang="en-US" sz="1200" kern="0" dirty="0">
                 <a:latin typeface="+mn-lt"/>
                 <a:ea typeface="Arial Unicode MS" pitchFamily="34" charset="-128"/>
                 <a:cs typeface="Arial Unicode MS" pitchFamily="34" charset="-128"/>
               </a:rPr>
-              <a:t>SAP Standard Classic App</a:t>
+              <a:t>SAP standard classic app</a:t>
             </a:r>
             <a:br>
-              <a:rPr lang="en-US" sz="1200" kern="0">
-                <a:solidFill>
-                  <a:schemeClr val="bg1"/>
-                </a:solidFill>
+              <a:rPr lang="en-US" sz="1200" kern="0" dirty="0">
                 <a:latin typeface="+mn-lt"/>
                 <a:ea typeface="Arial Unicode MS" pitchFamily="34" charset="-128"/>
                 <a:cs typeface="Arial Unicode MS" pitchFamily="34" charset="-128"/>
               </a:rPr>
             </a:br>
             <a:br>
-              <a:rPr lang="en-US" sz="800" kern="0">
-                <a:solidFill>
-                  <a:schemeClr val="bg1"/>
-                </a:solidFill>
+              <a:rPr lang="en-US" sz="800" kern="0" dirty="0">
                 <a:latin typeface="+mn-lt"/>
                 <a:ea typeface="Arial Unicode MS" pitchFamily="34" charset="-128"/>
                 <a:cs typeface="Arial Unicode MS" pitchFamily="34" charset="-128"/>
               </a:rPr>
             </a:br>
             <a:r>
-              <a:rPr lang="en-US" sz="800" kern="0">
-                <a:solidFill>
-                  <a:schemeClr val="bg1"/>
-                </a:solidFill>
+              <a:rPr lang="en-US" sz="800" kern="0" dirty="0">
                 <a:latin typeface="+mn-lt"/>
                 <a:ea typeface="Arial Unicode MS" pitchFamily="34" charset="-128"/>
                 <a:cs typeface="Arial Unicode MS" pitchFamily="34" charset="-128"/>
@@ -28585,7 +27613,7 @@
                 <a:ea typeface="Arial Unicode MS" pitchFamily="34" charset="-128"/>
                 <a:cs typeface="Arial Unicode MS" pitchFamily="34" charset="-128"/>
               </a:rPr>
-              <a:t>UI Adaptation</a:t>
+              <a:t>UI adaptation</a:t>
             </a:r>
             <a:br>
               <a:rPr lang="en-US" sz="1200" kern="0" dirty="0">
@@ -28684,7 +27712,7 @@
               <a:tabLst/>
             </a:pPr>
             <a:r>
-              <a:rPr kumimoji="0" lang="en-US" sz="1000" b="0" i="0" u="none" strike="noStrike" kern="0" cap="none" spc="0" normalizeH="0" baseline="0" noProof="0">
+              <a:rPr kumimoji="0" lang="en-US" sz="1000" b="0" i="0" u="none" strike="noStrike" kern="0" cap="none" spc="0" normalizeH="0" baseline="0" noProof="0" dirty="0">
                 <a:ln>
                   <a:noFill/>
                 </a:ln>
@@ -28723,9 +27751,9 @@
           <a:prstGeom prst="straightConnector1">
             <a:avLst/>
           </a:prstGeom>
-          <a:ln w="25400">
+          <a:ln w="12700">
             <a:solidFill>
-              <a:srgbClr val="0057D2"/>
+              <a:schemeClr val="tx1"/>
             </a:solidFill>
             <a:headEnd type="none" w="med" len="med"/>
             <a:tailEnd type="triangle"/>
@@ -28770,9 +27798,9 @@
           <a:prstGeom prst="straightConnector1">
             <a:avLst/>
           </a:prstGeom>
-          <a:ln w="25400">
+          <a:ln w="12700">
             <a:solidFill>
-              <a:srgbClr val="0057D2"/>
+              <a:schemeClr val="tx1"/>
             </a:solidFill>
             <a:headEnd type="none" w="med" len="med"/>
             <a:tailEnd type="triangle"/>
@@ -28817,9 +27845,9 @@
           <a:prstGeom prst="straightConnector1">
             <a:avLst/>
           </a:prstGeom>
-          <a:ln w="25400">
+          <a:ln w="12700">
             <a:solidFill>
-              <a:srgbClr val="0057D2"/>
+              <a:schemeClr val="tx1"/>
             </a:solidFill>
             <a:headEnd type="none" w="med" len="med"/>
             <a:tailEnd type="triangle"/>
@@ -28864,9 +27892,9 @@
           <a:prstGeom prst="bentConnector2">
             <a:avLst/>
           </a:prstGeom>
-          <a:ln w="25400">
+          <a:ln w="12700">
             <a:solidFill>
-              <a:srgbClr val="0057D2"/>
+              <a:schemeClr val="tx1"/>
             </a:solidFill>
             <a:headEnd type="none" w="med" len="med"/>
             <a:tailEnd type="triangle"/>
@@ -28911,9 +27939,9 @@
           <a:prstGeom prst="straightConnector1">
             <a:avLst/>
           </a:prstGeom>
-          <a:ln w="25400">
+          <a:ln w="12700">
             <a:solidFill>
-              <a:srgbClr val="0057D2"/>
+              <a:schemeClr val="tx1"/>
             </a:solidFill>
             <a:headEnd type="none" w="med" len="med"/>
             <a:tailEnd type="triangle"/>
@@ -28958,9 +27986,9 @@
           <a:prstGeom prst="straightConnector1">
             <a:avLst/>
           </a:prstGeom>
-          <a:ln w="25400">
+          <a:ln w="12700">
             <a:solidFill>
-              <a:srgbClr val="0057D2"/>
+              <a:schemeClr val="tx1"/>
             </a:solidFill>
             <a:headEnd type="none" w="med" len="med"/>
             <a:tailEnd type="triangle"/>
@@ -29004,7 +28032,7 @@
           <a:prstGeom prst="straightConnector1">
             <a:avLst/>
           </a:prstGeom>
-          <a:ln w="25400">
+          <a:ln w="12700">
             <a:solidFill>
               <a:schemeClr val="tx1"/>
             </a:solidFill>
@@ -29051,9 +28079,9 @@
           <a:prstGeom prst="straightConnector1">
             <a:avLst/>
           </a:prstGeom>
-          <a:ln w="25400">
+          <a:ln w="12700">
             <a:solidFill>
-              <a:srgbClr val="0057D2"/>
+              <a:schemeClr val="tx1"/>
             </a:solidFill>
             <a:headEnd type="none" w="med" len="med"/>
             <a:tailEnd type="triangle"/>
@@ -29098,9 +28126,9 @@
           <a:prstGeom prst="bentConnector2">
             <a:avLst/>
           </a:prstGeom>
-          <a:ln w="25400">
+          <a:ln w="12700">
             <a:solidFill>
-              <a:srgbClr val="0057D2"/>
+              <a:schemeClr val="tx1"/>
             </a:solidFill>
             <a:headEnd type="none" w="med" len="med"/>
             <a:tailEnd type="triangle"/>
@@ -29145,9 +28173,9 @@
           <a:prstGeom prst="bentConnector2">
             <a:avLst/>
           </a:prstGeom>
-          <a:ln w="25400">
+          <a:ln w="12700">
             <a:solidFill>
-              <a:srgbClr val="0057D2"/>
+              <a:schemeClr val="tx1"/>
             </a:solidFill>
             <a:headEnd type="none" w="med" len="med"/>
             <a:tailEnd type="triangle"/>
@@ -29192,9 +28220,9 @@
           <a:prstGeom prst="straightConnector1">
             <a:avLst/>
           </a:prstGeom>
-          <a:ln w="25400">
+          <a:ln w="12700">
             <a:solidFill>
-              <a:srgbClr val="0057D2"/>
+              <a:schemeClr val="tx1"/>
             </a:solidFill>
             <a:headEnd type="none" w="med" len="med"/>
             <a:tailEnd type="triangle"/>
@@ -29239,9 +28267,9 @@
           <a:prstGeom prst="straightConnector1">
             <a:avLst/>
           </a:prstGeom>
-          <a:ln w="25400">
+          <a:ln w="12700">
             <a:solidFill>
-              <a:srgbClr val="0057D2"/>
+              <a:schemeClr val="tx1"/>
             </a:solidFill>
             <a:headEnd type="none" w="med" len="med"/>
             <a:tailEnd type="triangle"/>
@@ -29285,9 +28313,9 @@
           <a:prstGeom prst="straightConnector1">
             <a:avLst/>
           </a:prstGeom>
-          <a:ln w="25400">
+          <a:ln w="12700">
             <a:solidFill>
-              <a:srgbClr val="0057D2"/>
+              <a:schemeClr val="tx1"/>
             </a:solidFill>
             <a:headEnd type="none" w="med" len="med"/>
             <a:tailEnd type="triangle"/>
@@ -29332,9 +28360,9 @@
           <a:prstGeom prst="straightConnector1">
             <a:avLst/>
           </a:prstGeom>
-          <a:ln w="25400">
+          <a:ln w="12700">
             <a:solidFill>
-              <a:srgbClr val="0057D2"/>
+              <a:schemeClr val="tx1"/>
             </a:solidFill>
             <a:headEnd type="none" w="med" len="med"/>
             <a:tailEnd type="triangle"/>
@@ -29396,7 +28424,7 @@
               <a:buSzPct val="100000"/>
             </a:pPr>
             <a:r>
-              <a:rPr lang="en-US" sz="2000" b="1" kern="0">
+              <a:rPr lang="en-US" sz="2000" b="1" kern="0" dirty="0">
                 <a:solidFill>
                   <a:schemeClr val="accent3">
                     <a:lumMod val="75000"/>
@@ -29409,7 +28437,7 @@
               </a:rPr>
               <a:t></a:t>
             </a:r>
-            <a:endParaRPr lang="en-US" sz="2000" b="1" kern="0">
+            <a:endParaRPr lang="en-US" sz="2000" b="1" kern="0" dirty="0">
               <a:solidFill>
                 <a:schemeClr val="accent3">
                   <a:lumMod val="75000"/>
@@ -29442,8 +28470,26 @@
           <a:prstGeom prst="rect">
             <a:avLst/>
           </a:prstGeom>
-          <a:noFill/>
+          <a:ln w="12700">
+            <a:noFill/>
+            <a:headEnd type="none" w="med" len="med"/>
+            <a:tailEnd type="triangle"/>
+          </a:ln>
         </p:spPr>
+        <p:style>
+          <a:lnRef idx="1">
+            <a:schemeClr val="accent1"/>
+          </a:lnRef>
+          <a:fillRef idx="0">
+            <a:schemeClr val="accent1"/>
+          </a:fillRef>
+          <a:effectRef idx="0">
+            <a:schemeClr val="accent1"/>
+          </a:effectRef>
+          <a:fontRef idx="minor">
+            <a:schemeClr val="tx1"/>
+          </a:fontRef>
+        </p:style>
         <p:txBody>
           <a:bodyPr wrap="square" lIns="0" tIns="0" rIns="0" bIns="0" rtlCol="0" anchor="ctr">
             <a:spAutoFit/>
@@ -29463,7 +28509,7 @@
               <a:buSzPct val="100000"/>
             </a:pPr>
             <a:r>
-              <a:rPr lang="en-US" sz="2000" b="1" kern="0">
+              <a:rPr lang="en-US" sz="2000" b="1" kern="0" dirty="0">
                 <a:solidFill>
                   <a:schemeClr val="accent3">
                     <a:lumMod val="75000"/>
@@ -29476,7 +28522,7 @@
               </a:rPr>
               <a:t></a:t>
             </a:r>
-            <a:endParaRPr lang="en-US" sz="2000" b="1" kern="0">
+            <a:endParaRPr lang="en-US" sz="2000" b="1" kern="0" dirty="0">
               <a:solidFill>
                 <a:schemeClr val="accent3">
                   <a:lumMod val="75000"/>
@@ -29530,7 +28576,7 @@
               <a:buSzPct val="100000"/>
             </a:pPr>
             <a:r>
-              <a:rPr lang="en-US" sz="2000" b="1" kern="0">
+              <a:rPr lang="en-US" sz="2000" b="1" kern="0" dirty="0">
                 <a:solidFill>
                   <a:schemeClr val="accent3">
                     <a:lumMod val="75000"/>
@@ -29543,7 +28589,7 @@
               </a:rPr>
               <a:t></a:t>
             </a:r>
-            <a:endParaRPr lang="en-US" sz="2000" b="1" kern="0">
+            <a:endParaRPr lang="en-US" sz="2000" b="1" kern="0" dirty="0">
               <a:solidFill>
                 <a:schemeClr val="accent3">
                   <a:lumMod val="75000"/>
@@ -29597,7 +28643,7 @@
               <a:buSzPct val="100000"/>
             </a:pPr>
             <a:r>
-              <a:rPr lang="en-US" sz="2000" b="1" kern="0">
+              <a:rPr lang="en-US" sz="2000" b="1" kern="0" dirty="0">
                 <a:solidFill>
                   <a:schemeClr val="accent3">
                     <a:lumMod val="75000"/>
@@ -29610,7 +28656,7 @@
               </a:rPr>
               <a:t></a:t>
             </a:r>
-            <a:endParaRPr lang="en-US" sz="2000" b="1" kern="0">
+            <a:endParaRPr lang="en-US" sz="2000" b="1" kern="0" dirty="0">
               <a:solidFill>
                 <a:schemeClr val="accent3">
                   <a:lumMod val="75000"/>
@@ -29643,8 +28689,26 @@
           <a:prstGeom prst="rect">
             <a:avLst/>
           </a:prstGeom>
-          <a:noFill/>
+          <a:ln w="12700">
+            <a:noFill/>
+            <a:headEnd type="none" w="med" len="med"/>
+            <a:tailEnd type="triangle"/>
+          </a:ln>
         </p:spPr>
+        <p:style>
+          <a:lnRef idx="1">
+            <a:schemeClr val="accent1"/>
+          </a:lnRef>
+          <a:fillRef idx="0">
+            <a:schemeClr val="accent1"/>
+          </a:fillRef>
+          <a:effectRef idx="0">
+            <a:schemeClr val="accent1"/>
+          </a:effectRef>
+          <a:fontRef idx="minor">
+            <a:schemeClr val="tx1"/>
+          </a:fontRef>
+        </p:style>
         <p:txBody>
           <a:bodyPr wrap="square" lIns="0" tIns="0" rIns="0" bIns="0" rtlCol="0" anchor="ctr">
             <a:spAutoFit/>
@@ -29664,7 +28728,7 @@
               <a:buSzPct val="100000"/>
             </a:pPr>
             <a:r>
-              <a:rPr lang="en-US" sz="2000" b="1" kern="0">
+              <a:rPr lang="en-US" sz="2000" b="1" kern="0" dirty="0">
                 <a:solidFill>
                   <a:schemeClr val="accent3">
                     <a:lumMod val="75000"/>
@@ -29677,7 +28741,7 @@
               </a:rPr>
               <a:t></a:t>
             </a:r>
-            <a:endParaRPr lang="en-US" sz="2000" b="1" kern="0">
+            <a:endParaRPr lang="en-US" sz="2000" b="1" kern="0" dirty="0">
               <a:solidFill>
                 <a:schemeClr val="accent3">
                   <a:lumMod val="75000"/>
@@ -29731,7 +28795,7 @@
               <a:buSzPct val="100000"/>
             </a:pPr>
             <a:r>
-              <a:rPr lang="en-US" sz="2000" b="1" kern="0">
+              <a:rPr lang="en-US" sz="2000" b="1" kern="0" dirty="0">
                 <a:solidFill>
                   <a:schemeClr val="accent3">
                     <a:lumMod val="75000"/>
@@ -29744,7 +28808,7 @@
               </a:rPr>
               <a:t></a:t>
             </a:r>
-            <a:endParaRPr lang="en-US" sz="2000" b="1" kern="0">
+            <a:endParaRPr lang="en-US" sz="2000" b="1" kern="0" dirty="0">
               <a:solidFill>
                 <a:schemeClr val="accent3">
                   <a:lumMod val="75000"/>
@@ -29798,7 +28862,7 @@
               <a:buSzPct val="100000"/>
             </a:pPr>
             <a:r>
-              <a:rPr lang="en-US" sz="2000" b="1" kern="0">
+              <a:rPr lang="en-US" sz="2000" b="1" kern="0" dirty="0">
                 <a:solidFill>
                   <a:schemeClr val="accent3">
                     <a:lumMod val="75000"/>
@@ -29811,7 +28875,7 @@
               </a:rPr>
               <a:t></a:t>
             </a:r>
-            <a:endParaRPr lang="en-US" sz="2000" b="1" kern="0">
+            <a:endParaRPr lang="en-US" sz="2000" b="1" kern="0" dirty="0">
               <a:solidFill>
                 <a:schemeClr val="accent3">
                   <a:lumMod val="75000"/>
@@ -29886,7 +28950,7 @@
               </a:rPr>
               <a:t>❌</a:t>
             </a:r>
-            <a:endParaRPr kumimoji="0" lang="en-US" sz="1800" b="0" i="0" u="none" strike="noStrike" kern="1200" cap="none" spc="0" normalizeH="0" baseline="0" noProof="0">
+            <a:endParaRPr kumimoji="0" lang="en-US" sz="1800" b="0" i="0" u="none" strike="noStrike" kern="1200" cap="none" spc="0" normalizeH="0" baseline="0" noProof="0" dirty="0">
               <a:ln>
                 <a:noFill/>
               </a:ln>
@@ -29965,7 +29029,7 @@
               </a:rPr>
               <a:t>❌</a:t>
             </a:r>
-            <a:endParaRPr kumimoji="0" lang="en-US" sz="1800" b="0" i="0" u="none" strike="noStrike" kern="1200" cap="none" spc="0" normalizeH="0" baseline="0" noProof="0">
+            <a:endParaRPr kumimoji="0" lang="en-US" sz="1800" b="0" i="0" u="none" strike="noStrike" kern="1200" cap="none" spc="0" normalizeH="0" baseline="0" noProof="0" dirty="0">
               <a:ln>
                 <a:noFill/>
               </a:ln>
@@ -30044,7 +29108,7 @@
               </a:rPr>
               <a:t>❌</a:t>
             </a:r>
-            <a:endParaRPr kumimoji="0" lang="en-US" sz="1800" b="0" i="0" u="none" strike="noStrike" kern="1200" cap="none" spc="0" normalizeH="0" baseline="0" noProof="0">
+            <a:endParaRPr kumimoji="0" lang="en-US" sz="1800" b="0" i="0" u="none" strike="noStrike" kern="1200" cap="none" spc="0" normalizeH="0" baseline="0" noProof="0" dirty="0">
               <a:ln>
                 <a:noFill/>
               </a:ln>
@@ -30123,7 +29187,7 @@
               </a:rPr>
               <a:t>❌</a:t>
             </a:r>
-            <a:endParaRPr kumimoji="0" lang="en-US" sz="1800" b="0" i="0" u="none" strike="noStrike" kern="1200" cap="none" spc="0" normalizeH="0" baseline="0" noProof="0">
+            <a:endParaRPr kumimoji="0" lang="en-US" sz="1800" b="0" i="0" u="none" strike="noStrike" kern="1200" cap="none" spc="0" normalizeH="0" baseline="0" noProof="0" dirty="0">
               <a:ln>
                 <a:noFill/>
               </a:ln>
@@ -30162,7 +29226,7 @@
           <a:lstStyle/>
           <a:p>
             <a:r>
-              <a:rPr lang="en-US"/>
+              <a:rPr lang="en-US" dirty="0"/>
               <a:t>Choose the path to the UI extension based on your needs</a:t>
             </a:r>
           </a:p>
@@ -30188,8 +29252,26 @@
           <a:prstGeom prst="rect">
             <a:avLst/>
           </a:prstGeom>
-          <a:noFill/>
+          <a:ln w="12700">
+            <a:noFill/>
+            <a:headEnd type="none" w="med" len="med"/>
+            <a:tailEnd type="triangle"/>
+          </a:ln>
         </p:spPr>
+        <p:style>
+          <a:lnRef idx="1">
+            <a:schemeClr val="accent1"/>
+          </a:lnRef>
+          <a:fillRef idx="0">
+            <a:schemeClr val="accent1"/>
+          </a:fillRef>
+          <a:effectRef idx="0">
+            <a:schemeClr val="accent1"/>
+          </a:effectRef>
+          <a:fontRef idx="minor">
+            <a:schemeClr val="tx1"/>
+          </a:fontRef>
+        </p:style>
         <p:txBody>
           <a:bodyPr wrap="square">
             <a:spAutoFit/>
@@ -30230,7 +29312,7 @@
               </a:rPr>
               <a:t>❌</a:t>
             </a:r>
-            <a:endParaRPr kumimoji="0" lang="en-US" sz="1800" b="0" i="0" u="none" strike="noStrike" kern="1200" cap="none" spc="0" normalizeH="0" baseline="0" noProof="0">
+            <a:endParaRPr kumimoji="0" lang="en-US" sz="1800" b="0" i="0" u="none" strike="noStrike" kern="1200" cap="none" spc="0" normalizeH="0" baseline="0" noProof="0" dirty="0">
               <a:ln>
                 <a:noFill/>
               </a:ln>
@@ -30282,7 +29364,7 @@
               </a:rPr>
               <a:t>❌</a:t>
             </a:r>
-            <a:endParaRPr lang="en-US" sz="1800">
+            <a:endParaRPr lang="en-US" sz="1800" dirty="0">
               <a:solidFill>
                 <a:srgbClr val="C00000"/>
               </a:solidFill>
@@ -30350,7 +29432,7 @@
               <a:defRPr/>
             </a:pPr>
             <a:r>
-              <a:rPr kumimoji="0" lang="en-US" sz="1200" b="0" i="0" u="none" strike="noStrike" kern="0" cap="none" spc="0" normalizeH="0" baseline="0" noProof="0">
+              <a:rPr kumimoji="0" lang="en-US" sz="1200" b="0" i="0" u="none" strike="noStrike" kern="0" cap="none" spc="0" normalizeH="0" baseline="0" noProof="0" dirty="0">
                 <a:ln>
                   <a:noFill/>
                 </a:ln>
@@ -30364,7 +29446,7 @@
                 <a:ea typeface="Arial Unicode MS" pitchFamily="34" charset="-128"/>
                 <a:cs typeface="Arial Unicode MS" pitchFamily="34" charset="-128"/>
               </a:rPr>
-              <a:t>Custom App on-stack</a:t>
+              <a:t>Custom app on-stack</a:t>
             </a:r>
           </a:p>
           <a:p>
@@ -30388,7 +29470,7 @@
               <a:defRPr/>
             </a:pPr>
             <a:r>
-              <a:rPr lang="en-US" sz="800" kern="0">
+              <a:rPr lang="en-US" sz="800" kern="0" dirty="0">
                 <a:solidFill>
                   <a:srgbClr val="FFFFFF"/>
                 </a:solidFill>
@@ -30396,10 +29478,10 @@
                 <a:ea typeface="Arial Unicode MS" pitchFamily="34" charset="-128"/>
                 <a:cs typeface="Arial Unicode MS" pitchFamily="34" charset="-128"/>
               </a:rPr>
-              <a:t>(with SAP Build </a:t>
+              <a:t>(with SAP Build, </a:t>
             </a:r>
             <a:br>
-              <a:rPr lang="en-US" sz="800" kern="0">
+              <a:rPr lang="en-US" sz="800" kern="0" dirty="0">
                 <a:solidFill>
                   <a:srgbClr val="FFFFFF"/>
                 </a:solidFill>
@@ -30409,7 +29491,7 @@
               </a:rPr>
             </a:br>
             <a:r>
-              <a:rPr lang="en-US" sz="800" kern="0">
+              <a:rPr lang="en-US" sz="800" kern="0" dirty="0">
                 <a:solidFill>
                   <a:srgbClr val="FFFFFF"/>
                 </a:solidFill>
@@ -30417,10 +29499,10 @@
                 <a:ea typeface="Arial Unicode MS" pitchFamily="34" charset="-128"/>
                 <a:cs typeface="Arial Unicode MS" pitchFamily="34" charset="-128"/>
               </a:rPr>
-              <a:t>ABAP Cloud:</a:t>
+              <a:t>ABAP Cloud,:</a:t>
             </a:r>
             <a:br>
-              <a:rPr lang="en-US" sz="800" kern="0">
+              <a:rPr lang="en-US" sz="800" kern="0" dirty="0">
                 <a:solidFill>
                   <a:srgbClr val="FFFFFF"/>
                 </a:solidFill>
@@ -30430,7 +29512,7 @@
               </a:rPr>
             </a:br>
             <a:r>
-              <a:rPr lang="en-US" sz="800" kern="0">
+              <a:rPr lang="en-US" sz="800" kern="0" dirty="0">
                 <a:solidFill>
                   <a:srgbClr val="FFFFFF"/>
                 </a:solidFill>
@@ -30438,9 +29520,9 @@
                 <a:ea typeface="Arial Unicode MS" pitchFamily="34" charset="-128"/>
                 <a:cs typeface="Arial Unicode MS" pitchFamily="34" charset="-128"/>
               </a:rPr>
-              <a:t>SAP Fiori Elements or SAPUI5 freestyle)</a:t>
+              <a:t>SAP Fiori elements, or SAPUI5 freestyle)</a:t>
             </a:r>
-            <a:endParaRPr kumimoji="0" lang="en-US" sz="800" b="0" i="0" u="none" strike="noStrike" kern="0" cap="none" spc="0" normalizeH="0" baseline="0" noProof="0">
+            <a:endParaRPr kumimoji="0" lang="en-US" sz="800" b="0" i="0" u="none" strike="noStrike" kern="0" cap="none" spc="0" normalizeH="0" baseline="0" noProof="0" dirty="0">
               <a:ln>
                 <a:noFill/>
               </a:ln>
@@ -30510,14 +29592,14 @@
               <a:defRPr/>
             </a:pPr>
             <a:r>
-              <a:rPr lang="en-US" sz="1200" kern="0">
+              <a:rPr lang="en-US" sz="1200" kern="0" dirty="0">
                 <a:solidFill>
                   <a:srgbClr val="FFFFFF"/>
                 </a:solidFill>
                 <a:ea typeface="Arial Unicode MS" pitchFamily="34" charset="-128"/>
                 <a:cs typeface="Arial Unicode MS" pitchFamily="34" charset="-128"/>
               </a:rPr>
-              <a:t>Custom App side-by-side</a:t>
+              <a:t>Custom app side-by-side</a:t>
             </a:r>
           </a:p>
           <a:p>
@@ -30535,7 +29617,7 @@
               <a:defRPr/>
             </a:pPr>
             <a:r>
-              <a:rPr lang="en-US" sz="800" kern="0">
+              <a:rPr lang="en-US" sz="800" kern="0" dirty="0">
                 <a:solidFill>
                   <a:srgbClr val="FFFFFF"/>
                 </a:solidFill>
@@ -30543,10 +29625,10 @@
                 <a:ea typeface="Arial Unicode MS" pitchFamily="34" charset="-128"/>
                 <a:cs typeface="Arial Unicode MS" pitchFamily="34" charset="-128"/>
               </a:rPr>
-              <a:t>(with SAP Build </a:t>
+              <a:t>(with SAP Build, </a:t>
             </a:r>
             <a:br>
-              <a:rPr lang="en-US" sz="800" kern="0">
+              <a:rPr lang="en-US" sz="800" kern="0" dirty="0">
                 <a:solidFill>
                   <a:srgbClr val="FFFFFF"/>
                 </a:solidFill>
@@ -30556,7 +29638,7 @@
               </a:rPr>
             </a:br>
             <a:r>
-              <a:rPr lang="en-US" sz="800" kern="0">
+              <a:rPr lang="en-US" sz="800" kern="0" dirty="0">
                 <a:solidFill>
                   <a:srgbClr val="FFFFFF"/>
                 </a:solidFill>
@@ -30564,10 +29646,10 @@
                 <a:ea typeface="Arial Unicode MS" pitchFamily="34" charset="-128"/>
                 <a:cs typeface="Arial Unicode MS" pitchFamily="34" charset="-128"/>
               </a:rPr>
-              <a:t>CAP or ABAP Cloud:</a:t>
+              <a:t>CAP, ABAP Cloud:</a:t>
             </a:r>
             <a:br>
-              <a:rPr lang="en-US" sz="800" kern="0">
+              <a:rPr lang="en-US" sz="800" kern="0" dirty="0">
                 <a:solidFill>
                   <a:srgbClr val="FFFFFF"/>
                 </a:solidFill>
@@ -30577,7 +29659,7 @@
               </a:rPr>
             </a:br>
             <a:r>
-              <a:rPr lang="en-US" sz="800" kern="0">
+              <a:rPr lang="en-US" sz="800" kern="0" dirty="0">
                 <a:solidFill>
                   <a:srgbClr val="FFFFFF"/>
                 </a:solidFill>
@@ -30585,9 +29667,9 @@
                 <a:ea typeface="Arial Unicode MS" pitchFamily="34" charset="-128"/>
                 <a:cs typeface="Arial Unicode MS" pitchFamily="34" charset="-128"/>
               </a:rPr>
-              <a:t>SAP Fiori Elements or SAPUI5 freestyle or Build Apps)</a:t>
+              <a:t>SAP Fiori elements, SAPUI5 freestyle, or SAP Build Apps)</a:t>
             </a:r>
-            <a:endParaRPr kumimoji="0" lang="en-US" sz="800" b="0" i="0" u="none" strike="noStrike" kern="0" cap="none" spc="0" normalizeH="0" baseline="0" noProof="0">
+            <a:endParaRPr kumimoji="0" lang="en-US" sz="800" b="0" i="0" u="none" strike="noStrike" kern="0" cap="none" spc="0" normalizeH="0" baseline="0" noProof="0" dirty="0">
               <a:ln>
                 <a:noFill/>
               </a:ln>
@@ -30625,6 +29707,9 @@
             <a:avLst/>
           </a:prstGeom>
           <a:noFill/>
+          <a:ln>
+            <a:noFill/>
+          </a:ln>
         </p:spPr>
         <p:txBody>
           <a:bodyPr wrap="square">
@@ -30633,63 +29718,91 @@
           <a:lstStyle/>
           <a:p>
             <a:r>
-              <a:rPr kumimoji="0" lang="en-DE" sz="800" b="0" i="0" u="none" strike="noStrike" kern="1200" cap="none" spc="0" normalizeH="0" noProof="0">
+              <a:rPr kumimoji="0" lang="en-DE" sz="800" b="0" i="0" u="none" strike="noStrike" kern="1200" cap="none" spc="0" normalizeH="0" noProof="0" dirty="0">
                 <a:ln>
                   <a:noFill/>
                 </a:ln>
                 <a:effectLst/>
                 <a:uLnTx/>
                 <a:uFillTx/>
-                <a:latin typeface="72 Brand Medium"/>
-                <a:ea typeface="+mn-ea"/>
-                <a:cs typeface="+mn-cs"/>
+                <a:latin typeface="72 Brand" panose="020B0504030603020204" pitchFamily="34" charset="0"/>
               </a:rPr>
-              <a:t>no standard UI available</a:t>
+              <a:t>No standard UI available</a:t>
             </a:r>
-            <a:endParaRPr lang="en-US" sz="800"/>
+            <a:endParaRPr lang="en-US" sz="800" dirty="0">
+              <a:latin typeface="72 Brand" panose="020B0504030603020204" pitchFamily="34" charset="0"/>
+            </a:endParaRPr>
           </a:p>
         </p:txBody>
       </p:sp>
-      <p:pic>
-        <p:nvPicPr>
-          <p:cNvPr id="3" name="Graphic 2" descr="Magnifying glass with solid fill">
+      <p:sp>
+        <p:nvSpPr>
+          <p:cNvPr id="4" name="Abgerundetes Rechteck 3">
             <a:extLst>
               <a:ext uri="{FF2B5EF4-FFF2-40B4-BE49-F238E27FC236}">
-                <a16:creationId xmlns:a16="http://schemas.microsoft.com/office/drawing/2014/main" id="{B62215E7-95E2-FA99-216E-D714C7D03920}"/>
+                <a16:creationId xmlns:a16="http://schemas.microsoft.com/office/drawing/2014/main" id="{52156C24-1D47-7EB8-86BD-E85B53E93BA0}"/>
               </a:ext>
             </a:extLst>
           </p:cNvPr>
-          <p:cNvPicPr>
-            <a:picLocks noChangeAspect="1"/>
-          </p:cNvPicPr>
+          <p:cNvSpPr/>
           <p:nvPr/>
-        </p:nvPicPr>
-        <p:blipFill>
-          <a:blip r:embed="rId3">
-            <a:extLst>
-              <a:ext uri="{96DAC541-7B7A-43D3-8B79-37D633B846F1}">
-                <asvg:svgBlip xmlns:asvg="http://schemas.microsoft.com/office/drawing/2016/SVG/main" r:embed="rId4"/>
-              </a:ext>
-            </a:extLst>
-          </a:blip>
-          <a:stretch>
-            <a:fillRect/>
-          </a:stretch>
-        </p:blipFill>
-        <p:spPr>
+        </p:nvSpPr>
+        <p:spPr bwMode="gray">
           <a:xfrm>
-            <a:off x="1409028" y="4383899"/>
-            <a:ext cx="3054239" cy="3054239"/>
+            <a:off x="2109757" y="4875010"/>
+            <a:ext cx="1136342" cy="1457585"/>
           </a:xfrm>
-          <a:prstGeom prst="rect">
+          <a:prstGeom prst="roundRect">
             <a:avLst/>
           </a:prstGeom>
+          <a:noFill/>
+          <a:ln w="57150" algn="ctr">
+            <a:solidFill>
+              <a:srgbClr val="FF8AF0"/>
+            </a:solidFill>
+            <a:miter lim="800000"/>
+            <a:headEnd/>
+            <a:tailEnd/>
+          </a:ln>
         </p:spPr>
-      </p:pic>
+        <p:txBody>
+          <a:bodyPr lIns="90000" tIns="72000" rIns="90000" bIns="72000" rtlCol="0" anchor="ctr"/>
+          <a:lstStyle/>
+          <a:p>
+            <a:pPr marR="0" algn="ctr" defTabSz="914400" eaLnBrk="1" fontAlgn="base" latinLnBrk="0" hangingPunct="1">
+              <a:lnSpc>
+                <a:spcPct val="100000"/>
+              </a:lnSpc>
+              <a:spcBef>
+                <a:spcPct val="50000"/>
+              </a:spcBef>
+              <a:spcAft>
+                <a:spcPct val="0"/>
+              </a:spcAft>
+              <a:buClr>
+                <a:srgbClr val="F0AB00"/>
+              </a:buClr>
+              <a:buSzPct val="80000"/>
+              <a:tabLst/>
+            </a:pPr>
+            <a:endParaRPr kumimoji="0" lang="de-DE" sz="1800" b="0" i="0" u="none" strike="noStrike" kern="0" cap="none" spc="0" normalizeH="0" baseline="0" noProof="0" dirty="0">
+              <a:ln>
+                <a:noFill/>
+              </a:ln>
+              <a:effectLst/>
+              <a:uLnTx/>
+              <a:uFillTx/>
+              <a:latin typeface="+mn-lt"/>
+              <a:ea typeface="72 Brand" pitchFamily="34" charset="-128"/>
+              <a:cs typeface="72 Brand" pitchFamily="34" charset="-128"/>
+            </a:endParaRPr>
+          </a:p>
+        </p:txBody>
+      </p:sp>
     </p:spTree>
     <p:extLst>
       <p:ext uri="{BB962C8B-B14F-4D97-AF65-F5344CB8AC3E}">
-        <p14:creationId xmlns:p14="http://schemas.microsoft.com/office/powerpoint/2010/main" val="2751725123"/>
+        <p14:creationId xmlns:p14="http://schemas.microsoft.com/office/powerpoint/2010/main" val="2229705561"/>
       </p:ext>
     </p:extLst>
   </p:cSld>
@@ -32085,7 +31198,7 @@
                             </p:stCondLst>
                             <p:childTnLst>
                               <p:par>
-                                <p:cTn id="115" presetID="1" presetClass="entr" presetSubtype="0" fill="hold" nodeType="clickEffect">
+                                <p:cTn id="115" presetID="1" presetClass="entr" presetSubtype="0" fill="hold" grpId="0" nodeType="clickEffect">
                                   <p:stCondLst>
                                     <p:cond delay="0"/>
                                   </p:stCondLst>
@@ -32098,7 +31211,7 @@
                                           </p:stCondLst>
                                         </p:cTn>
                                         <p:tgtEl>
-                                          <p:spTgt spid="3"/>
+                                          <p:spTgt spid="4"/>
                                         </p:tgtEl>
                                         <p:attrNameLst>
                                           <p:attrName>style.visibility</p:attrName>
@@ -32130,16 +31243,16 @@
                             </p:stCondLst>
                             <p:childTnLst>
                               <p:par>
-                                <p:cTn id="119" presetID="42" presetClass="path" presetSubtype="0" accel="50000" decel="50000" fill="hold" nodeType="clickEffect">
+                                <p:cTn id="119" presetID="42" presetClass="path" presetSubtype="0" accel="50000" decel="50000" fill="hold" grpId="1" nodeType="clickEffect">
                                   <p:stCondLst>
                                     <p:cond delay="0"/>
                                   </p:stCondLst>
                                   <p:childTnLst>
-                                    <p:animMotion origin="layout" path="M -2.70242E-6 0.00046 L 0.11169 0.00046 " pathEditMode="relative" rAng="0" ptsTypes="AA">
+                                    <p:animMotion origin="layout" path="M -4.26972E-6 0.00046 L 0.11169 0.00046 " pathEditMode="relative" rAng="0" ptsTypes="AA">
                                       <p:cBhvr>
                                         <p:cTn id="120" dur="2000" fill="hold"/>
                                         <p:tgtEl>
-                                          <p:spTgt spid="3"/>
+                                          <p:spTgt spid="4"/>
                                         </p:tgtEl>
                                         <p:attrNameLst>
                                           <p:attrName>ppt_x</p:attrName>
@@ -32170,7 +31283,7 @@
                             </p:stCondLst>
                             <p:childTnLst>
                               <p:par>
-                                <p:cTn id="123" presetID="42" presetClass="path" presetSubtype="0" accel="50000" decel="50000" fill="hold" nodeType="clickEffect">
+                                <p:cTn id="123" presetID="42" presetClass="path" presetSubtype="0" accel="50000" decel="50000" fill="hold" grpId="2" nodeType="clickEffect">
                                   <p:stCondLst>
                                     <p:cond delay="0"/>
                                   </p:stCondLst>
@@ -32179,7 +31292,7 @@
                                       <p:cBhvr>
                                         <p:cTn id="124" dur="2000" fill="hold"/>
                                         <p:tgtEl>
-                                          <p:spTgt spid="3"/>
+                                          <p:spTgt spid="4"/>
                                         </p:tgtEl>
                                         <p:attrNameLst>
                                           <p:attrName>ppt_x</p:attrName>
@@ -32247,6 +31360,9 @@
       <p:bldP spid="27" grpId="0" animBg="1"/>
       <p:bldP spid="29" grpId="0" animBg="1"/>
       <p:bldP spid="35" grpId="0"/>
+      <p:bldP spid="4" grpId="0" animBg="1"/>
+      <p:bldP spid="4" grpId="1" animBg="1"/>
+      <p:bldP spid="4" grpId="2" animBg="1"/>
     </p:bldLst>
   </p:timing>
 </p:sld>

--- a/slides/AD260.pptx
+++ b/slides/AD260.pptx
@@ -5,10 +5,10 @@
     <p:sldMasterId id="2147483733" r:id="rId10"/>
   </p:sldMasterIdLst>
   <p:notesMasterIdLst>
-    <p:notesMasterId r:id="rId18"/>
+    <p:notesMasterId r:id="rId19"/>
   </p:notesMasterIdLst>
   <p:handoutMasterIdLst>
-    <p:handoutMasterId r:id="rId19"/>
+    <p:handoutMasterId r:id="rId20"/>
   </p:handoutMasterIdLst>
   <p:sldIdLst>
     <p:sldId id="2147483250" r:id="rId11"/>
@@ -16,31 +16,32 @@
     <p:sldId id="2147483285" r:id="rId13"/>
     <p:sldId id="2147483286" r:id="rId14"/>
     <p:sldId id="272" r:id="rId15"/>
-    <p:sldId id="2147483261" r:id="rId16"/>
-    <p:sldId id="2147483266" r:id="rId17"/>
+    <p:sldId id="285" r:id="rId16"/>
+    <p:sldId id="2147483261" r:id="rId17"/>
+    <p:sldId id="2147483266" r:id="rId18"/>
   </p:sldIdLst>
   <p:sldSz cx="12195175" cy="6858000"/>
   <p:notesSz cx="6858000" cy="9144000"/>
   <p:embeddedFontLst>
     <p:embeddedFont>
       <p:font typeface="72 Brand" panose="020B0504030603020204" pitchFamily="34" charset="0"/>
-      <p:regular r:id="rId20"/>
-      <p:bold r:id="rId21"/>
-      <p:italic r:id="rId22"/>
-      <p:boldItalic r:id="rId23"/>
+      <p:regular r:id="rId21"/>
+      <p:bold r:id="rId22"/>
+      <p:italic r:id="rId23"/>
+      <p:boldItalic r:id="rId24"/>
     </p:embeddedFont>
     <p:embeddedFont>
       <p:font typeface="72 Brand Medium" panose="020B0504030603020204" pitchFamily="34" charset="0"/>
-      <p:regular r:id="rId24"/>
-      <p:italic r:id="rId25"/>
+      <p:regular r:id="rId25"/>
+      <p:italic r:id="rId26"/>
     </p:embeddedFont>
     <p:embeddedFont>
       <p:font typeface="Arial Unicode MS" panose="020B0604020202020204" pitchFamily="34" charset="-128"/>
-      <p:regular r:id="rId26"/>
+      <p:regular r:id="rId27"/>
     </p:embeddedFont>
   </p:embeddedFontLst>
   <p:custDataLst>
-    <p:tags r:id="rId27"/>
+    <p:tags r:id="rId28"/>
   </p:custDataLst>
   <p:defaultTextStyle>
     <a:defPPr>
@@ -171,6 +172,7 @@
             <p14:sldId id="2147483285"/>
             <p14:sldId id="2147483286"/>
             <p14:sldId id="272"/>
+            <p14:sldId id="285"/>
             <p14:sldId id="2147483261"/>
             <p14:sldId id="2147483266"/>
           </p14:sldIdLst>
@@ -212,6 +214,7 @@
 <file path=ppt/authors.xml><?xml version="1.0" encoding="utf-8"?>
 <p188:authorLst xmlns:a="http://schemas.openxmlformats.org/drawingml/2006/main" xmlns:r="http://schemas.openxmlformats.org/officeDocument/2006/relationships" xmlns:p188="http://schemas.microsoft.com/office/powerpoint/2018/8/main">
   <p188:author id="{E75DE60F-F061-9186-C55D-060D315FF4C4}" name="Feng, Carol" initials="CF" userId="S::carol.feng01@sap.com::3fc581bf-0d26-4965-807f-00fa63ae760c" providerId="AD"/>
+  <p188:author id="{FD173210-4E00-881C-1796-01B5D65AF936}" name="Imke Krüger" initials="IK" userId="072fca9e5840f710" providerId="Windows Live"/>
   <p188:author id="{B6EC8343-9CFC-03A5-80FF-91AD473335E8}" name="Hughes, Jamie" initials="JH" userId="S::jamie.hughes@sap.com::36cfe3be-5d77-46c3-bb00-4a5421f3e788" providerId="AD"/>
   <p188:author id="{5770498A-2AA0-5C4E-2767-32307344AD47}" name="Meagher, Jason" initials="MJ" userId="S::jason.meagher@sap.com::8df69b86-b6d1-4eb4-ac27-953ba6154118" providerId="AD"/>
   <p188:author id="{A0D2B7AF-1744-6A17-5999-E465F81803B5}" name="Bitz, Heidi" initials="HB" userId="S::heidi.bitz@sap.com::9967a29f-0951-4f19-aaf9-5b3fc039a285" providerId="AD"/>
@@ -219,6 +222,27 @@
   <p188:author id="{36CCD9F5-6E60-7A73-1DCF-5563810D4955}" name="Maguire, Erin Rose (external - Service)" initials="MS" userId="S::erin.maguire@sap.com::31cd2fe5-b7ee-43ed-a3b6-34dde073ece3" providerId="AD"/>
   <p188:author id="{C20625FD-0F39-6CE0-C5B3-6DB553A9E917}" name="Krueger, Imke (external - Service)" initials="IK" userId="S::imke.krueger@sap.com::7a718e30-7757-4c5f-a851-fb217b5d2b30" providerId="AD"/>
 </p188:authorLst>
+</file>
+
+<file path=ppt/comments/modernComment_11D_44D0692.xml><?xml version="1.0" encoding="utf-8"?>
+<p188:cmLst xmlns:a="http://schemas.openxmlformats.org/drawingml/2006/main" xmlns:r="http://schemas.openxmlformats.org/officeDocument/2006/relationships" xmlns:p188="http://schemas.microsoft.com/office/powerpoint/2018/8/main">
+  <p188:cm id="{41F8FBB8-875A-0D4F-9812-ECD1A8DF3B4C}" authorId="{FD173210-4E00-881C-1796-01B5D65AF936}" created="2025-10-15T20:50:57.443">
+    <pc:sldMkLst xmlns:pc="http://schemas.microsoft.com/office/powerpoint/2013/main/command">
+      <pc:docMk/>
+      <pc:sldMk cId="2530876033" sldId="2147483256"/>
+    </pc:sldMkLst>
+    <p188:txBody>
+      <a:bodyPr/>
+      <a:lstStyle/>
+      <a:p>
+        <a:r>
+          <a:rPr lang="de-DE"/>
+          <a:t>Added the session survey slide</a:t>
+        </a:r>
+      </a:p>
+    </p188:txBody>
+  </p188:cm>
+</p188:cmLst>
 </file>
 
 <file path=ppt/handoutMasters/handoutMaster1.xml><?xml version="1.0" encoding="utf-8"?>
@@ -31589,6 +31613,355 @@
       </p:grpSpPr>
       <p:pic>
         <p:nvPicPr>
+          <p:cNvPr id="7" name="Picture 6">
+            <a:extLst>
+              <a:ext uri="{FF2B5EF4-FFF2-40B4-BE49-F238E27FC236}">
+                <a16:creationId xmlns:a16="http://schemas.microsoft.com/office/drawing/2014/main" id="{F9B54A4D-8763-E116-F30D-A08F5B4B4EE2}"/>
+              </a:ext>
+            </a:extLst>
+          </p:cNvPr>
+          <p:cNvPicPr>
+            <a:picLocks noChangeAspect="1"/>
+          </p:cNvPicPr>
+          <p:nvPr/>
+        </p:nvPicPr>
+        <p:blipFill>
+          <a:blip r:embed="rId3"/>
+          <a:stretch>
+            <a:fillRect/>
+          </a:stretch>
+        </p:blipFill>
+        <p:spPr>
+          <a:xfrm>
+            <a:off x="8592423" y="1960710"/>
+            <a:ext cx="2930726" cy="2930724"/>
+          </a:xfrm>
+          <a:prstGeom prst="rect">
+            <a:avLst/>
+          </a:prstGeom>
+        </p:spPr>
+      </p:pic>
+      <p:pic>
+        <p:nvPicPr>
+          <p:cNvPr id="5" name="Grafik 4">
+            <a:extLst>
+              <a:ext uri="{FF2B5EF4-FFF2-40B4-BE49-F238E27FC236}">
+                <a16:creationId xmlns:a16="http://schemas.microsoft.com/office/drawing/2014/main" id="{4A1F2C3D-D4B1-8E3D-86C2-BD87127D6AEC}"/>
+              </a:ext>
+            </a:extLst>
+          </p:cNvPr>
+          <p:cNvPicPr>
+            <a:picLocks noChangeAspect="1"/>
+          </p:cNvPicPr>
+          <p:nvPr/>
+        </p:nvPicPr>
+        <p:blipFill>
+          <a:blip r:embed="rId4" cstate="hqprint">
+            <a:extLst>
+              <a:ext uri="{28A0092B-C50C-407E-A947-70E740481C1C}">
+                <a14:useLocalDpi xmlns:a14="http://schemas.microsoft.com/office/drawing/2010/main"/>
+              </a:ext>
+            </a:extLst>
+          </a:blip>
+          <a:srcRect/>
+          <a:stretch>
+            <a:fillRect/>
+          </a:stretch>
+        </p:blipFill>
+        <p:spPr>
+          <a:xfrm>
+            <a:off x="1" y="351000"/>
+            <a:ext cx="2419169" cy="6156000"/>
+          </a:xfrm>
+          <a:custGeom>
+            <a:avLst/>
+            <a:gdLst>
+              <a:gd name="connsiteX0" fmla="*/ 0 w 2419169"/>
+              <a:gd name="connsiteY0" fmla="*/ 0 h 6156000"/>
+              <a:gd name="connsiteX1" fmla="*/ 2419169 w 2419169"/>
+              <a:gd name="connsiteY1" fmla="*/ 0 h 6156000"/>
+              <a:gd name="connsiteX2" fmla="*/ 2419169 w 2419169"/>
+              <a:gd name="connsiteY2" fmla="*/ 6156000 h 6156000"/>
+              <a:gd name="connsiteX3" fmla="*/ 0 w 2419169"/>
+              <a:gd name="connsiteY3" fmla="*/ 6156000 h 6156000"/>
+            </a:gdLst>
+            <a:ahLst/>
+            <a:cxnLst>
+              <a:cxn ang="0">
+                <a:pos x="connsiteX0" y="connsiteY0"/>
+              </a:cxn>
+              <a:cxn ang="0">
+                <a:pos x="connsiteX1" y="connsiteY1"/>
+              </a:cxn>
+              <a:cxn ang="0">
+                <a:pos x="connsiteX2" y="connsiteY2"/>
+              </a:cxn>
+              <a:cxn ang="0">
+                <a:pos x="connsiteX3" y="connsiteY3"/>
+              </a:cxn>
+            </a:cxnLst>
+            <a:rect l="l" t="t" r="r" b="b"/>
+            <a:pathLst>
+              <a:path w="2419169" h="6156000">
+                <a:moveTo>
+                  <a:pt x="0" y="0"/>
+                </a:moveTo>
+                <a:lnTo>
+                  <a:pt x="2419169" y="0"/>
+                </a:lnTo>
+                <a:lnTo>
+                  <a:pt x="2419169" y="6156000"/>
+                </a:lnTo>
+                <a:lnTo>
+                  <a:pt x="0" y="6156000"/>
+                </a:lnTo>
+                <a:close/>
+              </a:path>
+            </a:pathLst>
+          </a:custGeom>
+        </p:spPr>
+      </p:pic>
+      <p:sp>
+        <p:nvSpPr>
+          <p:cNvPr id="2" name="Textplatzhalter 1">
+            <a:extLst>
+              <a:ext uri="{FF2B5EF4-FFF2-40B4-BE49-F238E27FC236}">
+                <a16:creationId xmlns:a16="http://schemas.microsoft.com/office/drawing/2014/main" id="{0875ADF5-0E24-B0D5-460B-C25EBAA57096}"/>
+              </a:ext>
+            </a:extLst>
+          </p:cNvPr>
+          <p:cNvSpPr txBox="1">
+            <a:spLocks/>
+          </p:cNvSpPr>
+          <p:nvPr/>
+        </p:nvSpPr>
+        <p:spPr>
+          <a:xfrm>
+            <a:off x="2875511" y="1779468"/>
+            <a:ext cx="5260571" cy="3293209"/>
+          </a:xfrm>
+          <a:prstGeom prst="rect">
+            <a:avLst/>
+          </a:prstGeom>
+        </p:spPr>
+        <p:txBody>
+          <a:bodyPr wrap="square" anchor="ctr" anchorCtr="0">
+            <a:spAutoFit/>
+          </a:bodyPr>
+          <a:lstStyle>
+            <a:lvl1pPr marL="0" indent="0" algn="l" defTabSz="1088558" rtl="0" eaLnBrk="1" latinLnBrk="0" hangingPunct="1">
+              <a:spcBef>
+                <a:spcPts val="1800"/>
+              </a:spcBef>
+              <a:buClrTx/>
+              <a:buSzPct val="80000"/>
+              <a:buFont typeface="72 Brand" panose="02000000000000000000" pitchFamily="2" charset="0"/>
+              <a:buChar char="​"/>
+              <a:defRPr sz="2000" b="0" i="0" kern="1200">
+                <a:solidFill>
+                  <a:schemeClr val="tx1"/>
+                </a:solidFill>
+                <a:latin typeface="+mn-lt"/>
+                <a:ea typeface="+mn-ea"/>
+                <a:cs typeface="+mn-cs"/>
+              </a:defRPr>
+            </a:lvl1pPr>
+            <a:lvl2pPr marL="179964" indent="-179964" algn="l" defTabSz="1088558" rtl="0" eaLnBrk="1" latinLnBrk="0" hangingPunct="1">
+              <a:spcBef>
+                <a:spcPts val="600"/>
+              </a:spcBef>
+              <a:buClr>
+                <a:schemeClr val="tx1"/>
+              </a:buClr>
+              <a:buSzPct val="100000"/>
+              <a:buFont typeface="Arial" panose="020B0604020202020204" pitchFamily="34" charset="0"/>
+              <a:buChar char="•"/>
+              <a:defRPr sz="1800" b="0" i="0" kern="1200">
+                <a:solidFill>
+                  <a:schemeClr val="tx1"/>
+                </a:solidFill>
+                <a:latin typeface="+mn-lt"/>
+                <a:ea typeface="+mn-ea"/>
+                <a:cs typeface="+mn-cs"/>
+              </a:defRPr>
+            </a:lvl2pPr>
+            <a:lvl3pPr marL="358775" indent="-179388" algn="l" defTabSz="1088558" rtl="0" eaLnBrk="1" latinLnBrk="0" hangingPunct="1">
+              <a:spcBef>
+                <a:spcPts val="300"/>
+              </a:spcBef>
+              <a:buClr>
+                <a:schemeClr val="tx1"/>
+              </a:buClr>
+              <a:buSzPct val="100000"/>
+              <a:buFont typeface="Arial" panose="020B0604020202020204" pitchFamily="34" charset="0"/>
+              <a:buChar char="–"/>
+              <a:defRPr lang="en-US" sz="1800" b="0" i="0" kern="1200" noProof="0" dirty="0" smtClean="0">
+                <a:solidFill>
+                  <a:schemeClr val="tx1"/>
+                </a:solidFill>
+                <a:latin typeface="+mn-lt"/>
+                <a:ea typeface="+mn-ea"/>
+                <a:cs typeface="+mn-cs"/>
+              </a:defRPr>
+            </a:lvl3pPr>
+            <a:lvl4pPr marL="539892" indent="-179964" algn="l" defTabSz="1088558" rtl="0" eaLnBrk="1" latinLnBrk="0" hangingPunct="1">
+              <a:spcBef>
+                <a:spcPts val="300"/>
+              </a:spcBef>
+              <a:buClr>
+                <a:schemeClr val="tx1"/>
+              </a:buClr>
+              <a:buSzPct val="80000"/>
+              <a:buFont typeface="Courier New" panose="02070309020205020404" pitchFamily="49" charset="0"/>
+              <a:buChar char="o"/>
+              <a:defRPr sz="1600" b="0" i="0" kern="1200">
+                <a:solidFill>
+                  <a:schemeClr val="tx1"/>
+                </a:solidFill>
+                <a:latin typeface="+mn-lt"/>
+                <a:ea typeface="+mn-ea"/>
+                <a:cs typeface="+mn-cs"/>
+              </a:defRPr>
+            </a:lvl4pPr>
+            <a:lvl5pPr marL="719856" indent="-179964" algn="l" defTabSz="1088558" rtl="0" eaLnBrk="1" latinLnBrk="0" hangingPunct="1">
+              <a:spcBef>
+                <a:spcPts val="100"/>
+              </a:spcBef>
+              <a:buClr>
+                <a:schemeClr val="tx1"/>
+              </a:buClr>
+              <a:buSzPct val="100000"/>
+              <a:buFont typeface="Symbol" panose="05050102010706020507" pitchFamily="18" charset="2"/>
+              <a:buChar char="-"/>
+              <a:defRPr sz="1400" b="0" i="0" kern="1200" baseline="0">
+                <a:solidFill>
+                  <a:schemeClr val="tx1"/>
+                </a:solidFill>
+                <a:latin typeface="+mn-lt"/>
+                <a:ea typeface="+mn-ea"/>
+                <a:cs typeface="+mn-cs"/>
+              </a:defRPr>
+            </a:lvl5pPr>
+            <a:lvl6pPr marL="2993535" indent="-272140" algn="l" defTabSz="1088558" rtl="0" eaLnBrk="1" latinLnBrk="0" hangingPunct="1">
+              <a:spcBef>
+                <a:spcPct val="20000"/>
+              </a:spcBef>
+              <a:buFont typeface="Arial" pitchFamily="34" charset="0"/>
+              <a:buChar char="•"/>
+              <a:defRPr sz="2400" kern="1200">
+                <a:solidFill>
+                  <a:schemeClr val="tx1"/>
+                </a:solidFill>
+                <a:latin typeface="+mn-lt"/>
+                <a:ea typeface="+mn-ea"/>
+                <a:cs typeface="+mn-cs"/>
+              </a:defRPr>
+            </a:lvl6pPr>
+            <a:lvl7pPr marL="3537814" indent="-272140" algn="l" defTabSz="1088558" rtl="0" eaLnBrk="1" latinLnBrk="0" hangingPunct="1">
+              <a:spcBef>
+                <a:spcPct val="20000"/>
+              </a:spcBef>
+              <a:buFont typeface="Arial" pitchFamily="34" charset="0"/>
+              <a:buChar char="•"/>
+              <a:defRPr sz="2400" kern="1200">
+                <a:solidFill>
+                  <a:schemeClr val="tx1"/>
+                </a:solidFill>
+                <a:latin typeface="+mn-lt"/>
+                <a:ea typeface="+mn-ea"/>
+                <a:cs typeface="+mn-cs"/>
+              </a:defRPr>
+            </a:lvl7pPr>
+            <a:lvl8pPr marL="4082093" indent="-272140" algn="l" defTabSz="1088558" rtl="0" eaLnBrk="1" latinLnBrk="0" hangingPunct="1">
+              <a:spcBef>
+                <a:spcPct val="20000"/>
+              </a:spcBef>
+              <a:buFont typeface="Arial" pitchFamily="34" charset="0"/>
+              <a:buChar char="•"/>
+              <a:defRPr sz="2400" kern="1200">
+                <a:solidFill>
+                  <a:schemeClr val="tx1"/>
+                </a:solidFill>
+                <a:latin typeface="+mn-lt"/>
+                <a:ea typeface="+mn-ea"/>
+                <a:cs typeface="+mn-cs"/>
+              </a:defRPr>
+            </a:lvl8pPr>
+            <a:lvl9pPr marL="4626373" indent="-272140" algn="l" defTabSz="1088558" rtl="0" eaLnBrk="1" latinLnBrk="0" hangingPunct="1">
+              <a:spcBef>
+                <a:spcPct val="20000"/>
+              </a:spcBef>
+              <a:buFont typeface="Arial" pitchFamily="34" charset="0"/>
+              <a:buChar char="•"/>
+              <a:defRPr sz="2400" kern="1200">
+                <a:solidFill>
+                  <a:schemeClr val="tx1"/>
+                </a:solidFill>
+                <a:latin typeface="+mn-lt"/>
+                <a:ea typeface="+mn-ea"/>
+                <a:cs typeface="+mn-cs"/>
+              </a:defRPr>
+            </a:lvl9pPr>
+          </a:lstStyle>
+          <a:p>
+            <a:r>
+              <a:rPr lang="en-GB" sz="5400" dirty="0">
+                <a:latin typeface="+mj-lt"/>
+              </a:rPr>
+              <a:t>Your feedback matters.</a:t>
+            </a:r>
+          </a:p>
+          <a:p>
+            <a:pPr>
+              <a:spcBef>
+                <a:spcPts val="2400"/>
+              </a:spcBef>
+            </a:pPr>
+            <a:r>
+              <a:rPr lang="en-DE" sz="3600" dirty="0"/>
+              <a:t>Share your thoughts on this session.</a:t>
+            </a:r>
+            <a:endParaRPr lang="en-US" sz="3600" dirty="0"/>
+          </a:p>
+        </p:txBody>
+      </p:sp>
+    </p:spTree>
+    <p:extLst>
+      <p:ext uri="{BB962C8B-B14F-4D97-AF65-F5344CB8AC3E}">
+        <p14:creationId xmlns:p14="http://schemas.microsoft.com/office/powerpoint/2010/main" val="72156818"/>
+      </p:ext>
+    </p:extLst>
+  </p:cSld>
+  <p:clrMapOvr>
+    <a:masterClrMapping/>
+  </p:clrMapOvr>
+  <p:extLst>
+    <p:ext uri="{6950BFC3-D8DA-4A85-94F7-54DA5524770B}">
+      <p188:commentRel xmlns:p188="http://schemas.microsoft.com/office/powerpoint/2018/8/main" r:id="rId2"/>
+    </p:ext>
+  </p:extLst>
+</p:sld>
+</file>
+
+<file path=ppt/slides/slide7.xml><?xml version="1.0" encoding="utf-8"?>
+<p:sld xmlns:a="http://schemas.openxmlformats.org/drawingml/2006/main" xmlns:r="http://schemas.openxmlformats.org/officeDocument/2006/relationships" xmlns:p="http://schemas.openxmlformats.org/presentationml/2006/main">
+  <p:cSld>
+    <p:spTree>
+      <p:nvGrpSpPr>
+        <p:cNvPr id="1" name=""/>
+        <p:cNvGrpSpPr/>
+        <p:nvPr/>
+      </p:nvGrpSpPr>
+      <p:grpSpPr>
+        <a:xfrm>
+          <a:off x="0" y="0"/>
+          <a:ext cx="0" cy="0"/>
+          <a:chOff x="0" y="0"/>
+          <a:chExt cx="0" cy="0"/>
+        </a:xfrm>
+      </p:grpSpPr>
+      <p:pic>
+        <p:nvPicPr>
           <p:cNvPr id="6" name="Picture 5" descr="A qr code with a logo&#10;&#10;AI-generated content may be incorrect.">
             <a:extLst>
               <a:ext uri="{FF2B5EF4-FFF2-40B4-BE49-F238E27FC236}">
@@ -32024,7 +32397,7 @@
 </p:sld>
 </file>
 
-<file path=ppt/slides/slide7.xml><?xml version="1.0" encoding="utf-8"?>
+<file path=ppt/slides/slide8.xml><?xml version="1.0" encoding="utf-8"?>
 <p:sld xmlns:a="http://schemas.openxmlformats.org/drawingml/2006/main" xmlns:r="http://schemas.openxmlformats.org/officeDocument/2006/relationships" xmlns:p="http://schemas.openxmlformats.org/presentationml/2006/main">
   <p:cSld>
     <p:spTree>
